--- a/share/提摩太后书/释经讲道01-天国志愿军/属灵生命成长的要素-2ti2-1-14.pptx
+++ b/share/提摩太后书/释经讲道01-天国志愿军/属灵生命成长的要素-2ti2-1-14.pptx
@@ -203,14 +203,14 @@
           <a:effectLst/>
           <a:extLst>
             <a:ext uri="{909E8E84-426E-40DD-AFC4-6F175D3DCCD1}">
-              <a14:hiddenFill xmlns:a14="http://schemas.microsoft.com/office/drawing/2010/main" xmlns="">
+              <a14:hiddenFill xmlns="" xmlns:a14="http://schemas.microsoft.com/office/drawing/2010/main">
                 <a:solidFill>
                   <a:schemeClr val="accent1"/>
                 </a:solidFill>
               </a14:hiddenFill>
             </a:ext>
             <a:ext uri="{91240B29-F687-4F45-9708-019B960494DF}">
-              <a14:hiddenLine xmlns:a14="http://schemas.microsoft.com/office/drawing/2010/main" xmlns="" w="9525">
+              <a14:hiddenLine xmlns="" xmlns:a14="http://schemas.microsoft.com/office/drawing/2010/main" w="9525">
                 <a:solidFill>
                   <a:schemeClr val="tx1"/>
                 </a:solidFill>
@@ -220,7 +220,7 @@
               </a14:hiddenLine>
             </a:ext>
             <a:ext uri="{AF507438-7753-43E0-B8FC-AC1667EBCBE1}">
-              <a14:hiddenEffects xmlns:a14="http://schemas.microsoft.com/office/drawing/2010/main" xmlns="">
+              <a14:hiddenEffects xmlns="" xmlns:a14="http://schemas.microsoft.com/office/drawing/2010/main">
                 <a:effectLst>
                   <a:outerShdw dist="35921" dir="2700000" algn="ctr" rotWithShape="0">
                     <a:schemeClr val="bg2"/>
@@ -271,14 +271,14 @@
           <a:effectLst/>
           <a:extLst>
             <a:ext uri="{909E8E84-426E-40DD-AFC4-6F175D3DCCD1}">
-              <a14:hiddenFill xmlns:a14="http://schemas.microsoft.com/office/drawing/2010/main" xmlns="">
+              <a14:hiddenFill xmlns="" xmlns:a14="http://schemas.microsoft.com/office/drawing/2010/main">
                 <a:solidFill>
                   <a:schemeClr val="accent1"/>
                 </a:solidFill>
               </a14:hiddenFill>
             </a:ext>
             <a:ext uri="{91240B29-F687-4F45-9708-019B960494DF}">
-              <a14:hiddenLine xmlns:a14="http://schemas.microsoft.com/office/drawing/2010/main" xmlns="" w="9525">
+              <a14:hiddenLine xmlns="" xmlns:a14="http://schemas.microsoft.com/office/drawing/2010/main" w="9525">
                 <a:solidFill>
                   <a:schemeClr val="tx1"/>
                 </a:solidFill>
@@ -288,7 +288,7 @@
               </a14:hiddenLine>
             </a:ext>
             <a:ext uri="{AF507438-7753-43E0-B8FC-AC1667EBCBE1}">
-              <a14:hiddenEffects xmlns:a14="http://schemas.microsoft.com/office/drawing/2010/main" xmlns="">
+              <a14:hiddenEffects xmlns="" xmlns:a14="http://schemas.microsoft.com/office/drawing/2010/main">
                 <a:effectLst>
                   <a:outerShdw dist="35921" dir="2700000" algn="ctr" rotWithShape="0">
                     <a:schemeClr val="bg2"/>
@@ -344,7 +344,7 @@
           <a:effectLst/>
           <a:extLst>
             <a:ext uri="{AF507438-7753-43E0-B8FC-AC1667EBCBE1}">
-              <a14:hiddenEffects xmlns:a14="http://schemas.microsoft.com/office/drawing/2010/main" xmlns="">
+              <a14:hiddenEffects xmlns="" xmlns:a14="http://schemas.microsoft.com/office/drawing/2010/main">
                 <a:effectLst>
                   <a:outerShdw dist="35921" dir="2700000" algn="ctr" rotWithShape="0">
                     <a:srgbClr val="808080"/>
@@ -353,7 +353,7 @@
               </a14:hiddenEffects>
             </a:ext>
             <a:ext uri="{53640926-AAD7-44D8-BBD7-CCE9431645EC}">
-              <a14:shadowObscured xmlns:a14="http://schemas.microsoft.com/office/drawing/2010/main" xmlns="" val="1"/>
+              <a14:shadowObscured xmlns="" xmlns:a14="http://schemas.microsoft.com/office/drawing/2010/main" val="1"/>
             </a:ext>
           </a:extLst>
         </p:spPr>
@@ -383,14 +383,14 @@
           <a:effectLst/>
           <a:extLst>
             <a:ext uri="{909E8E84-426E-40DD-AFC4-6F175D3DCCD1}">
-              <a14:hiddenFill xmlns:a14="http://schemas.microsoft.com/office/drawing/2010/main" xmlns="">
+              <a14:hiddenFill xmlns="" xmlns:a14="http://schemas.microsoft.com/office/drawing/2010/main">
                 <a:solidFill>
                   <a:schemeClr val="accent1"/>
                 </a:solidFill>
               </a14:hiddenFill>
             </a:ext>
             <a:ext uri="{91240B29-F687-4F45-9708-019B960494DF}">
-              <a14:hiddenLine xmlns:a14="http://schemas.microsoft.com/office/drawing/2010/main" xmlns="" w="9525">
+              <a14:hiddenLine xmlns="" xmlns:a14="http://schemas.microsoft.com/office/drawing/2010/main" w="9525">
                 <a:solidFill>
                   <a:schemeClr val="tx1"/>
                 </a:solidFill>
@@ -400,7 +400,7 @@
               </a14:hiddenLine>
             </a:ext>
             <a:ext uri="{AF507438-7753-43E0-B8FC-AC1667EBCBE1}">
-              <a14:hiddenEffects xmlns:a14="http://schemas.microsoft.com/office/drawing/2010/main" xmlns="">
+              <a14:hiddenEffects xmlns="" xmlns:a14="http://schemas.microsoft.com/office/drawing/2010/main">
                 <a:effectLst>
                   <a:outerShdw dist="35921" dir="2700000" algn="ctr" rotWithShape="0">
                     <a:schemeClr val="bg2"/>
@@ -479,14 +479,14 @@
           <a:effectLst/>
           <a:extLst>
             <a:ext uri="{909E8E84-426E-40DD-AFC4-6F175D3DCCD1}">
-              <a14:hiddenFill xmlns:a14="http://schemas.microsoft.com/office/drawing/2010/main" xmlns="">
+              <a14:hiddenFill xmlns="" xmlns:a14="http://schemas.microsoft.com/office/drawing/2010/main">
                 <a:solidFill>
                   <a:schemeClr val="accent1"/>
                 </a:solidFill>
               </a14:hiddenFill>
             </a:ext>
             <a:ext uri="{91240B29-F687-4F45-9708-019B960494DF}">
-              <a14:hiddenLine xmlns:a14="http://schemas.microsoft.com/office/drawing/2010/main" xmlns="" w="9525">
+              <a14:hiddenLine xmlns="" xmlns:a14="http://schemas.microsoft.com/office/drawing/2010/main" w="9525">
                 <a:solidFill>
                   <a:schemeClr val="tx1"/>
                 </a:solidFill>
@@ -496,7 +496,7 @@
               </a14:hiddenLine>
             </a:ext>
             <a:ext uri="{AF507438-7753-43E0-B8FC-AC1667EBCBE1}">
-              <a14:hiddenEffects xmlns:a14="http://schemas.microsoft.com/office/drawing/2010/main" xmlns="">
+              <a14:hiddenEffects xmlns="" xmlns:a14="http://schemas.microsoft.com/office/drawing/2010/main">
                 <a:effectLst>
                   <a:outerShdw dist="35921" dir="2700000" algn="ctr" rotWithShape="0">
                     <a:schemeClr val="bg2"/>
@@ -547,14 +547,14 @@
           <a:effectLst/>
           <a:extLst>
             <a:ext uri="{909E8E84-426E-40DD-AFC4-6F175D3DCCD1}">
-              <a14:hiddenFill xmlns:a14="http://schemas.microsoft.com/office/drawing/2010/main" xmlns="">
+              <a14:hiddenFill xmlns="" xmlns:a14="http://schemas.microsoft.com/office/drawing/2010/main">
                 <a:solidFill>
                   <a:schemeClr val="accent1"/>
                 </a:solidFill>
               </a14:hiddenFill>
             </a:ext>
             <a:ext uri="{91240B29-F687-4F45-9708-019B960494DF}">
-              <a14:hiddenLine xmlns:a14="http://schemas.microsoft.com/office/drawing/2010/main" xmlns="" w="9525">
+              <a14:hiddenLine xmlns="" xmlns:a14="http://schemas.microsoft.com/office/drawing/2010/main" w="9525">
                 <a:solidFill>
                   <a:schemeClr val="tx1"/>
                 </a:solidFill>
@@ -564,7 +564,7 @@
               </a14:hiddenLine>
             </a:ext>
             <a:ext uri="{AF507438-7753-43E0-B8FC-AC1667EBCBE1}">
-              <a14:hiddenEffects xmlns:a14="http://schemas.microsoft.com/office/drawing/2010/main" xmlns="">
+              <a14:hiddenEffects xmlns="" xmlns:a14="http://schemas.microsoft.com/office/drawing/2010/main">
                 <a:effectLst>
                   <a:outerShdw dist="35921" dir="2700000" algn="ctr" rotWithShape="0">
                     <a:schemeClr val="bg2"/>
@@ -598,7 +598,7 @@
     </p:spTree>
     <p:extLst>
       <p:ext uri="{BB962C8B-B14F-4D97-AF65-F5344CB8AC3E}">
-        <p14:creationId xmlns:p14="http://schemas.microsoft.com/office/powerpoint/2010/main" xmlns="" val="45029081"/>
+        <p14:creationId xmlns="" xmlns:p14="http://schemas.microsoft.com/office/powerpoint/2010/main" val="45029081"/>
       </p:ext>
     </p:extLst>
   </p:cSld>
@@ -823,7 +823,7 @@
     </p:spTree>
     <p:extLst>
       <p:ext uri="{BB962C8B-B14F-4D97-AF65-F5344CB8AC3E}">
-        <p14:creationId xmlns:p14="http://schemas.microsoft.com/office/powerpoint/2010/main" xmlns="" val="3162953695"/>
+        <p14:creationId xmlns="" xmlns:p14="http://schemas.microsoft.com/office/powerpoint/2010/main" val="3162953695"/>
       </p:ext>
     </p:extLst>
   </p:cSld>
@@ -908,7 +908,7 @@
     </p:spTree>
     <p:extLst>
       <p:ext uri="{BB962C8B-B14F-4D97-AF65-F5344CB8AC3E}">
-        <p14:creationId xmlns:p14="http://schemas.microsoft.com/office/powerpoint/2010/main" xmlns="" val="4074272823"/>
+        <p14:creationId xmlns="" xmlns:p14="http://schemas.microsoft.com/office/powerpoint/2010/main" val="4074272823"/>
       </p:ext>
     </p:extLst>
   </p:cSld>
@@ -993,7 +993,7 @@
     </p:spTree>
     <p:extLst>
       <p:ext uri="{BB962C8B-B14F-4D97-AF65-F5344CB8AC3E}">
-        <p14:creationId xmlns:p14="http://schemas.microsoft.com/office/powerpoint/2010/main" xmlns="" val="4074272823"/>
+        <p14:creationId xmlns="" xmlns:p14="http://schemas.microsoft.com/office/powerpoint/2010/main" val="4074272823"/>
       </p:ext>
     </p:extLst>
   </p:cSld>
@@ -1078,7 +1078,7 @@
     </p:spTree>
     <p:extLst>
       <p:ext uri="{BB962C8B-B14F-4D97-AF65-F5344CB8AC3E}">
-        <p14:creationId xmlns:p14="http://schemas.microsoft.com/office/powerpoint/2010/main" xmlns="" val="4074272823"/>
+        <p14:creationId xmlns="" xmlns:p14="http://schemas.microsoft.com/office/powerpoint/2010/main" val="4074272823"/>
       </p:ext>
     </p:extLst>
   </p:cSld>
@@ -1163,7 +1163,7 @@
     </p:spTree>
     <p:extLst>
       <p:ext uri="{BB962C8B-B14F-4D97-AF65-F5344CB8AC3E}">
-        <p14:creationId xmlns:p14="http://schemas.microsoft.com/office/powerpoint/2010/main" xmlns="" val="4074272823"/>
+        <p14:creationId xmlns="" xmlns:p14="http://schemas.microsoft.com/office/powerpoint/2010/main" val="4074272823"/>
       </p:ext>
     </p:extLst>
   </p:cSld>
@@ -1258,7 +1258,7 @@
     </p:spTree>
     <p:extLst>
       <p:ext uri="{BB962C8B-B14F-4D97-AF65-F5344CB8AC3E}">
-        <p14:creationId xmlns:p14="http://schemas.microsoft.com/office/powerpoint/2010/main" xmlns="" val="4074272823"/>
+        <p14:creationId xmlns="" xmlns:p14="http://schemas.microsoft.com/office/powerpoint/2010/main" val="4074272823"/>
       </p:ext>
     </p:extLst>
   </p:cSld>
@@ -1361,7 +1361,7 @@
     </p:spTree>
     <p:extLst>
       <p:ext uri="{BB962C8B-B14F-4D97-AF65-F5344CB8AC3E}">
-        <p14:creationId xmlns:p14="http://schemas.microsoft.com/office/powerpoint/2010/main" xmlns="" val="4074272823"/>
+        <p14:creationId xmlns="" xmlns:p14="http://schemas.microsoft.com/office/powerpoint/2010/main" val="4074272823"/>
       </p:ext>
     </p:extLst>
   </p:cSld>
@@ -1456,7 +1456,7 @@
     </p:spTree>
     <p:extLst>
       <p:ext uri="{BB962C8B-B14F-4D97-AF65-F5344CB8AC3E}">
-        <p14:creationId xmlns:p14="http://schemas.microsoft.com/office/powerpoint/2010/main" xmlns="" val="4074272823"/>
+        <p14:creationId xmlns="" xmlns:p14="http://schemas.microsoft.com/office/powerpoint/2010/main" val="4074272823"/>
       </p:ext>
     </p:extLst>
   </p:cSld>
@@ -1541,7 +1541,7 @@
     </p:spTree>
     <p:extLst>
       <p:ext uri="{BB962C8B-B14F-4D97-AF65-F5344CB8AC3E}">
-        <p14:creationId xmlns:p14="http://schemas.microsoft.com/office/powerpoint/2010/main" xmlns="" val="4074272823"/>
+        <p14:creationId xmlns="" xmlns:p14="http://schemas.microsoft.com/office/powerpoint/2010/main" val="4074272823"/>
       </p:ext>
     </p:extLst>
   </p:cSld>
@@ -1626,7 +1626,7 @@
     </p:spTree>
     <p:extLst>
       <p:ext uri="{BB962C8B-B14F-4D97-AF65-F5344CB8AC3E}">
-        <p14:creationId xmlns:p14="http://schemas.microsoft.com/office/powerpoint/2010/main" xmlns="" val="4074272823"/>
+        <p14:creationId xmlns="" xmlns:p14="http://schemas.microsoft.com/office/powerpoint/2010/main" val="4074272823"/>
       </p:ext>
     </p:extLst>
   </p:cSld>
@@ -1711,7 +1711,7 @@
     </p:spTree>
     <p:extLst>
       <p:ext uri="{BB962C8B-B14F-4D97-AF65-F5344CB8AC3E}">
-        <p14:creationId xmlns:p14="http://schemas.microsoft.com/office/powerpoint/2010/main" xmlns="" val="4074272823"/>
+        <p14:creationId xmlns="" xmlns:p14="http://schemas.microsoft.com/office/powerpoint/2010/main" val="4074272823"/>
       </p:ext>
     </p:extLst>
   </p:cSld>
@@ -1796,7 +1796,7 @@
     </p:spTree>
     <p:extLst>
       <p:ext uri="{BB962C8B-B14F-4D97-AF65-F5344CB8AC3E}">
-        <p14:creationId xmlns:p14="http://schemas.microsoft.com/office/powerpoint/2010/main" xmlns="" val="4074272823"/>
+        <p14:creationId xmlns="" xmlns:p14="http://schemas.microsoft.com/office/powerpoint/2010/main" val="4074272823"/>
       </p:ext>
     </p:extLst>
   </p:cSld>
@@ -1881,7 +1881,7 @@
     </p:spTree>
     <p:extLst>
       <p:ext uri="{BB962C8B-B14F-4D97-AF65-F5344CB8AC3E}">
-        <p14:creationId xmlns:p14="http://schemas.microsoft.com/office/powerpoint/2010/main" xmlns="" val="4074272823"/>
+        <p14:creationId xmlns="" xmlns:p14="http://schemas.microsoft.com/office/powerpoint/2010/main" val="4074272823"/>
       </p:ext>
     </p:extLst>
   </p:cSld>
@@ -1935,7 +1935,7 @@
           <a:effectLst/>
           <a:extLst>
             <a:ext uri="{91240B29-F687-4F45-9708-019B960494DF}">
-              <a14:hiddenLine xmlns:a14="http://schemas.microsoft.com/office/drawing/2010/main" xmlns="" w="9525">
+              <a14:hiddenLine xmlns="" xmlns:a14="http://schemas.microsoft.com/office/drawing/2010/main" w="9525">
                 <a:solidFill>
                   <a:schemeClr val="tx1"/>
                 </a:solidFill>
@@ -1945,7 +1945,7 @@
               </a14:hiddenLine>
             </a:ext>
             <a:ext uri="{AF507438-7753-43E0-B8FC-AC1667EBCBE1}">
-              <a14:hiddenEffects xmlns:a14="http://schemas.microsoft.com/office/drawing/2010/main" xmlns="">
+              <a14:hiddenEffects xmlns="" xmlns:a14="http://schemas.microsoft.com/office/drawing/2010/main">
                 <a:effectLst>
                   <a:outerShdw dist="35921" dir="2700000" algn="ctr" rotWithShape="0">
                     <a:schemeClr val="bg2"/>
@@ -1992,7 +1992,7 @@
           <a:effectLst/>
           <a:extLst>
             <a:ext uri="{91240B29-F687-4F45-9708-019B960494DF}">
-              <a14:hiddenLine xmlns:a14="http://schemas.microsoft.com/office/drawing/2010/main" xmlns="" w="9525">
+              <a14:hiddenLine xmlns="" xmlns:a14="http://schemas.microsoft.com/office/drawing/2010/main" w="9525">
                 <a:solidFill>
                   <a:schemeClr val="tx1"/>
                 </a:solidFill>
@@ -2002,7 +2002,7 @@
               </a14:hiddenLine>
             </a:ext>
             <a:ext uri="{AF507438-7753-43E0-B8FC-AC1667EBCBE1}">
-              <a14:hiddenEffects xmlns:a14="http://schemas.microsoft.com/office/drawing/2010/main" xmlns="">
+              <a14:hiddenEffects xmlns="" xmlns:a14="http://schemas.microsoft.com/office/drawing/2010/main">
                 <a:effectLst>
                   <a:outerShdw dist="35921" dir="2700000" algn="ctr" rotWithShape="0">
                     <a:schemeClr val="bg2"/>
@@ -2049,7 +2049,7 @@
           <a:effectLst/>
           <a:extLst>
             <a:ext uri="{91240B29-F687-4F45-9708-019B960494DF}">
-              <a14:hiddenLine xmlns:a14="http://schemas.microsoft.com/office/drawing/2010/main" xmlns="" w="9525">
+              <a14:hiddenLine xmlns="" xmlns:a14="http://schemas.microsoft.com/office/drawing/2010/main" w="9525">
                 <a:solidFill>
                   <a:schemeClr val="tx1"/>
                 </a:solidFill>
@@ -2059,7 +2059,7 @@
               </a14:hiddenLine>
             </a:ext>
             <a:ext uri="{AF507438-7753-43E0-B8FC-AC1667EBCBE1}">
-              <a14:hiddenEffects xmlns:a14="http://schemas.microsoft.com/office/drawing/2010/main" xmlns="">
+              <a14:hiddenEffects xmlns="" xmlns:a14="http://schemas.microsoft.com/office/drawing/2010/main">
                 <a:effectLst>
                   <a:outerShdw dist="35921" dir="2700000" algn="ctr" rotWithShape="0">
                     <a:schemeClr val="bg2"/>
@@ -2102,7 +2102,7 @@
           <a:effectLst/>
           <a:extLst>
             <a:ext uri="{91240B29-F687-4F45-9708-019B960494DF}">
-              <a14:hiddenLine xmlns:a14="http://schemas.microsoft.com/office/drawing/2010/main" xmlns="" w="9525">
+              <a14:hiddenLine xmlns="" xmlns:a14="http://schemas.microsoft.com/office/drawing/2010/main" w="9525">
                 <a:solidFill>
                   <a:schemeClr val="tx1"/>
                 </a:solidFill>
@@ -2112,7 +2112,7 @@
               </a14:hiddenLine>
             </a:ext>
             <a:ext uri="{AF507438-7753-43E0-B8FC-AC1667EBCBE1}">
-              <a14:hiddenEffects xmlns:a14="http://schemas.microsoft.com/office/drawing/2010/main" xmlns="">
+              <a14:hiddenEffects xmlns="" xmlns:a14="http://schemas.microsoft.com/office/drawing/2010/main">
                 <a:effectLst>
                   <a:outerShdw dist="35921" dir="2700000" algn="ctr" rotWithShape="0">
                     <a:schemeClr val="bg2"/>
@@ -2155,7 +2155,7 @@
           <a:effectLst/>
           <a:extLst>
             <a:ext uri="{91240B29-F687-4F45-9708-019B960494DF}">
-              <a14:hiddenLine xmlns:a14="http://schemas.microsoft.com/office/drawing/2010/main" xmlns="" w="9525">
+              <a14:hiddenLine xmlns="" xmlns:a14="http://schemas.microsoft.com/office/drawing/2010/main" w="9525">
                 <a:solidFill>
                   <a:schemeClr val="tx1"/>
                 </a:solidFill>
@@ -2165,7 +2165,7 @@
               </a14:hiddenLine>
             </a:ext>
             <a:ext uri="{AF507438-7753-43E0-B8FC-AC1667EBCBE1}">
-              <a14:hiddenEffects xmlns:a14="http://schemas.microsoft.com/office/drawing/2010/main" xmlns="">
+              <a14:hiddenEffects xmlns="" xmlns:a14="http://schemas.microsoft.com/office/drawing/2010/main">
                 <a:effectLst>
                   <a:outerShdw dist="35921" dir="2700000" algn="ctr" rotWithShape="0">
                     <a:schemeClr val="bg2"/>
@@ -2208,7 +2208,7 @@
           <a:effectLst/>
           <a:extLst>
             <a:ext uri="{91240B29-F687-4F45-9708-019B960494DF}">
-              <a14:hiddenLine xmlns:a14="http://schemas.microsoft.com/office/drawing/2010/main" xmlns="" w="9525">
+              <a14:hiddenLine xmlns="" xmlns:a14="http://schemas.microsoft.com/office/drawing/2010/main" w="9525">
                 <a:solidFill>
                   <a:schemeClr val="tx1"/>
                 </a:solidFill>
@@ -2218,7 +2218,7 @@
               </a14:hiddenLine>
             </a:ext>
             <a:ext uri="{AF507438-7753-43E0-B8FC-AC1667EBCBE1}">
-              <a14:hiddenEffects xmlns:a14="http://schemas.microsoft.com/office/drawing/2010/main" xmlns="">
+              <a14:hiddenEffects xmlns="" xmlns:a14="http://schemas.microsoft.com/office/drawing/2010/main">
                 <a:effectLst>
                   <a:outerShdw dist="35921" dir="2700000" algn="ctr" rotWithShape="0">
                     <a:schemeClr val="bg2"/>
@@ -2354,7 +2354,7 @@
             <a:effectLst/>
             <a:extLst>
               <a:ext uri="{91240B29-F687-4F45-9708-019B960494DF}">
-                <a14:hiddenLine xmlns:a14="http://schemas.microsoft.com/office/drawing/2010/main" xmlns="" w="9525">
+                <a14:hiddenLine xmlns="" xmlns:a14="http://schemas.microsoft.com/office/drawing/2010/main" w="9525">
                   <a:solidFill>
                     <a:schemeClr val="tx1"/>
                   </a:solidFill>
@@ -2364,7 +2364,7 @@
                 </a14:hiddenLine>
               </a:ext>
               <a:ext uri="{AF507438-7753-43E0-B8FC-AC1667EBCBE1}">
-                <a14:hiddenEffects xmlns:a14="http://schemas.microsoft.com/office/drawing/2010/main" xmlns="">
+                <a14:hiddenEffects xmlns="" xmlns:a14="http://schemas.microsoft.com/office/drawing/2010/main">
                   <a:effectLst>
                     <a:outerShdw dist="35921" dir="2700000" algn="ctr" rotWithShape="0">
                       <a:schemeClr val="bg2"/>
@@ -2484,7 +2484,7 @@
             <a:effectLst/>
             <a:extLst>
               <a:ext uri="{91240B29-F687-4F45-9708-019B960494DF}">
-                <a14:hiddenLine xmlns:a14="http://schemas.microsoft.com/office/drawing/2010/main" xmlns="" w="9525">
+                <a14:hiddenLine xmlns="" xmlns:a14="http://schemas.microsoft.com/office/drawing/2010/main" w="9525">
                   <a:solidFill>
                     <a:schemeClr val="tx1"/>
                   </a:solidFill>
@@ -2494,7 +2494,7 @@
                 </a14:hiddenLine>
               </a:ext>
               <a:ext uri="{AF507438-7753-43E0-B8FC-AC1667EBCBE1}">
-                <a14:hiddenEffects xmlns:a14="http://schemas.microsoft.com/office/drawing/2010/main" xmlns="">
+                <a14:hiddenEffects xmlns="" xmlns:a14="http://schemas.microsoft.com/office/drawing/2010/main">
                   <a:effectLst>
                     <a:outerShdw dist="35921" dir="2700000" algn="ctr" rotWithShape="0">
                       <a:schemeClr val="bg2"/>
@@ -2606,7 +2606,7 @@
             <a:effectLst/>
             <a:extLst>
               <a:ext uri="{91240B29-F687-4F45-9708-019B960494DF}">
-                <a14:hiddenLine xmlns:a14="http://schemas.microsoft.com/office/drawing/2010/main" xmlns="" w="9525">
+                <a14:hiddenLine xmlns="" xmlns:a14="http://schemas.microsoft.com/office/drawing/2010/main" w="9525">
                   <a:solidFill>
                     <a:schemeClr val="tx1"/>
                   </a:solidFill>
@@ -2616,7 +2616,7 @@
                 </a14:hiddenLine>
               </a:ext>
               <a:ext uri="{AF507438-7753-43E0-B8FC-AC1667EBCBE1}">
-                <a14:hiddenEffects xmlns:a14="http://schemas.microsoft.com/office/drawing/2010/main" xmlns="">
+                <a14:hiddenEffects xmlns="" xmlns:a14="http://schemas.microsoft.com/office/drawing/2010/main">
                   <a:effectLst>
                     <a:outerShdw dist="35921" dir="2700000" algn="ctr" rotWithShape="0">
                       <a:schemeClr val="bg2"/>
@@ -9470,7 +9470,7 @@
           <a:effectLst/>
           <a:extLst>
             <a:ext uri="{91240B29-F687-4F45-9708-019B960494DF}">
-              <a14:hiddenLine xmlns:a14="http://schemas.microsoft.com/office/drawing/2010/main" xmlns="" w="9525">
+              <a14:hiddenLine xmlns="" xmlns:a14="http://schemas.microsoft.com/office/drawing/2010/main" w="9525">
                 <a:solidFill>
                   <a:schemeClr val="tx1"/>
                 </a:solidFill>
@@ -9480,7 +9480,7 @@
               </a14:hiddenLine>
             </a:ext>
             <a:ext uri="{AF507438-7753-43E0-B8FC-AC1667EBCBE1}">
-              <a14:hiddenEffects xmlns:a14="http://schemas.microsoft.com/office/drawing/2010/main" xmlns="">
+              <a14:hiddenEffects xmlns="" xmlns:a14="http://schemas.microsoft.com/office/drawing/2010/main">
                 <a:effectLst>
                   <a:outerShdw dist="35921" dir="2700000" algn="ctr" rotWithShape="0">
                     <a:schemeClr val="bg2"/>
@@ -9523,7 +9523,7 @@
           <a:effectLst/>
           <a:extLst>
             <a:ext uri="{91240B29-F687-4F45-9708-019B960494DF}">
-              <a14:hiddenLine xmlns:a14="http://schemas.microsoft.com/office/drawing/2010/main" xmlns="" w="9525">
+              <a14:hiddenLine xmlns="" xmlns:a14="http://schemas.microsoft.com/office/drawing/2010/main" w="9525">
                 <a:solidFill>
                   <a:schemeClr val="tx1"/>
                 </a:solidFill>
@@ -9533,7 +9533,7 @@
               </a14:hiddenLine>
             </a:ext>
             <a:ext uri="{AF507438-7753-43E0-B8FC-AC1667EBCBE1}">
-              <a14:hiddenEffects xmlns:a14="http://schemas.microsoft.com/office/drawing/2010/main" xmlns="">
+              <a14:hiddenEffects xmlns="" xmlns:a14="http://schemas.microsoft.com/office/drawing/2010/main">
                 <a:effectLst>
                   <a:outerShdw dist="35921" dir="2700000" algn="ctr" rotWithShape="0">
                     <a:schemeClr val="bg2"/>
@@ -9669,7 +9669,7 @@
             <a:effectLst/>
             <a:extLst>
               <a:ext uri="{91240B29-F687-4F45-9708-019B960494DF}">
-                <a14:hiddenLine xmlns:a14="http://schemas.microsoft.com/office/drawing/2010/main" xmlns="" w="9525">
+                <a14:hiddenLine xmlns="" xmlns:a14="http://schemas.microsoft.com/office/drawing/2010/main" w="9525">
                   <a:solidFill>
                     <a:schemeClr val="tx1"/>
                   </a:solidFill>
@@ -9679,7 +9679,7 @@
                 </a14:hiddenLine>
               </a:ext>
               <a:ext uri="{AF507438-7753-43E0-B8FC-AC1667EBCBE1}">
-                <a14:hiddenEffects xmlns:a14="http://schemas.microsoft.com/office/drawing/2010/main" xmlns="">
+                <a14:hiddenEffects xmlns="" xmlns:a14="http://schemas.microsoft.com/office/drawing/2010/main">
                   <a:effectLst>
                     <a:outerShdw dist="35921" dir="2700000" algn="ctr" rotWithShape="0">
                       <a:schemeClr val="bg2"/>
@@ -9789,7 +9789,7 @@
             <a:effectLst/>
             <a:extLst>
               <a:ext uri="{91240B29-F687-4F45-9708-019B960494DF}">
-                <a14:hiddenLine xmlns:a14="http://schemas.microsoft.com/office/drawing/2010/main" xmlns="" w="9525">
+                <a14:hiddenLine xmlns="" xmlns:a14="http://schemas.microsoft.com/office/drawing/2010/main" w="9525">
                   <a:solidFill>
                     <a:schemeClr val="tx1"/>
                   </a:solidFill>
@@ -9799,7 +9799,7 @@
                 </a14:hiddenLine>
               </a:ext>
               <a:ext uri="{AF507438-7753-43E0-B8FC-AC1667EBCBE1}">
-                <a14:hiddenEffects xmlns:a14="http://schemas.microsoft.com/office/drawing/2010/main" xmlns="">
+                <a14:hiddenEffects xmlns="" xmlns:a14="http://schemas.microsoft.com/office/drawing/2010/main">
                   <a:effectLst>
                     <a:outerShdw dist="35921" dir="2700000" algn="ctr" rotWithShape="0">
                       <a:schemeClr val="bg2"/>
@@ -9911,7 +9911,7 @@
             <a:effectLst/>
             <a:extLst>
               <a:ext uri="{91240B29-F687-4F45-9708-019B960494DF}">
-                <a14:hiddenLine xmlns:a14="http://schemas.microsoft.com/office/drawing/2010/main" xmlns="" w="9525">
+                <a14:hiddenLine xmlns="" xmlns:a14="http://schemas.microsoft.com/office/drawing/2010/main" w="9525">
                   <a:solidFill>
                     <a:schemeClr val="tx1"/>
                   </a:solidFill>
@@ -9921,7 +9921,7 @@
                 </a14:hiddenLine>
               </a:ext>
               <a:ext uri="{AF507438-7753-43E0-B8FC-AC1667EBCBE1}">
-                <a14:hiddenEffects xmlns:a14="http://schemas.microsoft.com/office/drawing/2010/main" xmlns="">
+                <a14:hiddenEffects xmlns="" xmlns:a14="http://schemas.microsoft.com/office/drawing/2010/main">
                   <a:effectLst>
                     <a:outerShdw dist="35921" dir="2700000" algn="ctr" rotWithShape="0">
                       <a:schemeClr val="bg2"/>
@@ -9965,7 +9965,7 @@
           <a:effectLst/>
           <a:extLst>
             <a:ext uri="{91240B29-F687-4F45-9708-019B960494DF}">
-              <a14:hiddenLine xmlns:a14="http://schemas.microsoft.com/office/drawing/2010/main" xmlns="" w="9525">
+              <a14:hiddenLine xmlns="" xmlns:a14="http://schemas.microsoft.com/office/drawing/2010/main" w="9525">
                 <a:solidFill>
                   <a:schemeClr val="tx1"/>
                 </a:solidFill>
@@ -9975,7 +9975,7 @@
               </a14:hiddenLine>
             </a:ext>
             <a:ext uri="{AF507438-7753-43E0-B8FC-AC1667EBCBE1}">
-              <a14:hiddenEffects xmlns:a14="http://schemas.microsoft.com/office/drawing/2010/main" xmlns="">
+              <a14:hiddenEffects xmlns="" xmlns:a14="http://schemas.microsoft.com/office/drawing/2010/main">
                 <a:effectLst>
                   <a:outerShdw dist="35921" dir="2700000" algn="ctr" rotWithShape="0">
                     <a:schemeClr val="bg2"/>
@@ -10022,7 +10022,7 @@
           <a:effectLst/>
           <a:extLst>
             <a:ext uri="{91240B29-F687-4F45-9708-019B960494DF}">
-              <a14:hiddenLine xmlns:a14="http://schemas.microsoft.com/office/drawing/2010/main" xmlns="" w="9525">
+              <a14:hiddenLine xmlns="" xmlns:a14="http://schemas.microsoft.com/office/drawing/2010/main" w="9525">
                 <a:solidFill>
                   <a:schemeClr val="tx1"/>
                 </a:solidFill>
@@ -10032,7 +10032,7 @@
               </a14:hiddenLine>
             </a:ext>
             <a:ext uri="{AF507438-7753-43E0-B8FC-AC1667EBCBE1}">
-              <a14:hiddenEffects xmlns:a14="http://schemas.microsoft.com/office/drawing/2010/main" xmlns="">
+              <a14:hiddenEffects xmlns="" xmlns:a14="http://schemas.microsoft.com/office/drawing/2010/main">
                 <a:effectLst>
                   <a:outerShdw dist="35921" dir="2700000" algn="ctr" rotWithShape="0">
                     <a:schemeClr val="bg2"/>
@@ -10079,7 +10079,7 @@
           <a:effectLst/>
           <a:extLst>
             <a:ext uri="{91240B29-F687-4F45-9708-019B960494DF}">
-              <a14:hiddenLine xmlns:a14="http://schemas.microsoft.com/office/drawing/2010/main" xmlns="" w="9525">
+              <a14:hiddenLine xmlns="" xmlns:a14="http://schemas.microsoft.com/office/drawing/2010/main" w="9525">
                 <a:solidFill>
                   <a:schemeClr val="tx1"/>
                 </a:solidFill>
@@ -10089,7 +10089,7 @@
               </a14:hiddenLine>
             </a:ext>
             <a:ext uri="{AF507438-7753-43E0-B8FC-AC1667EBCBE1}">
-              <a14:hiddenEffects xmlns:a14="http://schemas.microsoft.com/office/drawing/2010/main" xmlns="">
+              <a14:hiddenEffects xmlns="" xmlns:a14="http://schemas.microsoft.com/office/drawing/2010/main">
                 <a:effectLst>
                   <a:outerShdw dist="35921" dir="2700000" algn="ctr" rotWithShape="0">
                     <a:schemeClr val="bg2"/>
@@ -10132,7 +10132,7 @@
           <a:effectLst/>
           <a:extLst>
             <a:ext uri="{91240B29-F687-4F45-9708-019B960494DF}">
-              <a14:hiddenLine xmlns:a14="http://schemas.microsoft.com/office/drawing/2010/main" xmlns="" w="9525">
+              <a14:hiddenLine xmlns="" xmlns:a14="http://schemas.microsoft.com/office/drawing/2010/main" w="9525">
                 <a:solidFill>
                   <a:schemeClr val="tx1"/>
                 </a:solidFill>
@@ -10142,7 +10142,7 @@
               </a14:hiddenLine>
             </a:ext>
             <a:ext uri="{AF507438-7753-43E0-B8FC-AC1667EBCBE1}">
-              <a14:hiddenEffects xmlns:a14="http://schemas.microsoft.com/office/drawing/2010/main" xmlns="">
+              <a14:hiddenEffects xmlns="" xmlns:a14="http://schemas.microsoft.com/office/drawing/2010/main">
                 <a:effectLst>
                   <a:outerShdw dist="35921" dir="2700000" algn="ctr" rotWithShape="0">
                     <a:schemeClr val="bg2"/>
@@ -10189,7 +10189,7 @@
           <a:effectLst/>
           <a:extLst>
             <a:ext uri="{91240B29-F687-4F45-9708-019B960494DF}">
-              <a14:hiddenLine xmlns:a14="http://schemas.microsoft.com/office/drawing/2010/main" xmlns="" w="9525">
+              <a14:hiddenLine xmlns="" xmlns:a14="http://schemas.microsoft.com/office/drawing/2010/main" w="9525">
                 <a:solidFill>
                   <a:schemeClr val="tx1"/>
                 </a:solidFill>
@@ -10199,7 +10199,7 @@
               </a14:hiddenLine>
             </a:ext>
             <a:ext uri="{AF507438-7753-43E0-B8FC-AC1667EBCBE1}">
-              <a14:hiddenEffects xmlns:a14="http://schemas.microsoft.com/office/drawing/2010/main" xmlns="">
+              <a14:hiddenEffects xmlns="" xmlns:a14="http://schemas.microsoft.com/office/drawing/2010/main">
                 <a:effectLst>
                   <a:outerShdw dist="35921" dir="2700000" algn="ctr" rotWithShape="0">
                     <a:schemeClr val="bg2"/>
@@ -10373,7 +10373,7 @@
           <a:effectLst/>
           <a:extLst>
             <a:ext uri="{91240B29-F687-4F45-9708-019B960494DF}">
-              <a14:hiddenLine xmlns:a14="http://schemas.microsoft.com/office/drawing/2010/main" xmlns="" w="9525">
+              <a14:hiddenLine xmlns="" xmlns:a14="http://schemas.microsoft.com/office/drawing/2010/main" w="9525">
                 <a:solidFill>
                   <a:schemeClr val="tx1"/>
                 </a:solidFill>
@@ -10383,7 +10383,7 @@
               </a14:hiddenLine>
             </a:ext>
             <a:ext uri="{AF507438-7753-43E0-B8FC-AC1667EBCBE1}">
-              <a14:hiddenEffects xmlns:a14="http://schemas.microsoft.com/office/drawing/2010/main" xmlns="">
+              <a14:hiddenEffects xmlns="" xmlns:a14="http://schemas.microsoft.com/office/drawing/2010/main">
                 <a:effectLst>
                   <a:outerShdw dist="35921" dir="2700000" algn="ctr" rotWithShape="0">
                     <a:schemeClr val="bg2"/>
@@ -10428,7 +10428,7 @@
           <a:effectLst/>
           <a:extLst>
             <a:ext uri="{91240B29-F687-4F45-9708-019B960494DF}">
-              <a14:hiddenLine xmlns:a14="http://schemas.microsoft.com/office/drawing/2010/main" xmlns="" w="9525">
+              <a14:hiddenLine xmlns="" xmlns:a14="http://schemas.microsoft.com/office/drawing/2010/main" w="9525">
                 <a:solidFill>
                   <a:schemeClr val="tx1"/>
                 </a:solidFill>
@@ -10438,7 +10438,7 @@
               </a14:hiddenLine>
             </a:ext>
             <a:ext uri="{AF507438-7753-43E0-B8FC-AC1667EBCBE1}">
-              <a14:hiddenEffects xmlns:a14="http://schemas.microsoft.com/office/drawing/2010/main" xmlns="">
+              <a14:hiddenEffects xmlns="" xmlns:a14="http://schemas.microsoft.com/office/drawing/2010/main">
                 <a:effectLst>
                   <a:outerShdw dist="35921" dir="2700000" algn="ctr" rotWithShape="0">
                     <a:schemeClr val="bg2"/>
@@ -10481,7 +10481,7 @@
           <a:effectLst/>
           <a:extLst>
             <a:ext uri="{91240B29-F687-4F45-9708-019B960494DF}">
-              <a14:hiddenLine xmlns:a14="http://schemas.microsoft.com/office/drawing/2010/main" xmlns="" w="9525">
+              <a14:hiddenLine xmlns="" xmlns:a14="http://schemas.microsoft.com/office/drawing/2010/main" w="9525">
                 <a:solidFill>
                   <a:schemeClr val="tx1"/>
                 </a:solidFill>
@@ -10491,7 +10491,7 @@
               </a14:hiddenLine>
             </a:ext>
             <a:ext uri="{AF507438-7753-43E0-B8FC-AC1667EBCBE1}">
-              <a14:hiddenEffects xmlns:a14="http://schemas.microsoft.com/office/drawing/2010/main" xmlns="">
+              <a14:hiddenEffects xmlns="" xmlns:a14="http://schemas.microsoft.com/office/drawing/2010/main">
                 <a:effectLst>
                   <a:outerShdw dist="35921" dir="2700000" algn="ctr" rotWithShape="0">
                     <a:schemeClr val="bg2"/>
@@ -10521,7 +10521,7 @@
           <a:blip r:embed="rId7" cstate="print">
             <a:extLst>
               <a:ext uri="{28A0092B-C50C-407E-A947-70E740481C1C}">
-                <a14:useLocalDpi xmlns:a14="http://schemas.microsoft.com/office/drawing/2010/main" xmlns="" val="0"/>
+                <a14:useLocalDpi xmlns="" xmlns:a14="http://schemas.microsoft.com/office/drawing/2010/main" val="0"/>
               </a:ext>
             </a:extLst>
           </a:blip>
@@ -10541,7 +10541,7 @@
           <a:noFill/>
           <a:extLst>
             <a:ext uri="{909E8E84-426E-40DD-AFC4-6F175D3DCCD1}">
-              <a14:hiddenFill xmlns:a14="http://schemas.microsoft.com/office/drawing/2010/main" xmlns="">
+              <a14:hiddenFill xmlns="" xmlns:a14="http://schemas.microsoft.com/office/drawing/2010/main">
                 <a:solidFill>
                   <a:srgbClr val="FFFFFF"/>
                 </a:solidFill>
@@ -10616,7 +10616,7 @@
           <a:effectLst/>
           <a:extLst>
             <a:ext uri="{91240B29-F687-4F45-9708-019B960494DF}">
-              <a14:hiddenLine xmlns:a14="http://schemas.microsoft.com/office/drawing/2010/main" xmlns="" w="9525">
+              <a14:hiddenLine xmlns="" xmlns:a14="http://schemas.microsoft.com/office/drawing/2010/main" w="9525">
                 <a:solidFill>
                   <a:schemeClr val="tx1"/>
                 </a:solidFill>
@@ -10626,7 +10626,7 @@
               </a14:hiddenLine>
             </a:ext>
             <a:ext uri="{AF507438-7753-43E0-B8FC-AC1667EBCBE1}">
-              <a14:hiddenEffects xmlns:a14="http://schemas.microsoft.com/office/drawing/2010/main" xmlns="">
+              <a14:hiddenEffects xmlns="" xmlns:a14="http://schemas.microsoft.com/office/drawing/2010/main">
                 <a:effectLst>
                   <a:outerShdw dist="35921" dir="2700000" algn="ctr" rotWithShape="0">
                     <a:schemeClr val="bg2"/>
@@ -10650,7 +10650,7 @@
     <a:masterClrMapping/>
   </p:clrMapOvr>
   <mc:AlternateContent xmlns:mc="http://schemas.openxmlformats.org/markup-compatibility/2006">
-    <mc:Choice xmlns:p14="http://schemas.microsoft.com/office/powerpoint/2010/main" xmlns="" Requires="p14">
+    <mc:Choice xmlns="" xmlns:p14="http://schemas.microsoft.com/office/powerpoint/2010/main" Requires="p14">
       <p:transition p14:dur="10"/>
     </mc:Choice>
     <mc:Fallback>
@@ -11501,7 +11501,7 @@
     </p:spTree>
     <p:extLst>
       <p:ext uri="{BB962C8B-B14F-4D97-AF65-F5344CB8AC3E}">
-        <p14:creationId xmlns:p14="http://schemas.microsoft.com/office/powerpoint/2010/main" xmlns="" val="3837632591"/>
+        <p14:creationId xmlns="" xmlns:p14="http://schemas.microsoft.com/office/powerpoint/2010/main" val="3837632591"/>
       </p:ext>
     </p:extLst>
   </p:cSld>
@@ -11509,13 +11509,20 @@
     <a:masterClrMapping/>
   </p:clrMapOvr>
   <mc:AlternateContent xmlns:mc="http://schemas.openxmlformats.org/markup-compatibility/2006">
-    <mc:Choice xmlns:p14="http://schemas.microsoft.com/office/powerpoint/2010/main" xmlns="" Requires="p14">
+    <mc:Choice xmlns="" xmlns:p14="http://schemas.microsoft.com/office/powerpoint/2010/main" Requires="p14">
       <p:transition p14:dur="10"/>
     </mc:Choice>
     <mc:Fallback>
       <p:transition/>
     </mc:Fallback>
   </mc:AlternateContent>
+  <p:timing>
+    <p:tnLst>
+      <p:par>
+        <p:cTn id="1" dur="indefinite" restart="never" nodeType="tmRoot"/>
+      </p:par>
+    </p:tnLst>
+  </p:timing>
 </p:sldLayout>
 </file>
 
@@ -11698,7 +11705,7 @@
     </p:spTree>
     <p:extLst>
       <p:ext uri="{BB962C8B-B14F-4D97-AF65-F5344CB8AC3E}">
-        <p14:creationId xmlns:p14="http://schemas.microsoft.com/office/powerpoint/2010/main" xmlns="" val="2834318928"/>
+        <p14:creationId xmlns="" xmlns:p14="http://schemas.microsoft.com/office/powerpoint/2010/main" val="2834318928"/>
       </p:ext>
     </p:extLst>
   </p:cSld>
@@ -11706,13 +11713,20 @@
     <a:masterClrMapping/>
   </p:clrMapOvr>
   <mc:AlternateContent xmlns:mc="http://schemas.openxmlformats.org/markup-compatibility/2006">
-    <mc:Choice xmlns:p14="http://schemas.microsoft.com/office/powerpoint/2010/main" xmlns="" Requires="p14">
+    <mc:Choice xmlns="" xmlns:p14="http://schemas.microsoft.com/office/powerpoint/2010/main" Requires="p14">
       <p:transition p14:dur="10"/>
     </mc:Choice>
     <mc:Fallback>
       <p:transition/>
     </mc:Fallback>
   </mc:AlternateContent>
+  <p:timing>
+    <p:tnLst>
+      <p:par>
+        <p:cTn id="1" dur="indefinite" restart="never" nodeType="tmRoot"/>
+      </p:par>
+    </p:tnLst>
+  </p:timing>
 </p:sldLayout>
 </file>
 
@@ -11855,38 +11869,38 @@
           <a:p>
             <a:pPr lvl="0"/>
             <a:r>
-              <a:rPr lang="zh-CN" altLang="en-US" smtClean="0"/>
+              <a:rPr lang="zh-CN" altLang="en-US" dirty="0" smtClean="0"/>
               <a:t>单击此处编辑母版文本样式</a:t>
             </a:r>
           </a:p>
           <a:p>
             <a:pPr lvl="1"/>
             <a:r>
-              <a:rPr lang="zh-CN" altLang="en-US" smtClean="0"/>
+              <a:rPr lang="zh-CN" altLang="en-US" dirty="0" smtClean="0"/>
               <a:t>第二级</a:t>
             </a:r>
           </a:p>
           <a:p>
             <a:pPr lvl="2"/>
             <a:r>
-              <a:rPr lang="zh-CN" altLang="en-US" smtClean="0"/>
+              <a:rPr lang="zh-CN" altLang="en-US" dirty="0" smtClean="0"/>
               <a:t>第三级</a:t>
             </a:r>
           </a:p>
           <a:p>
             <a:pPr lvl="3"/>
             <a:r>
-              <a:rPr lang="zh-CN" altLang="en-US" smtClean="0"/>
+              <a:rPr lang="zh-CN" altLang="en-US" dirty="0" smtClean="0"/>
               <a:t>第四级</a:t>
             </a:r>
           </a:p>
           <a:p>
             <a:pPr lvl="4"/>
             <a:r>
-              <a:rPr lang="zh-CN" altLang="en-US" smtClean="0"/>
+              <a:rPr lang="zh-CN" altLang="en-US" dirty="0" smtClean="0"/>
               <a:t>第五级</a:t>
             </a:r>
-            <a:endParaRPr lang="zh-CN" altLang="en-US"/>
+            <a:endParaRPr lang="zh-CN" altLang="en-US" dirty="0"/>
           </a:p>
         </p:txBody>
       </p:sp>
@@ -11982,7 +11996,7 @@
     </p:spTree>
     <p:extLst>
       <p:ext uri="{BB962C8B-B14F-4D97-AF65-F5344CB8AC3E}">
-        <p14:creationId xmlns:p14="http://schemas.microsoft.com/office/powerpoint/2010/main" xmlns="" val="4048891960"/>
+        <p14:creationId xmlns="" xmlns:p14="http://schemas.microsoft.com/office/powerpoint/2010/main" val="4048891960"/>
       </p:ext>
     </p:extLst>
   </p:cSld>
@@ -11990,7 +12004,7 @@
     <a:masterClrMapping/>
   </p:clrMapOvr>
   <mc:AlternateContent xmlns:mc="http://schemas.openxmlformats.org/markup-compatibility/2006">
-    <mc:Choice xmlns:p14="http://schemas.microsoft.com/office/powerpoint/2010/main" xmlns="" Requires="p14">
+    <mc:Choice xmlns="" xmlns:p14="http://schemas.microsoft.com/office/powerpoint/2010/main" Requires="p14">
       <p:transition p14:dur="10"/>
     </mc:Choice>
     <mc:Fallback>
@@ -12172,7 +12186,7 @@
     </p:spTree>
     <p:extLst>
       <p:ext uri="{BB962C8B-B14F-4D97-AF65-F5344CB8AC3E}">
-        <p14:creationId xmlns:p14="http://schemas.microsoft.com/office/powerpoint/2010/main" xmlns="" val="356270086"/>
+        <p14:creationId xmlns="" xmlns:p14="http://schemas.microsoft.com/office/powerpoint/2010/main" val="356270086"/>
       </p:ext>
     </p:extLst>
   </p:cSld>
@@ -12180,7 +12194,7 @@
     <a:masterClrMapping/>
   </p:clrMapOvr>
   <mc:AlternateContent xmlns:mc="http://schemas.openxmlformats.org/markup-compatibility/2006">
-    <mc:Choice xmlns:p14="http://schemas.microsoft.com/office/powerpoint/2010/main" xmlns="" Requires="p14">
+    <mc:Choice xmlns="" xmlns:p14="http://schemas.microsoft.com/office/powerpoint/2010/main" Requires="p14">
       <p:transition p14:dur="10"/>
     </mc:Choice>
     <mc:Fallback>
@@ -12355,7 +12369,7 @@
     </p:spTree>
     <p:extLst>
       <p:ext uri="{BB962C8B-B14F-4D97-AF65-F5344CB8AC3E}">
-        <p14:creationId xmlns:p14="http://schemas.microsoft.com/office/powerpoint/2010/main" xmlns="" val="1537390044"/>
+        <p14:creationId xmlns="" xmlns:p14="http://schemas.microsoft.com/office/powerpoint/2010/main" val="1537390044"/>
       </p:ext>
     </p:extLst>
   </p:cSld>
@@ -12363,7 +12377,7 @@
     <a:masterClrMapping/>
   </p:clrMapOvr>
   <mc:AlternateContent xmlns:mc="http://schemas.openxmlformats.org/markup-compatibility/2006">
-    <mc:Choice xmlns:p14="http://schemas.microsoft.com/office/powerpoint/2010/main" xmlns="" Requires="p14">
+    <mc:Choice xmlns="" xmlns:p14="http://schemas.microsoft.com/office/powerpoint/2010/main" Requires="p14">
       <p:transition p14:dur="10"/>
     </mc:Choice>
     <mc:Fallback>
@@ -12546,7 +12560,7 @@
     </p:spTree>
     <p:extLst>
       <p:ext uri="{BB962C8B-B14F-4D97-AF65-F5344CB8AC3E}">
-        <p14:creationId xmlns:p14="http://schemas.microsoft.com/office/powerpoint/2010/main" xmlns="" val="2350597799"/>
+        <p14:creationId xmlns="" xmlns:p14="http://schemas.microsoft.com/office/powerpoint/2010/main" val="2350597799"/>
       </p:ext>
     </p:extLst>
   </p:cSld>
@@ -12554,7 +12568,7 @@
     <a:masterClrMapping/>
   </p:clrMapOvr>
   <mc:AlternateContent xmlns:mc="http://schemas.openxmlformats.org/markup-compatibility/2006">
-    <mc:Choice xmlns:p14="http://schemas.microsoft.com/office/powerpoint/2010/main" xmlns="" Requires="p14">
+    <mc:Choice xmlns="" xmlns:p14="http://schemas.microsoft.com/office/powerpoint/2010/main" Requires="p14">
       <p:transition p14:dur="10"/>
     </mc:Choice>
     <mc:Fallback>
@@ -12733,7 +12747,7 @@
     </p:spTree>
     <p:extLst>
       <p:ext uri="{BB962C8B-B14F-4D97-AF65-F5344CB8AC3E}">
-        <p14:creationId xmlns:p14="http://schemas.microsoft.com/office/powerpoint/2010/main" xmlns="" val="1553643063"/>
+        <p14:creationId xmlns="" xmlns:p14="http://schemas.microsoft.com/office/powerpoint/2010/main" val="1553643063"/>
       </p:ext>
     </p:extLst>
   </p:cSld>
@@ -12741,7 +12755,7 @@
     <a:masterClrMapping/>
   </p:clrMapOvr>
   <mc:AlternateContent xmlns:mc="http://schemas.openxmlformats.org/markup-compatibility/2006">
-    <mc:Choice xmlns:p14="http://schemas.microsoft.com/office/powerpoint/2010/main" xmlns="" Requires="p14">
+    <mc:Choice xmlns="" xmlns:p14="http://schemas.microsoft.com/office/powerpoint/2010/main" Requires="p14">
       <p:transition p14:dur="10"/>
     </mc:Choice>
     <mc:Fallback>
@@ -12942,7 +12956,7 @@
     </p:spTree>
     <p:extLst>
       <p:ext uri="{BB962C8B-B14F-4D97-AF65-F5344CB8AC3E}">
-        <p14:creationId xmlns:p14="http://schemas.microsoft.com/office/powerpoint/2010/main" xmlns="" val="3931288045"/>
+        <p14:creationId xmlns="" xmlns:p14="http://schemas.microsoft.com/office/powerpoint/2010/main" val="3931288045"/>
       </p:ext>
     </p:extLst>
   </p:cSld>
@@ -12950,7 +12964,7 @@
     <a:masterClrMapping/>
   </p:clrMapOvr>
   <mc:AlternateContent xmlns:mc="http://schemas.openxmlformats.org/markup-compatibility/2006">
-    <mc:Choice xmlns:p14="http://schemas.microsoft.com/office/powerpoint/2010/main" xmlns="" Requires="p14">
+    <mc:Choice xmlns="" xmlns:p14="http://schemas.microsoft.com/office/powerpoint/2010/main" Requires="p14">
       <p:transition p14:dur="10"/>
     </mc:Choice>
     <mc:Fallback>
@@ -13247,7 +13261,7 @@
     </p:spTree>
     <p:extLst>
       <p:ext uri="{BB962C8B-B14F-4D97-AF65-F5344CB8AC3E}">
-        <p14:creationId xmlns:p14="http://schemas.microsoft.com/office/powerpoint/2010/main" xmlns="" val="1436502707"/>
+        <p14:creationId xmlns="" xmlns:p14="http://schemas.microsoft.com/office/powerpoint/2010/main" val="1436502707"/>
       </p:ext>
     </p:extLst>
   </p:cSld>
@@ -13255,7 +13269,7 @@
     <a:masterClrMapping/>
   </p:clrMapOvr>
   <mc:AlternateContent xmlns:mc="http://schemas.openxmlformats.org/markup-compatibility/2006">
-    <mc:Choice xmlns:p14="http://schemas.microsoft.com/office/powerpoint/2010/main" xmlns="" Requires="p14">
+    <mc:Choice xmlns="" xmlns:p14="http://schemas.microsoft.com/office/powerpoint/2010/main" Requires="p14">
       <p:transition p14:dur="10"/>
     </mc:Choice>
     <mc:Fallback>
@@ -13691,7 +13705,7 @@
     </p:spTree>
     <p:extLst>
       <p:ext uri="{BB962C8B-B14F-4D97-AF65-F5344CB8AC3E}">
-        <p14:creationId xmlns:p14="http://schemas.microsoft.com/office/powerpoint/2010/main" xmlns="" val="4218482637"/>
+        <p14:creationId xmlns="" xmlns:p14="http://schemas.microsoft.com/office/powerpoint/2010/main" val="4218482637"/>
       </p:ext>
     </p:extLst>
   </p:cSld>
@@ -13699,7 +13713,7 @@
     <a:masterClrMapping/>
   </p:clrMapOvr>
   <mc:AlternateContent xmlns:mc="http://schemas.openxmlformats.org/markup-compatibility/2006">
-    <mc:Choice xmlns:p14="http://schemas.microsoft.com/office/powerpoint/2010/main" xmlns="" Requires="p14">
+    <mc:Choice xmlns="" xmlns:p14="http://schemas.microsoft.com/office/powerpoint/2010/main" Requires="p14">
       <p:transition p14:dur="10"/>
     </mc:Choice>
     <mc:Fallback>
@@ -13826,7 +13840,7 @@
     </p:spTree>
     <p:extLst>
       <p:ext uri="{BB962C8B-B14F-4D97-AF65-F5344CB8AC3E}">
-        <p14:creationId xmlns:p14="http://schemas.microsoft.com/office/powerpoint/2010/main" xmlns="" val="3367094085"/>
+        <p14:creationId xmlns="" xmlns:p14="http://schemas.microsoft.com/office/powerpoint/2010/main" val="3367094085"/>
       </p:ext>
     </p:extLst>
   </p:cSld>
@@ -13834,7 +13848,7 @@
     <a:masterClrMapping/>
   </p:clrMapOvr>
   <mc:AlternateContent xmlns:mc="http://schemas.openxmlformats.org/markup-compatibility/2006">
-    <mc:Choice xmlns:p14="http://schemas.microsoft.com/office/powerpoint/2010/main" xmlns="" Requires="p14">
+    <mc:Choice xmlns="" xmlns:p14="http://schemas.microsoft.com/office/powerpoint/2010/main" Requires="p14">
       <p:transition p14:dur="10"/>
     </mc:Choice>
     <mc:Fallback>
@@ -13938,7 +13952,7 @@
     </p:spTree>
     <p:extLst>
       <p:ext uri="{BB962C8B-B14F-4D97-AF65-F5344CB8AC3E}">
-        <p14:creationId xmlns:p14="http://schemas.microsoft.com/office/powerpoint/2010/main" xmlns="" val="1902852705"/>
+        <p14:creationId xmlns="" xmlns:p14="http://schemas.microsoft.com/office/powerpoint/2010/main" val="1902852705"/>
       </p:ext>
     </p:extLst>
   </p:cSld>
@@ -13946,7 +13960,7 @@
     <a:masterClrMapping/>
   </p:clrMapOvr>
   <mc:AlternateContent xmlns:mc="http://schemas.openxmlformats.org/markup-compatibility/2006">
-    <mc:Choice xmlns:p14="http://schemas.microsoft.com/office/powerpoint/2010/main" xmlns="" Requires="p14">
+    <mc:Choice xmlns="" xmlns:p14="http://schemas.microsoft.com/office/powerpoint/2010/main" Requires="p14">
       <p:transition p14:dur="10"/>
     </mc:Choice>
     <mc:Fallback>
@@ -14232,7 +14246,7 @@
     </p:spTree>
     <p:extLst>
       <p:ext uri="{BB962C8B-B14F-4D97-AF65-F5344CB8AC3E}">
-        <p14:creationId xmlns:p14="http://schemas.microsoft.com/office/powerpoint/2010/main" xmlns="" val="3975071873"/>
+        <p14:creationId xmlns="" xmlns:p14="http://schemas.microsoft.com/office/powerpoint/2010/main" val="3975071873"/>
       </p:ext>
     </p:extLst>
   </p:cSld>
@@ -14240,7 +14254,7 @@
     <a:masterClrMapping/>
   </p:clrMapOvr>
   <mc:AlternateContent xmlns:mc="http://schemas.openxmlformats.org/markup-compatibility/2006">
-    <mc:Choice xmlns:p14="http://schemas.microsoft.com/office/powerpoint/2010/main" xmlns="" Requires="p14">
+    <mc:Choice xmlns="" xmlns:p14="http://schemas.microsoft.com/office/powerpoint/2010/main" Requires="p14">
       <p:transition p14:dur="10"/>
     </mc:Choice>
     <mc:Fallback>
@@ -14506,7 +14520,7 @@
     </p:spTree>
     <p:extLst>
       <p:ext uri="{BB962C8B-B14F-4D97-AF65-F5344CB8AC3E}">
-        <p14:creationId xmlns:p14="http://schemas.microsoft.com/office/powerpoint/2010/main" xmlns="" val="3345478573"/>
+        <p14:creationId xmlns="" xmlns:p14="http://schemas.microsoft.com/office/powerpoint/2010/main" val="3345478573"/>
       </p:ext>
     </p:extLst>
   </p:cSld>
@@ -14514,7 +14528,7 @@
     <a:masterClrMapping/>
   </p:clrMapOvr>
   <mc:AlternateContent xmlns:mc="http://schemas.openxmlformats.org/markup-compatibility/2006">
-    <mc:Choice xmlns:p14="http://schemas.microsoft.com/office/powerpoint/2010/main" xmlns="" Requires="p14">
+    <mc:Choice xmlns="" xmlns:p14="http://schemas.microsoft.com/office/powerpoint/2010/main" Requires="p14">
       <p:transition p14:dur="10"/>
     </mc:Choice>
     <mc:Fallback>
@@ -21381,7 +21395,7 @@
           <a:effectLst/>
           <a:extLst>
             <a:ext uri="{91240B29-F687-4F45-9708-019B960494DF}">
-              <a14:hiddenLine xmlns:a14="http://schemas.microsoft.com/office/drawing/2010/main" xmlns="" w="9525">
+              <a14:hiddenLine xmlns="" xmlns:a14="http://schemas.microsoft.com/office/drawing/2010/main" w="9525">
                 <a:solidFill>
                   <a:schemeClr val="tx1"/>
                 </a:solidFill>
@@ -21391,7 +21405,7 @@
               </a14:hiddenLine>
             </a:ext>
             <a:ext uri="{AF507438-7753-43E0-B8FC-AC1667EBCBE1}">
-              <a14:hiddenEffects xmlns:a14="http://schemas.microsoft.com/office/drawing/2010/main" xmlns="">
+              <a14:hiddenEffects xmlns="" xmlns:a14="http://schemas.microsoft.com/office/drawing/2010/main">
                 <a:effectLst>
                   <a:outerShdw dist="35921" dir="2700000" algn="ctr" rotWithShape="0">
                     <a:schemeClr val="bg2"/>
@@ -21501,7 +21515,7 @@
           <a:effectLst/>
           <a:extLst>
             <a:ext uri="{91240B29-F687-4F45-9708-019B960494DF}">
-              <a14:hiddenLine xmlns:a14="http://schemas.microsoft.com/office/drawing/2010/main" xmlns="" w="9525">
+              <a14:hiddenLine xmlns="" xmlns:a14="http://schemas.microsoft.com/office/drawing/2010/main" w="9525">
                 <a:solidFill>
                   <a:schemeClr val="tx1"/>
                 </a:solidFill>
@@ -21511,7 +21525,7 @@
               </a14:hiddenLine>
             </a:ext>
             <a:ext uri="{AF507438-7753-43E0-B8FC-AC1667EBCBE1}">
-              <a14:hiddenEffects xmlns:a14="http://schemas.microsoft.com/office/drawing/2010/main" xmlns="">
+              <a14:hiddenEffects xmlns="" xmlns:a14="http://schemas.microsoft.com/office/drawing/2010/main">
                 <a:effectLst>
                   <a:outerShdw dist="35921" dir="2700000" algn="ctr" rotWithShape="0">
                     <a:schemeClr val="bg2"/>
@@ -21620,7 +21634,7 @@
           <a:effectLst/>
           <a:extLst>
             <a:ext uri="{91240B29-F687-4F45-9708-019B960494DF}">
-              <a14:hiddenLine xmlns:a14="http://schemas.microsoft.com/office/drawing/2010/main" xmlns="" w="9525">
+              <a14:hiddenLine xmlns="" xmlns:a14="http://schemas.microsoft.com/office/drawing/2010/main" w="9525">
                 <a:solidFill>
                   <a:schemeClr val="tx1"/>
                 </a:solidFill>
@@ -21630,7 +21644,7 @@
               </a14:hiddenLine>
             </a:ext>
             <a:ext uri="{AF507438-7753-43E0-B8FC-AC1667EBCBE1}">
-              <a14:hiddenEffects xmlns:a14="http://schemas.microsoft.com/office/drawing/2010/main" xmlns="">
+              <a14:hiddenEffects xmlns="" xmlns:a14="http://schemas.microsoft.com/office/drawing/2010/main">
                 <a:effectLst>
                   <a:outerShdw dist="35921" dir="2700000" algn="ctr" rotWithShape="0">
                     <a:schemeClr val="bg2"/>
@@ -21740,7 +21754,7 @@
           <a:effectLst/>
           <a:extLst>
             <a:ext uri="{91240B29-F687-4F45-9708-019B960494DF}">
-              <a14:hiddenLine xmlns:a14="http://schemas.microsoft.com/office/drawing/2010/main" xmlns="" w="9525">
+              <a14:hiddenLine xmlns="" xmlns:a14="http://schemas.microsoft.com/office/drawing/2010/main" w="9525">
                 <a:solidFill>
                   <a:schemeClr val="tx1"/>
                 </a:solidFill>
@@ -21750,7 +21764,7 @@
               </a14:hiddenLine>
             </a:ext>
             <a:ext uri="{AF507438-7753-43E0-B8FC-AC1667EBCBE1}">
-              <a14:hiddenEffects xmlns:a14="http://schemas.microsoft.com/office/drawing/2010/main" xmlns="">
+              <a14:hiddenEffects xmlns="" xmlns:a14="http://schemas.microsoft.com/office/drawing/2010/main">
                 <a:effectLst>
                   <a:outerShdw dist="35921" dir="2700000" algn="ctr" rotWithShape="0">
                     <a:schemeClr val="bg2"/>
@@ -21872,7 +21886,7 @@
           <a:effectLst/>
           <a:extLst>
             <a:ext uri="{91240B29-F687-4F45-9708-019B960494DF}">
-              <a14:hiddenLine xmlns:a14="http://schemas.microsoft.com/office/drawing/2010/main" xmlns="" w="9525">
+              <a14:hiddenLine xmlns="" xmlns:a14="http://schemas.microsoft.com/office/drawing/2010/main" w="9525">
                 <a:solidFill>
                   <a:schemeClr val="tx1"/>
                 </a:solidFill>
@@ -21882,7 +21896,7 @@
               </a14:hiddenLine>
             </a:ext>
             <a:ext uri="{AF507438-7753-43E0-B8FC-AC1667EBCBE1}">
-              <a14:hiddenEffects xmlns:a14="http://schemas.microsoft.com/office/drawing/2010/main" xmlns="">
+              <a14:hiddenEffects xmlns="" xmlns:a14="http://schemas.microsoft.com/office/drawing/2010/main">
                 <a:effectLst>
                   <a:outerShdw dist="35921" dir="2700000" algn="ctr" rotWithShape="0">
                     <a:schemeClr val="bg2"/>
@@ -21925,7 +21939,7 @@
           <a:effectLst/>
           <a:extLst>
             <a:ext uri="{91240B29-F687-4F45-9708-019B960494DF}">
-              <a14:hiddenLine xmlns:a14="http://schemas.microsoft.com/office/drawing/2010/main" xmlns="" w="9525">
+              <a14:hiddenLine xmlns="" xmlns:a14="http://schemas.microsoft.com/office/drawing/2010/main" w="9525">
                 <a:solidFill>
                   <a:schemeClr val="tx1"/>
                 </a:solidFill>
@@ -21935,7 +21949,7 @@
               </a14:hiddenLine>
             </a:ext>
             <a:ext uri="{AF507438-7753-43E0-B8FC-AC1667EBCBE1}">
-              <a14:hiddenEffects xmlns:a14="http://schemas.microsoft.com/office/drawing/2010/main" xmlns="">
+              <a14:hiddenEffects xmlns="" xmlns:a14="http://schemas.microsoft.com/office/drawing/2010/main">
                 <a:effectLst>
                   <a:outerShdw dist="35921" dir="2700000" algn="ctr" rotWithShape="0">
                     <a:schemeClr val="bg2"/>
@@ -22031,7 +22045,7 @@
           <a:effectLst/>
           <a:extLst>
             <a:ext uri="{91240B29-F687-4F45-9708-019B960494DF}">
-              <a14:hiddenLine xmlns:a14="http://schemas.microsoft.com/office/drawing/2010/main" xmlns="" w="9525">
+              <a14:hiddenLine xmlns="" xmlns:a14="http://schemas.microsoft.com/office/drawing/2010/main" w="9525">
                 <a:solidFill>
                   <a:schemeClr val="tx1"/>
                 </a:solidFill>
@@ -22041,7 +22055,7 @@
               </a14:hiddenLine>
             </a:ext>
             <a:ext uri="{AF507438-7753-43E0-B8FC-AC1667EBCBE1}">
-              <a14:hiddenEffects xmlns:a14="http://schemas.microsoft.com/office/drawing/2010/main" xmlns="">
+              <a14:hiddenEffects xmlns="" xmlns:a14="http://schemas.microsoft.com/office/drawing/2010/main">
                 <a:effectLst>
                   <a:outerShdw dist="35921" dir="2700000" algn="ctr" rotWithShape="0">
                     <a:schemeClr val="bg2"/>
@@ -22084,14 +22098,14 @@
           <a:effectLst/>
           <a:extLst>
             <a:ext uri="{909E8E84-426E-40DD-AFC4-6F175D3DCCD1}">
-              <a14:hiddenFill xmlns:a14="http://schemas.microsoft.com/office/drawing/2010/main" xmlns="">
+              <a14:hiddenFill xmlns="" xmlns:a14="http://schemas.microsoft.com/office/drawing/2010/main">
                 <a:solidFill>
                   <a:schemeClr val="accent1"/>
                 </a:solidFill>
               </a14:hiddenFill>
             </a:ext>
             <a:ext uri="{91240B29-F687-4F45-9708-019B960494DF}">
-              <a14:hiddenLine xmlns:a14="http://schemas.microsoft.com/office/drawing/2010/main" xmlns="" w="9525">
+              <a14:hiddenLine xmlns="" xmlns:a14="http://schemas.microsoft.com/office/drawing/2010/main" w="9525">
                 <a:solidFill>
                   <a:schemeClr val="tx1"/>
                 </a:solidFill>
@@ -22101,7 +22115,7 @@
               </a14:hiddenLine>
             </a:ext>
             <a:ext uri="{AF507438-7753-43E0-B8FC-AC1667EBCBE1}">
-              <a14:hiddenEffects xmlns:a14="http://schemas.microsoft.com/office/drawing/2010/main" xmlns="">
+              <a14:hiddenEffects xmlns="" xmlns:a14="http://schemas.microsoft.com/office/drawing/2010/main">
                 <a:effectLst>
                   <a:outerShdw dist="35921" dir="2700000" algn="ctr" rotWithShape="0">
                     <a:schemeClr val="bg2"/>
@@ -22153,14 +22167,14 @@
           <a:effectLst/>
           <a:extLst>
             <a:ext uri="{909E8E84-426E-40DD-AFC4-6F175D3DCCD1}">
-              <a14:hiddenFill xmlns:a14="http://schemas.microsoft.com/office/drawing/2010/main" xmlns="">
+              <a14:hiddenFill xmlns="" xmlns:a14="http://schemas.microsoft.com/office/drawing/2010/main">
                 <a:solidFill>
                   <a:schemeClr val="accent1"/>
                 </a:solidFill>
               </a14:hiddenFill>
             </a:ext>
             <a:ext uri="{91240B29-F687-4F45-9708-019B960494DF}">
-              <a14:hiddenLine xmlns:a14="http://schemas.microsoft.com/office/drawing/2010/main" xmlns="" w="9525">
+              <a14:hiddenLine xmlns="" xmlns:a14="http://schemas.microsoft.com/office/drawing/2010/main" w="9525">
                 <a:solidFill>
                   <a:schemeClr val="tx1"/>
                 </a:solidFill>
@@ -22170,7 +22184,7 @@
               </a14:hiddenLine>
             </a:ext>
             <a:ext uri="{AF507438-7753-43E0-B8FC-AC1667EBCBE1}">
-              <a14:hiddenEffects xmlns:a14="http://schemas.microsoft.com/office/drawing/2010/main" xmlns="">
+              <a14:hiddenEffects xmlns="" xmlns:a14="http://schemas.microsoft.com/office/drawing/2010/main">
                 <a:effectLst>
                   <a:outerShdw dist="35921" dir="2700000" algn="ctr" rotWithShape="0">
                     <a:schemeClr val="bg2"/>
@@ -22250,14 +22264,14 @@
           <a:effectLst/>
           <a:extLst>
             <a:ext uri="{909E8E84-426E-40DD-AFC4-6F175D3DCCD1}">
-              <a14:hiddenFill xmlns:a14="http://schemas.microsoft.com/office/drawing/2010/main" xmlns="">
+              <a14:hiddenFill xmlns="" xmlns:a14="http://schemas.microsoft.com/office/drawing/2010/main">
                 <a:solidFill>
                   <a:schemeClr val="accent1"/>
                 </a:solidFill>
               </a14:hiddenFill>
             </a:ext>
             <a:ext uri="{91240B29-F687-4F45-9708-019B960494DF}">
-              <a14:hiddenLine xmlns:a14="http://schemas.microsoft.com/office/drawing/2010/main" xmlns="" w="9525">
+              <a14:hiddenLine xmlns="" xmlns:a14="http://schemas.microsoft.com/office/drawing/2010/main" w="9525">
                 <a:solidFill>
                   <a:schemeClr val="tx1"/>
                 </a:solidFill>
@@ -22267,7 +22281,7 @@
               </a14:hiddenLine>
             </a:ext>
             <a:ext uri="{AF507438-7753-43E0-B8FC-AC1667EBCBE1}">
-              <a14:hiddenEffects xmlns:a14="http://schemas.microsoft.com/office/drawing/2010/main" xmlns="">
+              <a14:hiddenEffects xmlns="" xmlns:a14="http://schemas.microsoft.com/office/drawing/2010/main">
                 <a:effectLst>
                   <a:outerShdw dist="35921" dir="2700000" algn="ctr" rotWithShape="0">
                     <a:schemeClr val="bg2"/>
@@ -22323,14 +22337,14 @@
           <a:effectLst/>
           <a:extLst>
             <a:ext uri="{909E8E84-426E-40DD-AFC4-6F175D3DCCD1}">
-              <a14:hiddenFill xmlns:a14="http://schemas.microsoft.com/office/drawing/2010/main" xmlns="">
+              <a14:hiddenFill xmlns="" xmlns:a14="http://schemas.microsoft.com/office/drawing/2010/main">
                 <a:solidFill>
                   <a:schemeClr val="accent1"/>
                 </a:solidFill>
               </a14:hiddenFill>
             </a:ext>
             <a:ext uri="{91240B29-F687-4F45-9708-019B960494DF}">
-              <a14:hiddenLine xmlns:a14="http://schemas.microsoft.com/office/drawing/2010/main" xmlns="" w="9525">
+              <a14:hiddenLine xmlns="" xmlns:a14="http://schemas.microsoft.com/office/drawing/2010/main" w="9525">
                 <a:solidFill>
                   <a:schemeClr val="tx1"/>
                 </a:solidFill>
@@ -22340,7 +22354,7 @@
               </a14:hiddenLine>
             </a:ext>
             <a:ext uri="{AF507438-7753-43E0-B8FC-AC1667EBCBE1}">
-              <a14:hiddenEffects xmlns:a14="http://schemas.microsoft.com/office/drawing/2010/main" xmlns="">
+              <a14:hiddenEffects xmlns="" xmlns:a14="http://schemas.microsoft.com/office/drawing/2010/main">
                 <a:effectLst>
                   <a:outerShdw dist="35921" dir="2700000" algn="ctr" rotWithShape="0">
                     <a:schemeClr val="bg2"/>
@@ -22396,14 +22410,14 @@
           <a:effectLst/>
           <a:extLst>
             <a:ext uri="{909E8E84-426E-40DD-AFC4-6F175D3DCCD1}">
-              <a14:hiddenFill xmlns:a14="http://schemas.microsoft.com/office/drawing/2010/main" xmlns="">
+              <a14:hiddenFill xmlns="" xmlns:a14="http://schemas.microsoft.com/office/drawing/2010/main">
                 <a:solidFill>
                   <a:schemeClr val="accent1"/>
                 </a:solidFill>
               </a14:hiddenFill>
             </a:ext>
             <a:ext uri="{91240B29-F687-4F45-9708-019B960494DF}">
-              <a14:hiddenLine xmlns:a14="http://schemas.microsoft.com/office/drawing/2010/main" xmlns="" w="9525">
+              <a14:hiddenLine xmlns="" xmlns:a14="http://schemas.microsoft.com/office/drawing/2010/main" w="9525">
                 <a:solidFill>
                   <a:schemeClr val="tx1"/>
                 </a:solidFill>
@@ -22413,7 +22427,7 @@
               </a14:hiddenLine>
             </a:ext>
             <a:ext uri="{AF507438-7753-43E0-B8FC-AC1667EBCBE1}">
-              <a14:hiddenEffects xmlns:a14="http://schemas.microsoft.com/office/drawing/2010/main" xmlns="">
+              <a14:hiddenEffects xmlns="" xmlns:a14="http://schemas.microsoft.com/office/drawing/2010/main">
                 <a:effectLst>
                   <a:outerShdw dist="35921" dir="2700000" algn="ctr" rotWithShape="0">
                     <a:schemeClr val="bg2"/>
@@ -22483,7 +22497,7 @@
           <a:effectLst/>
           <a:extLst>
             <a:ext uri="{AF507438-7753-43E0-B8FC-AC1667EBCBE1}">
-              <a14:hiddenEffects xmlns:a14="http://schemas.microsoft.com/office/drawing/2010/main" xmlns="">
+              <a14:hiddenEffects xmlns="" xmlns:a14="http://schemas.microsoft.com/office/drawing/2010/main">
                 <a:effectLst>
                   <a:outerShdw dist="35921" dir="2700000" algn="ctr" rotWithShape="0">
                     <a:schemeClr val="bg2"/>
@@ -22535,7 +22549,7 @@
           <a:effectLst/>
           <a:extLst>
             <a:ext uri="{AF507438-7753-43E0-B8FC-AC1667EBCBE1}">
-              <a14:hiddenEffects xmlns:a14="http://schemas.microsoft.com/office/drawing/2010/main" xmlns="">
+              <a14:hiddenEffects xmlns="" xmlns:a14="http://schemas.microsoft.com/office/drawing/2010/main">
                 <a:effectLst>
                   <a:outerShdw dist="35921" dir="2700000" algn="ctr" rotWithShape="0">
                     <a:schemeClr val="bg2"/>
@@ -22574,7 +22588,7 @@
     <p:sldLayoutId id="2147483663" r:id="rId15"/>
   </p:sldLayoutIdLst>
   <mc:AlternateContent xmlns:mc="http://schemas.openxmlformats.org/markup-compatibility/2006">
-    <mc:Choice xmlns:p14="http://schemas.microsoft.com/office/powerpoint/2010/main" xmlns="" Requires="p14">
+    <mc:Choice xmlns="" xmlns:p14="http://schemas.microsoft.com/office/powerpoint/2010/main" Requires="p14">
       <p:transition p14:dur="10"/>
     </mc:Choice>
     <mc:Fallback>
@@ -23047,33 +23061,15 @@
                                   </p:childTnLst>
                                 </p:cTn>
                               </p:par>
-                            </p:childTnLst>
-                          </p:cTn>
-                        </p:par>
-                      </p:childTnLst>
-                    </p:cTn>
-                  </p:par>
-                  <p:par>
-                    <p:cTn id="36" fill="hold">
-                      <p:stCondLst>
-                        <p:cond delay="indefinite"/>
-                      </p:stCondLst>
-                      <p:childTnLst>
-                        <p:par>
-                          <p:cTn id="37" fill="hold">
-                            <p:stCondLst>
-                              <p:cond delay="0"/>
-                            </p:stCondLst>
-                            <p:childTnLst>
                               <p:par>
-                                <p:cTn id="38" presetID="42" presetClass="entr" presetSubtype="0" fill="hold" grpId="0" nodeType="clickEffect">
+                                <p:cTn id="36" presetID="42" presetClass="entr" presetSubtype="0" fill="hold" grpId="0" nodeType="withEffect">
                                   <p:stCondLst>
                                     <p:cond delay="0"/>
                                   </p:stCondLst>
                                   <p:childTnLst>
                                     <p:set>
                                       <p:cBhvr>
-                                        <p:cTn id="39" dur="1" fill="hold">
+                                        <p:cTn id="37" dur="1" fill="hold">
                                           <p:stCondLst>
                                             <p:cond delay="0"/>
                                           </p:stCondLst>
@@ -23095,7 +23091,7 @@
                                     </p:set>
                                     <p:animEffect transition="in" filter="fade">
                                       <p:cBhvr>
-                                        <p:cTn id="40" dur="1000"/>
+                                        <p:cTn id="38" dur="1000"/>
                                         <p:tgtEl>
                                           <p:spTgt spid="1027">
                                             <p:txEl>
@@ -23107,7 +23103,7 @@
                                     </p:animEffect>
                                     <p:anim calcmode="lin" valueType="num">
                                       <p:cBhvr>
-                                        <p:cTn id="41" dur="1000" fill="hold"/>
+                                        <p:cTn id="39" dur="1000" fill="hold"/>
                                         <p:tgtEl>
                                           <p:spTgt spid="1027">
                                             <p:txEl>
@@ -23134,7 +23130,7 @@
                                     </p:anim>
                                     <p:anim calcmode="lin" valueType="num">
                                       <p:cBhvr>
-                                        <p:cTn id="42" dur="1000" fill="hold"/>
+                                        <p:cTn id="40" dur="1000" fill="hold"/>
                                         <p:tgtEl>
                                           <p:spTgt spid="1027">
                                             <p:txEl>
@@ -23169,26 +23165,26 @@
                     </p:cTn>
                   </p:par>
                   <p:par>
-                    <p:cTn id="43" fill="hold">
+                    <p:cTn id="41" fill="hold">
                       <p:stCondLst>
                         <p:cond delay="indefinite"/>
                       </p:stCondLst>
                       <p:childTnLst>
                         <p:par>
-                          <p:cTn id="44" fill="hold">
+                          <p:cTn id="42" fill="hold">
                             <p:stCondLst>
                               <p:cond delay="0"/>
                             </p:stCondLst>
                             <p:childTnLst>
                               <p:par>
-                                <p:cTn id="45" presetID="2" presetClass="entr" presetSubtype="4" fill="hold" grpId="0" nodeType="clickEffect">
+                                <p:cTn id="43" presetID="2" presetClass="entr" presetSubtype="4" fill="hold" grpId="0" nodeType="clickEffect">
                                   <p:stCondLst>
                                     <p:cond delay="0"/>
                                   </p:stCondLst>
                                   <p:childTnLst>
                                     <p:set>
                                       <p:cBhvr>
-                                        <p:cTn id="46" dur="1" fill="hold">
+                                        <p:cTn id="44" dur="1" fill="hold">
                                           <p:stCondLst>
                                             <p:cond delay="0"/>
                                           </p:stCondLst>
@@ -23210,7 +23206,7 @@
                                     </p:set>
                                     <p:anim calcmode="lin" valueType="num">
                                       <p:cBhvr additive="base">
-                                        <p:cTn id="47" dur="500" fill="hold"/>
+                                        <p:cTn id="45" dur="500" fill="hold"/>
                                         <p:tgtEl>
                                           <p:spTgt spid="1027">
                                             <p:txEl>
@@ -23237,7 +23233,7 @@
                                     </p:anim>
                                     <p:anim calcmode="lin" valueType="num">
                                       <p:cBhvr additive="base">
-                                        <p:cTn id="48" dur="500" fill="hold"/>
+                                        <p:cTn id="46" dur="500" fill="hold"/>
                                         <p:tgtEl>
                                           <p:spTgt spid="1027">
                                             <p:txEl>
@@ -23266,14 +23262,14 @@
                                 </p:cTn>
                               </p:par>
                               <p:par>
-                                <p:cTn id="49" presetID="2" presetClass="entr" presetSubtype="4" fill="hold" grpId="0" nodeType="withEffect">
+                                <p:cTn id="47" presetID="2" presetClass="entr" presetSubtype="4" fill="hold" grpId="0" nodeType="withEffect">
                                   <p:stCondLst>
                                     <p:cond delay="0"/>
                                   </p:stCondLst>
                                   <p:childTnLst>
                                     <p:set>
                                       <p:cBhvr>
-                                        <p:cTn id="50" dur="1" fill="hold">
+                                        <p:cTn id="48" dur="1" fill="hold">
                                           <p:stCondLst>
                                             <p:cond delay="0"/>
                                           </p:stCondLst>
@@ -23295,7 +23291,7 @@
                                     </p:set>
                                     <p:anim calcmode="lin" valueType="num">
                                       <p:cBhvr additive="base">
-                                        <p:cTn id="51" dur="500" fill="hold"/>
+                                        <p:cTn id="49" dur="500" fill="hold"/>
                                         <p:tgtEl>
                                           <p:spTgt spid="1027">
                                             <p:txEl>
@@ -23322,7 +23318,7 @@
                                     </p:anim>
                                     <p:anim calcmode="lin" valueType="num">
                                       <p:cBhvr additive="base">
-                                        <p:cTn id="52" dur="500" fill="hold"/>
+                                        <p:cTn id="50" dur="500" fill="hold"/>
                                         <p:tgtEl>
                                           <p:spTgt spid="1027">
                                             <p:txEl>
@@ -23554,7 +23550,7 @@
           <p:tmpl lvl="3">
             <p:tnLst>
               <p:par>
-                <p:cTn presetID="42" presetClass="entr" presetSubtype="0" fill="hold" nodeType="clickEffect">
+                <p:cTn presetID="42" presetClass="entr" presetSubtype="0" fill="hold" nodeType="withEffect">
                   <p:stCondLst>
                     <p:cond delay="0"/>
                   </p:stCondLst>
@@ -24307,7 +24303,7 @@
                 </a:solidFill>
                 <a:ea typeface="宋体" charset="-122"/>
               </a:rPr>
-              <a:t>的必要因素</a:t>
+              <a:t>的要素</a:t>
             </a:r>
             <a:r>
               <a:rPr lang="en-US" altLang="zh-CN" sz="5400" dirty="0" smtClean="0">
@@ -24333,7 +24329,7 @@
                 </a:solidFill>
                 <a:ea typeface="宋体" charset="-122"/>
               </a:rPr>
-              <a:t>2017-7-16</a:t>
+              <a:t>2017-8-6</a:t>
             </a:r>
             <a:endParaRPr lang="en-US" altLang="zh-CN" sz="5400" dirty="0">
               <a:solidFill>
@@ -24350,7 +24346,7 @@
     <a:masterClrMapping/>
   </p:clrMapOvr>
   <mc:AlternateContent xmlns:mc="http://schemas.openxmlformats.org/markup-compatibility/2006">
-    <mc:Choice xmlns:p14="http://schemas.microsoft.com/office/powerpoint/2010/main" xmlns="" Requires="p14">
+    <mc:Choice xmlns="" xmlns:p14="http://schemas.microsoft.com/office/powerpoint/2010/main" Requires="p14">
       <p:transition p14:dur="10"/>
     </mc:Choice>
     <mc:Fallback>
@@ -24624,7 +24620,7 @@
     </p:spTree>
     <p:extLst>
       <p:ext uri="{BB962C8B-B14F-4D97-AF65-F5344CB8AC3E}">
-        <p14:creationId xmlns:p14="http://schemas.microsoft.com/office/powerpoint/2010/main" xmlns="" val="602482599"/>
+        <p14:creationId xmlns="" xmlns:p14="http://schemas.microsoft.com/office/powerpoint/2010/main" val="602482599"/>
       </p:ext>
     </p:extLst>
   </p:cSld>
@@ -24632,7 +24628,7 @@
     <a:masterClrMapping/>
   </p:clrMapOvr>
   <mc:AlternateContent xmlns:mc="http://schemas.openxmlformats.org/markup-compatibility/2006">
-    <mc:Choice xmlns:p14="http://schemas.microsoft.com/office/powerpoint/2010/main" xmlns="" Requires="p14">
+    <mc:Choice xmlns="" xmlns:p14="http://schemas.microsoft.com/office/powerpoint/2010/main" Requires="p14">
       <p:transition p14:dur="10"/>
     </mc:Choice>
     <mc:Fallback>
@@ -24956,7 +24952,7 @@
     </p:spTree>
     <p:extLst>
       <p:ext uri="{BB962C8B-B14F-4D97-AF65-F5344CB8AC3E}">
-        <p14:creationId xmlns:p14="http://schemas.microsoft.com/office/powerpoint/2010/main" xmlns="" val="602482599"/>
+        <p14:creationId xmlns="" xmlns:p14="http://schemas.microsoft.com/office/powerpoint/2010/main" val="602482599"/>
       </p:ext>
     </p:extLst>
   </p:cSld>
@@ -24964,7 +24960,7 @@
     <a:masterClrMapping/>
   </p:clrMapOvr>
   <mc:AlternateContent xmlns:mc="http://schemas.openxmlformats.org/markup-compatibility/2006">
-    <mc:Choice xmlns:p14="http://schemas.microsoft.com/office/powerpoint/2010/main" xmlns="" Requires="p14">
+    <mc:Choice xmlns="" xmlns:p14="http://schemas.microsoft.com/office/powerpoint/2010/main" Requires="p14">
       <p:transition p14:dur="10"/>
     </mc:Choice>
     <mc:Fallback>
@@ -25174,7 +25170,7 @@
     </p:spTree>
     <p:extLst>
       <p:ext uri="{BB962C8B-B14F-4D97-AF65-F5344CB8AC3E}">
-        <p14:creationId xmlns:p14="http://schemas.microsoft.com/office/powerpoint/2010/main" xmlns="" val="602482599"/>
+        <p14:creationId xmlns="" xmlns:p14="http://schemas.microsoft.com/office/powerpoint/2010/main" val="602482599"/>
       </p:ext>
     </p:extLst>
   </p:cSld>
@@ -25182,7 +25178,7 @@
     <a:masterClrMapping/>
   </p:clrMapOvr>
   <mc:AlternateContent xmlns:mc="http://schemas.openxmlformats.org/markup-compatibility/2006">
-    <mc:Choice xmlns:p14="http://schemas.microsoft.com/office/powerpoint/2010/main" xmlns="" Requires="p14">
+    <mc:Choice xmlns="" xmlns:p14="http://schemas.microsoft.com/office/powerpoint/2010/main" Requires="p14">
       <p:transition p14:dur="10"/>
     </mc:Choice>
     <mc:Fallback>
@@ -25366,7 +25362,7 @@
     </p:spTree>
     <p:extLst>
       <p:ext uri="{BB962C8B-B14F-4D97-AF65-F5344CB8AC3E}">
-        <p14:creationId xmlns:p14="http://schemas.microsoft.com/office/powerpoint/2010/main" xmlns="" val="274900122"/>
+        <p14:creationId xmlns="" xmlns:p14="http://schemas.microsoft.com/office/powerpoint/2010/main" val="274900122"/>
       </p:ext>
     </p:extLst>
   </p:cSld>
@@ -25374,7 +25370,7 @@
     <a:masterClrMapping/>
   </p:clrMapOvr>
   <mc:AlternateContent xmlns:mc="http://schemas.openxmlformats.org/markup-compatibility/2006">
-    <mc:Choice xmlns:p14="http://schemas.microsoft.com/office/powerpoint/2010/main" xmlns="" Requires="p14">
+    <mc:Choice xmlns="" xmlns:p14="http://schemas.microsoft.com/office/powerpoint/2010/main" Requires="p14">
       <p:transition p14:dur="10"/>
     </mc:Choice>
     <mc:Fallback>
@@ -25488,7 +25484,7 @@
     <a:masterClrMapping/>
   </p:clrMapOvr>
   <mc:AlternateContent xmlns:mc="http://schemas.openxmlformats.org/markup-compatibility/2006">
-    <mc:Choice xmlns:p14="http://schemas.microsoft.com/office/powerpoint/2010/main" xmlns="" Requires="p14">
+    <mc:Choice xmlns="" xmlns:p14="http://schemas.microsoft.com/office/powerpoint/2010/main" Requires="p14">
       <p:transition p14:dur="10"/>
     </mc:Choice>
     <mc:Fallback>
@@ -25571,44 +25567,98 @@
           <a:p>
             <a:r>
               <a:rPr lang="zh-CN" altLang="en-US" dirty="0" smtClean="0"/>
-              <a:t>植物成长的必需品</a:t>
+              <a:t>我</a:t>
+            </a:r>
+            <a:r>
+              <a:rPr lang="zh-CN" altLang="en-US" dirty="0" smtClean="0"/>
+              <a:t>的成长</a:t>
             </a:r>
             <a:endParaRPr lang="en-US" altLang="zh-CN" dirty="0" smtClean="0"/>
           </a:p>
           <a:p>
             <a:pPr lvl="1"/>
             <a:r>
+              <a:rPr lang="zh-CN" altLang="en-US" sz="2400" dirty="0" smtClean="0"/>
+              <a:t>在座的没有一位是看着我长大的，但有</a:t>
+            </a:r>
+            <a:r>
+              <a:rPr lang="zh-CN" altLang="en-US" sz="2400" dirty="0" smtClean="0"/>
+              <a:t>不少属</a:t>
+            </a:r>
+            <a:r>
+              <a:rPr lang="zh-CN" altLang="en-US" sz="2400" dirty="0" smtClean="0"/>
+              <a:t>灵长辈是看着我的属灵生命长大的。</a:t>
+            </a:r>
+            <a:endParaRPr lang="en-US" altLang="zh-CN" sz="2400" dirty="0" smtClean="0"/>
+          </a:p>
+          <a:p>
+            <a:r>
               <a:rPr lang="zh-CN" altLang="en-US" dirty="0" smtClean="0"/>
-              <a:t>水</a:t>
+              <a:t>孩子</a:t>
+            </a:r>
+            <a:r>
+              <a:rPr lang="zh-CN" altLang="en-US" dirty="0" smtClean="0"/>
+              <a:t>成长</a:t>
             </a:r>
             <a:endParaRPr lang="en-US" altLang="zh-CN" dirty="0" smtClean="0"/>
           </a:p>
           <a:p>
             <a:pPr lvl="1"/>
             <a:r>
+              <a:rPr lang="zh-CN" altLang="en-US" sz="2400" dirty="0" smtClean="0"/>
+              <a:t>今天正好</a:t>
+            </a:r>
+            <a:r>
+              <a:rPr lang="en-US" altLang="zh-CN" sz="2400" dirty="0" smtClean="0"/>
+              <a:t>7</a:t>
+            </a:r>
+            <a:r>
+              <a:rPr lang="zh-CN" altLang="en-US" sz="2400" dirty="0" smtClean="0"/>
+              <a:t>个</a:t>
+            </a:r>
+            <a:r>
+              <a:rPr lang="zh-CN" altLang="en-US" sz="2400" dirty="0" smtClean="0"/>
+              <a:t>月大</a:t>
+            </a:r>
+            <a:r>
+              <a:rPr lang="zh-CN" altLang="en-US" sz="2400" dirty="0" smtClean="0"/>
+              <a:t>，最近体重身高长得有些慢，全家人都有些</a:t>
+            </a:r>
+            <a:r>
+              <a:rPr lang="zh-CN" altLang="en-US" sz="2400" dirty="0" smtClean="0"/>
+              <a:t>着急。</a:t>
+            </a:r>
+            <a:endParaRPr lang="en-US" altLang="zh-CN" sz="2400" dirty="0" smtClean="0"/>
+          </a:p>
+          <a:p>
+            <a:r>
               <a:rPr lang="zh-CN" altLang="en-US" dirty="0" smtClean="0"/>
-              <a:t>阳光</a:t>
+              <a:t>我们的属灵生命成长</a:t>
             </a:r>
             <a:endParaRPr lang="en-US" altLang="zh-CN" dirty="0" smtClean="0"/>
           </a:p>
           <a:p>
             <a:pPr lvl="1"/>
             <a:r>
-              <a:rPr lang="zh-CN" altLang="en-US" dirty="0" smtClean="0"/>
-              <a:t>空气</a:t>
-            </a:r>
-            <a:endParaRPr lang="en-US" altLang="zh-CN" dirty="0" smtClean="0"/>
-          </a:p>
-          <a:p>
-            <a:pPr lvl="1"/>
-            <a:r>
-              <a:rPr lang="zh-CN" altLang="en-US" dirty="0" smtClean="0"/>
-              <a:t>土壤</a:t>
-            </a:r>
-            <a:endParaRPr lang="en-US" altLang="zh-CN" dirty="0" smtClean="0"/>
-          </a:p>
-          <a:p>
-            <a:pPr lvl="1"/>
+              <a:rPr lang="zh-CN" altLang="en-US" sz="2400" dirty="0" smtClean="0"/>
+              <a:t>我们的</a:t>
+            </a:r>
+            <a:r>
+              <a:rPr lang="zh-CN" altLang="en-US" sz="2400" dirty="0" smtClean="0"/>
+              <a:t>属灵</a:t>
+            </a:r>
+            <a:r>
+              <a:rPr lang="zh-CN" altLang="en-US" sz="2400" dirty="0" smtClean="0"/>
+              <a:t>生命是不是也会遇到停滞不前的状况？我们选择任凭这种</a:t>
+            </a:r>
+            <a:r>
+              <a:rPr lang="zh-CN" altLang="en-US" sz="2400" dirty="0" smtClean="0"/>
+              <a:t>状态持续</a:t>
+            </a:r>
+            <a:r>
+              <a:rPr lang="zh-CN" altLang="en-US" sz="2400" dirty="0" smtClean="0"/>
+              <a:t>下去还是努力寻求改变？</a:t>
+            </a:r>
             <a:endParaRPr lang="en-US" altLang="zh-CN" sz="2000" dirty="0">
               <a:ea typeface="宋体" charset="-122"/>
             </a:endParaRPr>
@@ -25621,7 +25671,7 @@
     <a:masterClrMapping/>
   </p:clrMapOvr>
   <mc:AlternateContent xmlns:mc="http://schemas.openxmlformats.org/markup-compatibility/2006">
-    <mc:Choice xmlns:p14="http://schemas.microsoft.com/office/powerpoint/2010/main" xmlns="" Requires="p14">
+    <mc:Choice xmlns="" xmlns:p14="http://schemas.microsoft.com/office/powerpoint/2010/main" Requires="p14">
       <p:transition p14:dur="10"/>
     </mc:Choice>
     <mc:Fallback>
@@ -25800,7 +25850,7 @@
     </p:spTree>
     <p:extLst>
       <p:ext uri="{BB962C8B-B14F-4D97-AF65-F5344CB8AC3E}">
-        <p14:creationId xmlns:p14="http://schemas.microsoft.com/office/powerpoint/2010/main" xmlns="" val="2916621134"/>
+        <p14:creationId xmlns="" xmlns:p14="http://schemas.microsoft.com/office/powerpoint/2010/main" val="2916621134"/>
       </p:ext>
     </p:extLst>
   </p:cSld>
@@ -25808,7 +25858,7 @@
     <a:masterClrMapping/>
   </p:clrMapOvr>
   <mc:AlternateContent xmlns:mc="http://schemas.openxmlformats.org/markup-compatibility/2006">
-    <mc:Choice xmlns:p14="http://schemas.microsoft.com/office/powerpoint/2010/main" xmlns="" Requires="p14">
+    <mc:Choice xmlns="" xmlns:p14="http://schemas.microsoft.com/office/powerpoint/2010/main" Requires="p14">
       <p:transition p14:dur="10"/>
     </mc:Choice>
     <mc:Fallback>
@@ -25986,7 +26036,7 @@
     <a:masterClrMapping/>
   </p:clrMapOvr>
   <mc:AlternateContent xmlns:mc="http://schemas.openxmlformats.org/markup-compatibility/2006">
-    <mc:Choice xmlns:p14="http://schemas.microsoft.com/office/powerpoint/2010/main" xmlns="" Requires="p14">
+    <mc:Choice xmlns="" xmlns:p14="http://schemas.microsoft.com/office/powerpoint/2010/main" Requires="p14">
       <p:transition p14:dur="10"/>
     </mc:Choice>
     <mc:Fallback>
@@ -26265,7 +26315,7 @@
     </p:spTree>
     <p:extLst>
       <p:ext uri="{BB962C8B-B14F-4D97-AF65-F5344CB8AC3E}">
-        <p14:creationId xmlns:p14="http://schemas.microsoft.com/office/powerpoint/2010/main" xmlns="" val="602482599"/>
+        <p14:creationId xmlns="" xmlns:p14="http://schemas.microsoft.com/office/powerpoint/2010/main" val="602482599"/>
       </p:ext>
     </p:extLst>
   </p:cSld>
@@ -26273,7 +26323,7 @@
     <a:masterClrMapping/>
   </p:clrMapOvr>
   <mc:AlternateContent xmlns:mc="http://schemas.openxmlformats.org/markup-compatibility/2006">
-    <mc:Choice xmlns:p14="http://schemas.microsoft.com/office/powerpoint/2010/main" xmlns="" Requires="p14">
+    <mc:Choice xmlns="" xmlns:p14="http://schemas.microsoft.com/office/powerpoint/2010/main" Requires="p14">
       <p:transition p14:dur="10"/>
     </mc:Choice>
     <mc:Fallback>
@@ -26580,7 +26630,7 @@
     </p:spTree>
     <p:extLst>
       <p:ext uri="{BB962C8B-B14F-4D97-AF65-F5344CB8AC3E}">
-        <p14:creationId xmlns:p14="http://schemas.microsoft.com/office/powerpoint/2010/main" xmlns="" val="602482599"/>
+        <p14:creationId xmlns="" xmlns:p14="http://schemas.microsoft.com/office/powerpoint/2010/main" val="602482599"/>
       </p:ext>
     </p:extLst>
   </p:cSld>
@@ -26588,7 +26638,7 @@
     <a:masterClrMapping/>
   </p:clrMapOvr>
   <mc:AlternateContent xmlns:mc="http://schemas.openxmlformats.org/markup-compatibility/2006">
-    <mc:Choice xmlns:p14="http://schemas.microsoft.com/office/powerpoint/2010/main" xmlns="" Requires="p14">
+    <mc:Choice xmlns="" xmlns:p14="http://schemas.microsoft.com/office/powerpoint/2010/main" Requires="p14">
       <p:transition p14:dur="10"/>
     </mc:Choice>
     <mc:Fallback>
@@ -26891,26 +26941,13 @@
               <a:t>从前所交托你的善道 </a:t>
             </a:r>
             <a:r>
-              <a:rPr lang="en-US" altLang="zh-CN" dirty="0" smtClean="0">
+              <a:rPr lang="en-US" altLang="zh-CN" smtClean="0">
                 <a:solidFill>
                   <a:srgbClr val="FF0000"/>
                 </a:solidFill>
               </a:rPr>
               <a:t>…</a:t>
             </a:r>
-          </a:p>
-          <a:p>
-            <a:pPr lvl="2"/>
-            <a:r>
-              <a:rPr lang="zh-CN" altLang="en-US" dirty="0" smtClean="0"/>
-              <a:t>。</a:t>
-            </a:r>
-            <a:endParaRPr lang="en-US" altLang="zh-CN" dirty="0" smtClean="0"/>
-          </a:p>
-          <a:p>
-            <a:pPr lvl="1">
-              <a:buNone/>
-            </a:pPr>
             <a:endParaRPr lang="en-US" altLang="zh-CN" dirty="0" smtClean="0"/>
           </a:p>
         </p:txBody>
@@ -26918,7 +26955,7 @@
     </p:spTree>
     <p:extLst>
       <p:ext uri="{BB962C8B-B14F-4D97-AF65-F5344CB8AC3E}">
-        <p14:creationId xmlns:p14="http://schemas.microsoft.com/office/powerpoint/2010/main" xmlns="" val="602482599"/>
+        <p14:creationId xmlns="" xmlns:p14="http://schemas.microsoft.com/office/powerpoint/2010/main" val="602482599"/>
       </p:ext>
     </p:extLst>
   </p:cSld>
@@ -26926,7 +26963,7 @@
     <a:masterClrMapping/>
   </p:clrMapOvr>
   <mc:AlternateContent xmlns:mc="http://schemas.openxmlformats.org/markup-compatibility/2006">
-    <mc:Choice xmlns:p14="http://schemas.microsoft.com/office/powerpoint/2010/main" xmlns="" Requires="p14">
+    <mc:Choice xmlns="" xmlns:p14="http://schemas.microsoft.com/office/powerpoint/2010/main" Requires="p14">
       <p:transition p14:dur="10"/>
     </mc:Choice>
     <mc:Fallback>
@@ -27170,7 +27207,7 @@
     </p:spTree>
     <p:extLst>
       <p:ext uri="{BB962C8B-B14F-4D97-AF65-F5344CB8AC3E}">
-        <p14:creationId xmlns:p14="http://schemas.microsoft.com/office/powerpoint/2010/main" xmlns="" val="602482599"/>
+        <p14:creationId xmlns="" xmlns:p14="http://schemas.microsoft.com/office/powerpoint/2010/main" val="602482599"/>
       </p:ext>
     </p:extLst>
   </p:cSld>
@@ -27178,7 +27215,7 @@
     <a:masterClrMapping/>
   </p:clrMapOvr>
   <mc:AlternateContent xmlns:mc="http://schemas.openxmlformats.org/markup-compatibility/2006">
-    <mc:Choice xmlns:p14="http://schemas.microsoft.com/office/powerpoint/2010/main" xmlns="" Requires="p14">
+    <mc:Choice xmlns="" xmlns:p14="http://schemas.microsoft.com/office/powerpoint/2010/main" Requires="p14">
       <p:transition p14:dur="10"/>
     </mc:Choice>
     <mc:Fallback>
@@ -27497,7 +27534,7 @@
     </p:spTree>
     <p:extLst>
       <p:ext uri="{BB962C8B-B14F-4D97-AF65-F5344CB8AC3E}">
-        <p14:creationId xmlns:p14="http://schemas.microsoft.com/office/powerpoint/2010/main" xmlns="" val="602482599"/>
+        <p14:creationId xmlns="" xmlns:p14="http://schemas.microsoft.com/office/powerpoint/2010/main" val="602482599"/>
       </p:ext>
     </p:extLst>
   </p:cSld>
@@ -27505,7 +27542,7 @@
     <a:masterClrMapping/>
   </p:clrMapOvr>
   <mc:AlternateContent xmlns:mc="http://schemas.openxmlformats.org/markup-compatibility/2006">
-    <mc:Choice xmlns:p14="http://schemas.microsoft.com/office/powerpoint/2010/main" xmlns="" Requires="p14">
+    <mc:Choice xmlns="" xmlns:p14="http://schemas.microsoft.com/office/powerpoint/2010/main" Requires="p14">
       <p:transition p14:dur="10"/>
     </mc:Choice>
     <mc:Fallback>

--- a/share/提摩太后书/释经讲道01-天国志愿军/属灵生命成长的要素-2ti2-1-14.pptx
+++ b/share/提摩太后书/释经讲道01-天国志愿军/属灵生命成长的要素-2ti2-1-14.pptx
@@ -203,14 +203,14 @@
           <a:effectLst/>
           <a:extLst>
             <a:ext uri="{909E8E84-426E-40DD-AFC4-6F175D3DCCD1}">
-              <a14:hiddenFill xmlns="" xmlns:a14="http://schemas.microsoft.com/office/drawing/2010/main">
+              <a14:hiddenFill xmlns:a14="http://schemas.microsoft.com/office/drawing/2010/main" xmlns="">
                 <a:solidFill>
                   <a:schemeClr val="accent1"/>
                 </a:solidFill>
               </a14:hiddenFill>
             </a:ext>
             <a:ext uri="{91240B29-F687-4F45-9708-019B960494DF}">
-              <a14:hiddenLine xmlns="" xmlns:a14="http://schemas.microsoft.com/office/drawing/2010/main" w="9525">
+              <a14:hiddenLine xmlns:a14="http://schemas.microsoft.com/office/drawing/2010/main" xmlns="" w="9525">
                 <a:solidFill>
                   <a:schemeClr val="tx1"/>
                 </a:solidFill>
@@ -220,7 +220,7 @@
               </a14:hiddenLine>
             </a:ext>
             <a:ext uri="{AF507438-7753-43E0-B8FC-AC1667EBCBE1}">
-              <a14:hiddenEffects xmlns="" xmlns:a14="http://schemas.microsoft.com/office/drawing/2010/main">
+              <a14:hiddenEffects xmlns:a14="http://schemas.microsoft.com/office/drawing/2010/main" xmlns="">
                 <a:effectLst>
                   <a:outerShdw dist="35921" dir="2700000" algn="ctr" rotWithShape="0">
                     <a:schemeClr val="bg2"/>
@@ -271,14 +271,14 @@
           <a:effectLst/>
           <a:extLst>
             <a:ext uri="{909E8E84-426E-40DD-AFC4-6F175D3DCCD1}">
-              <a14:hiddenFill xmlns="" xmlns:a14="http://schemas.microsoft.com/office/drawing/2010/main">
+              <a14:hiddenFill xmlns:a14="http://schemas.microsoft.com/office/drawing/2010/main" xmlns="">
                 <a:solidFill>
                   <a:schemeClr val="accent1"/>
                 </a:solidFill>
               </a14:hiddenFill>
             </a:ext>
             <a:ext uri="{91240B29-F687-4F45-9708-019B960494DF}">
-              <a14:hiddenLine xmlns="" xmlns:a14="http://schemas.microsoft.com/office/drawing/2010/main" w="9525">
+              <a14:hiddenLine xmlns:a14="http://schemas.microsoft.com/office/drawing/2010/main" xmlns="" w="9525">
                 <a:solidFill>
                   <a:schemeClr val="tx1"/>
                 </a:solidFill>
@@ -288,7 +288,7 @@
               </a14:hiddenLine>
             </a:ext>
             <a:ext uri="{AF507438-7753-43E0-B8FC-AC1667EBCBE1}">
-              <a14:hiddenEffects xmlns="" xmlns:a14="http://schemas.microsoft.com/office/drawing/2010/main">
+              <a14:hiddenEffects xmlns:a14="http://schemas.microsoft.com/office/drawing/2010/main" xmlns="">
                 <a:effectLst>
                   <a:outerShdw dist="35921" dir="2700000" algn="ctr" rotWithShape="0">
                     <a:schemeClr val="bg2"/>
@@ -344,7 +344,7 @@
           <a:effectLst/>
           <a:extLst>
             <a:ext uri="{AF507438-7753-43E0-B8FC-AC1667EBCBE1}">
-              <a14:hiddenEffects xmlns="" xmlns:a14="http://schemas.microsoft.com/office/drawing/2010/main">
+              <a14:hiddenEffects xmlns:a14="http://schemas.microsoft.com/office/drawing/2010/main" xmlns="">
                 <a:effectLst>
                   <a:outerShdw dist="35921" dir="2700000" algn="ctr" rotWithShape="0">
                     <a:srgbClr val="808080"/>
@@ -353,7 +353,7 @@
               </a14:hiddenEffects>
             </a:ext>
             <a:ext uri="{53640926-AAD7-44D8-BBD7-CCE9431645EC}">
-              <a14:shadowObscured xmlns="" xmlns:a14="http://schemas.microsoft.com/office/drawing/2010/main" val="1"/>
+              <a14:shadowObscured xmlns:a14="http://schemas.microsoft.com/office/drawing/2010/main" xmlns="" val="1"/>
             </a:ext>
           </a:extLst>
         </p:spPr>
@@ -383,14 +383,14 @@
           <a:effectLst/>
           <a:extLst>
             <a:ext uri="{909E8E84-426E-40DD-AFC4-6F175D3DCCD1}">
-              <a14:hiddenFill xmlns="" xmlns:a14="http://schemas.microsoft.com/office/drawing/2010/main">
+              <a14:hiddenFill xmlns:a14="http://schemas.microsoft.com/office/drawing/2010/main" xmlns="">
                 <a:solidFill>
                   <a:schemeClr val="accent1"/>
                 </a:solidFill>
               </a14:hiddenFill>
             </a:ext>
             <a:ext uri="{91240B29-F687-4F45-9708-019B960494DF}">
-              <a14:hiddenLine xmlns="" xmlns:a14="http://schemas.microsoft.com/office/drawing/2010/main" w="9525">
+              <a14:hiddenLine xmlns:a14="http://schemas.microsoft.com/office/drawing/2010/main" xmlns="" w="9525">
                 <a:solidFill>
                   <a:schemeClr val="tx1"/>
                 </a:solidFill>
@@ -400,7 +400,7 @@
               </a14:hiddenLine>
             </a:ext>
             <a:ext uri="{AF507438-7753-43E0-B8FC-AC1667EBCBE1}">
-              <a14:hiddenEffects xmlns="" xmlns:a14="http://schemas.microsoft.com/office/drawing/2010/main">
+              <a14:hiddenEffects xmlns:a14="http://schemas.microsoft.com/office/drawing/2010/main" xmlns="">
                 <a:effectLst>
                   <a:outerShdw dist="35921" dir="2700000" algn="ctr" rotWithShape="0">
                     <a:schemeClr val="bg2"/>
@@ -479,14 +479,14 @@
           <a:effectLst/>
           <a:extLst>
             <a:ext uri="{909E8E84-426E-40DD-AFC4-6F175D3DCCD1}">
-              <a14:hiddenFill xmlns="" xmlns:a14="http://schemas.microsoft.com/office/drawing/2010/main">
+              <a14:hiddenFill xmlns:a14="http://schemas.microsoft.com/office/drawing/2010/main" xmlns="">
                 <a:solidFill>
                   <a:schemeClr val="accent1"/>
                 </a:solidFill>
               </a14:hiddenFill>
             </a:ext>
             <a:ext uri="{91240B29-F687-4F45-9708-019B960494DF}">
-              <a14:hiddenLine xmlns="" xmlns:a14="http://schemas.microsoft.com/office/drawing/2010/main" w="9525">
+              <a14:hiddenLine xmlns:a14="http://schemas.microsoft.com/office/drawing/2010/main" xmlns="" w="9525">
                 <a:solidFill>
                   <a:schemeClr val="tx1"/>
                 </a:solidFill>
@@ -496,7 +496,7 @@
               </a14:hiddenLine>
             </a:ext>
             <a:ext uri="{AF507438-7753-43E0-B8FC-AC1667EBCBE1}">
-              <a14:hiddenEffects xmlns="" xmlns:a14="http://schemas.microsoft.com/office/drawing/2010/main">
+              <a14:hiddenEffects xmlns:a14="http://schemas.microsoft.com/office/drawing/2010/main" xmlns="">
                 <a:effectLst>
                   <a:outerShdw dist="35921" dir="2700000" algn="ctr" rotWithShape="0">
                     <a:schemeClr val="bg2"/>
@@ -547,14 +547,14 @@
           <a:effectLst/>
           <a:extLst>
             <a:ext uri="{909E8E84-426E-40DD-AFC4-6F175D3DCCD1}">
-              <a14:hiddenFill xmlns="" xmlns:a14="http://schemas.microsoft.com/office/drawing/2010/main">
+              <a14:hiddenFill xmlns:a14="http://schemas.microsoft.com/office/drawing/2010/main" xmlns="">
                 <a:solidFill>
                   <a:schemeClr val="accent1"/>
                 </a:solidFill>
               </a14:hiddenFill>
             </a:ext>
             <a:ext uri="{91240B29-F687-4F45-9708-019B960494DF}">
-              <a14:hiddenLine xmlns="" xmlns:a14="http://schemas.microsoft.com/office/drawing/2010/main" w="9525">
+              <a14:hiddenLine xmlns:a14="http://schemas.microsoft.com/office/drawing/2010/main" xmlns="" w="9525">
                 <a:solidFill>
                   <a:schemeClr val="tx1"/>
                 </a:solidFill>
@@ -564,7 +564,7 @@
               </a14:hiddenLine>
             </a:ext>
             <a:ext uri="{AF507438-7753-43E0-B8FC-AC1667EBCBE1}">
-              <a14:hiddenEffects xmlns="" xmlns:a14="http://schemas.microsoft.com/office/drawing/2010/main">
+              <a14:hiddenEffects xmlns:a14="http://schemas.microsoft.com/office/drawing/2010/main" xmlns="">
                 <a:effectLst>
                   <a:outerShdw dist="35921" dir="2700000" algn="ctr" rotWithShape="0">
                     <a:schemeClr val="bg2"/>
@@ -598,7 +598,7 @@
     </p:spTree>
     <p:extLst>
       <p:ext uri="{BB962C8B-B14F-4D97-AF65-F5344CB8AC3E}">
-        <p14:creationId xmlns="" xmlns:p14="http://schemas.microsoft.com/office/powerpoint/2010/main" val="45029081"/>
+        <p14:creationId xmlns:p14="http://schemas.microsoft.com/office/powerpoint/2010/main" xmlns="" val="45029081"/>
       </p:ext>
     </p:extLst>
   </p:cSld>
@@ -823,7 +823,7 @@
     </p:spTree>
     <p:extLst>
       <p:ext uri="{BB962C8B-B14F-4D97-AF65-F5344CB8AC3E}">
-        <p14:creationId xmlns="" xmlns:p14="http://schemas.microsoft.com/office/powerpoint/2010/main" val="3162953695"/>
+        <p14:creationId xmlns:p14="http://schemas.microsoft.com/office/powerpoint/2010/main" xmlns="" val="3162953695"/>
       </p:ext>
     </p:extLst>
   </p:cSld>
@@ -908,7 +908,7 @@
     </p:spTree>
     <p:extLst>
       <p:ext uri="{BB962C8B-B14F-4D97-AF65-F5344CB8AC3E}">
-        <p14:creationId xmlns="" xmlns:p14="http://schemas.microsoft.com/office/powerpoint/2010/main" val="4074272823"/>
+        <p14:creationId xmlns:p14="http://schemas.microsoft.com/office/powerpoint/2010/main" xmlns="" val="4074272823"/>
       </p:ext>
     </p:extLst>
   </p:cSld>
@@ -993,7 +993,7 @@
     </p:spTree>
     <p:extLst>
       <p:ext uri="{BB962C8B-B14F-4D97-AF65-F5344CB8AC3E}">
-        <p14:creationId xmlns="" xmlns:p14="http://schemas.microsoft.com/office/powerpoint/2010/main" val="4074272823"/>
+        <p14:creationId xmlns:p14="http://schemas.microsoft.com/office/powerpoint/2010/main" xmlns="" val="4074272823"/>
       </p:ext>
     </p:extLst>
   </p:cSld>
@@ -1078,7 +1078,7 @@
     </p:spTree>
     <p:extLst>
       <p:ext uri="{BB962C8B-B14F-4D97-AF65-F5344CB8AC3E}">
-        <p14:creationId xmlns="" xmlns:p14="http://schemas.microsoft.com/office/powerpoint/2010/main" val="4074272823"/>
+        <p14:creationId xmlns:p14="http://schemas.microsoft.com/office/powerpoint/2010/main" xmlns="" val="4074272823"/>
       </p:ext>
     </p:extLst>
   </p:cSld>
@@ -1163,7 +1163,7 @@
     </p:spTree>
     <p:extLst>
       <p:ext uri="{BB962C8B-B14F-4D97-AF65-F5344CB8AC3E}">
-        <p14:creationId xmlns="" xmlns:p14="http://schemas.microsoft.com/office/powerpoint/2010/main" val="4074272823"/>
+        <p14:creationId xmlns:p14="http://schemas.microsoft.com/office/powerpoint/2010/main" xmlns="" val="4074272823"/>
       </p:ext>
     </p:extLst>
   </p:cSld>
@@ -1258,7 +1258,7 @@
     </p:spTree>
     <p:extLst>
       <p:ext uri="{BB962C8B-B14F-4D97-AF65-F5344CB8AC3E}">
-        <p14:creationId xmlns="" xmlns:p14="http://schemas.microsoft.com/office/powerpoint/2010/main" val="4074272823"/>
+        <p14:creationId xmlns:p14="http://schemas.microsoft.com/office/powerpoint/2010/main" xmlns="" val="4074272823"/>
       </p:ext>
     </p:extLst>
   </p:cSld>
@@ -1361,7 +1361,7 @@
     </p:spTree>
     <p:extLst>
       <p:ext uri="{BB962C8B-B14F-4D97-AF65-F5344CB8AC3E}">
-        <p14:creationId xmlns="" xmlns:p14="http://schemas.microsoft.com/office/powerpoint/2010/main" val="4074272823"/>
+        <p14:creationId xmlns:p14="http://schemas.microsoft.com/office/powerpoint/2010/main" xmlns="" val="4074272823"/>
       </p:ext>
     </p:extLst>
   </p:cSld>
@@ -1456,7 +1456,7 @@
     </p:spTree>
     <p:extLst>
       <p:ext uri="{BB962C8B-B14F-4D97-AF65-F5344CB8AC3E}">
-        <p14:creationId xmlns="" xmlns:p14="http://schemas.microsoft.com/office/powerpoint/2010/main" val="4074272823"/>
+        <p14:creationId xmlns:p14="http://schemas.microsoft.com/office/powerpoint/2010/main" xmlns="" val="4074272823"/>
       </p:ext>
     </p:extLst>
   </p:cSld>
@@ -1541,7 +1541,7 @@
     </p:spTree>
     <p:extLst>
       <p:ext uri="{BB962C8B-B14F-4D97-AF65-F5344CB8AC3E}">
-        <p14:creationId xmlns="" xmlns:p14="http://schemas.microsoft.com/office/powerpoint/2010/main" val="4074272823"/>
+        <p14:creationId xmlns:p14="http://schemas.microsoft.com/office/powerpoint/2010/main" xmlns="" val="4074272823"/>
       </p:ext>
     </p:extLst>
   </p:cSld>
@@ -1626,7 +1626,7 @@
     </p:spTree>
     <p:extLst>
       <p:ext uri="{BB962C8B-B14F-4D97-AF65-F5344CB8AC3E}">
-        <p14:creationId xmlns="" xmlns:p14="http://schemas.microsoft.com/office/powerpoint/2010/main" val="4074272823"/>
+        <p14:creationId xmlns:p14="http://schemas.microsoft.com/office/powerpoint/2010/main" xmlns="" val="4074272823"/>
       </p:ext>
     </p:extLst>
   </p:cSld>
@@ -1711,7 +1711,7 @@
     </p:spTree>
     <p:extLst>
       <p:ext uri="{BB962C8B-B14F-4D97-AF65-F5344CB8AC3E}">
-        <p14:creationId xmlns="" xmlns:p14="http://schemas.microsoft.com/office/powerpoint/2010/main" val="4074272823"/>
+        <p14:creationId xmlns:p14="http://schemas.microsoft.com/office/powerpoint/2010/main" xmlns="" val="4074272823"/>
       </p:ext>
     </p:extLst>
   </p:cSld>
@@ -1796,7 +1796,7 @@
     </p:spTree>
     <p:extLst>
       <p:ext uri="{BB962C8B-B14F-4D97-AF65-F5344CB8AC3E}">
-        <p14:creationId xmlns="" xmlns:p14="http://schemas.microsoft.com/office/powerpoint/2010/main" val="4074272823"/>
+        <p14:creationId xmlns:p14="http://schemas.microsoft.com/office/powerpoint/2010/main" xmlns="" val="4074272823"/>
       </p:ext>
     </p:extLst>
   </p:cSld>
@@ -1881,7 +1881,7 @@
     </p:spTree>
     <p:extLst>
       <p:ext uri="{BB962C8B-B14F-4D97-AF65-F5344CB8AC3E}">
-        <p14:creationId xmlns="" xmlns:p14="http://schemas.microsoft.com/office/powerpoint/2010/main" val="4074272823"/>
+        <p14:creationId xmlns:p14="http://schemas.microsoft.com/office/powerpoint/2010/main" xmlns="" val="4074272823"/>
       </p:ext>
     </p:extLst>
   </p:cSld>
@@ -1935,7 +1935,7 @@
           <a:effectLst/>
           <a:extLst>
             <a:ext uri="{91240B29-F687-4F45-9708-019B960494DF}">
-              <a14:hiddenLine xmlns="" xmlns:a14="http://schemas.microsoft.com/office/drawing/2010/main" w="9525">
+              <a14:hiddenLine xmlns:a14="http://schemas.microsoft.com/office/drawing/2010/main" xmlns="" w="9525">
                 <a:solidFill>
                   <a:schemeClr val="tx1"/>
                 </a:solidFill>
@@ -1945,7 +1945,7 @@
               </a14:hiddenLine>
             </a:ext>
             <a:ext uri="{AF507438-7753-43E0-B8FC-AC1667EBCBE1}">
-              <a14:hiddenEffects xmlns="" xmlns:a14="http://schemas.microsoft.com/office/drawing/2010/main">
+              <a14:hiddenEffects xmlns:a14="http://schemas.microsoft.com/office/drawing/2010/main" xmlns="">
                 <a:effectLst>
                   <a:outerShdw dist="35921" dir="2700000" algn="ctr" rotWithShape="0">
                     <a:schemeClr val="bg2"/>
@@ -1992,7 +1992,7 @@
           <a:effectLst/>
           <a:extLst>
             <a:ext uri="{91240B29-F687-4F45-9708-019B960494DF}">
-              <a14:hiddenLine xmlns="" xmlns:a14="http://schemas.microsoft.com/office/drawing/2010/main" w="9525">
+              <a14:hiddenLine xmlns:a14="http://schemas.microsoft.com/office/drawing/2010/main" xmlns="" w="9525">
                 <a:solidFill>
                   <a:schemeClr val="tx1"/>
                 </a:solidFill>
@@ -2002,7 +2002,7 @@
               </a14:hiddenLine>
             </a:ext>
             <a:ext uri="{AF507438-7753-43E0-B8FC-AC1667EBCBE1}">
-              <a14:hiddenEffects xmlns="" xmlns:a14="http://schemas.microsoft.com/office/drawing/2010/main">
+              <a14:hiddenEffects xmlns:a14="http://schemas.microsoft.com/office/drawing/2010/main" xmlns="">
                 <a:effectLst>
                   <a:outerShdw dist="35921" dir="2700000" algn="ctr" rotWithShape="0">
                     <a:schemeClr val="bg2"/>
@@ -2049,7 +2049,7 @@
           <a:effectLst/>
           <a:extLst>
             <a:ext uri="{91240B29-F687-4F45-9708-019B960494DF}">
-              <a14:hiddenLine xmlns="" xmlns:a14="http://schemas.microsoft.com/office/drawing/2010/main" w="9525">
+              <a14:hiddenLine xmlns:a14="http://schemas.microsoft.com/office/drawing/2010/main" xmlns="" w="9525">
                 <a:solidFill>
                   <a:schemeClr val="tx1"/>
                 </a:solidFill>
@@ -2059,7 +2059,7 @@
               </a14:hiddenLine>
             </a:ext>
             <a:ext uri="{AF507438-7753-43E0-B8FC-AC1667EBCBE1}">
-              <a14:hiddenEffects xmlns="" xmlns:a14="http://schemas.microsoft.com/office/drawing/2010/main">
+              <a14:hiddenEffects xmlns:a14="http://schemas.microsoft.com/office/drawing/2010/main" xmlns="">
                 <a:effectLst>
                   <a:outerShdw dist="35921" dir="2700000" algn="ctr" rotWithShape="0">
                     <a:schemeClr val="bg2"/>
@@ -2102,7 +2102,7 @@
           <a:effectLst/>
           <a:extLst>
             <a:ext uri="{91240B29-F687-4F45-9708-019B960494DF}">
-              <a14:hiddenLine xmlns="" xmlns:a14="http://schemas.microsoft.com/office/drawing/2010/main" w="9525">
+              <a14:hiddenLine xmlns:a14="http://schemas.microsoft.com/office/drawing/2010/main" xmlns="" w="9525">
                 <a:solidFill>
                   <a:schemeClr val="tx1"/>
                 </a:solidFill>
@@ -2112,7 +2112,7 @@
               </a14:hiddenLine>
             </a:ext>
             <a:ext uri="{AF507438-7753-43E0-B8FC-AC1667EBCBE1}">
-              <a14:hiddenEffects xmlns="" xmlns:a14="http://schemas.microsoft.com/office/drawing/2010/main">
+              <a14:hiddenEffects xmlns:a14="http://schemas.microsoft.com/office/drawing/2010/main" xmlns="">
                 <a:effectLst>
                   <a:outerShdw dist="35921" dir="2700000" algn="ctr" rotWithShape="0">
                     <a:schemeClr val="bg2"/>
@@ -2155,7 +2155,7 @@
           <a:effectLst/>
           <a:extLst>
             <a:ext uri="{91240B29-F687-4F45-9708-019B960494DF}">
-              <a14:hiddenLine xmlns="" xmlns:a14="http://schemas.microsoft.com/office/drawing/2010/main" w="9525">
+              <a14:hiddenLine xmlns:a14="http://schemas.microsoft.com/office/drawing/2010/main" xmlns="" w="9525">
                 <a:solidFill>
                   <a:schemeClr val="tx1"/>
                 </a:solidFill>
@@ -2165,7 +2165,7 @@
               </a14:hiddenLine>
             </a:ext>
             <a:ext uri="{AF507438-7753-43E0-B8FC-AC1667EBCBE1}">
-              <a14:hiddenEffects xmlns="" xmlns:a14="http://schemas.microsoft.com/office/drawing/2010/main">
+              <a14:hiddenEffects xmlns:a14="http://schemas.microsoft.com/office/drawing/2010/main" xmlns="">
                 <a:effectLst>
                   <a:outerShdw dist="35921" dir="2700000" algn="ctr" rotWithShape="0">
                     <a:schemeClr val="bg2"/>
@@ -2208,7 +2208,7 @@
           <a:effectLst/>
           <a:extLst>
             <a:ext uri="{91240B29-F687-4F45-9708-019B960494DF}">
-              <a14:hiddenLine xmlns="" xmlns:a14="http://schemas.microsoft.com/office/drawing/2010/main" w="9525">
+              <a14:hiddenLine xmlns:a14="http://schemas.microsoft.com/office/drawing/2010/main" xmlns="" w="9525">
                 <a:solidFill>
                   <a:schemeClr val="tx1"/>
                 </a:solidFill>
@@ -2218,7 +2218,7 @@
               </a14:hiddenLine>
             </a:ext>
             <a:ext uri="{AF507438-7753-43E0-B8FC-AC1667EBCBE1}">
-              <a14:hiddenEffects xmlns="" xmlns:a14="http://schemas.microsoft.com/office/drawing/2010/main">
+              <a14:hiddenEffects xmlns:a14="http://schemas.microsoft.com/office/drawing/2010/main" xmlns="">
                 <a:effectLst>
                   <a:outerShdw dist="35921" dir="2700000" algn="ctr" rotWithShape="0">
                     <a:schemeClr val="bg2"/>
@@ -2354,7 +2354,7 @@
             <a:effectLst/>
             <a:extLst>
               <a:ext uri="{91240B29-F687-4F45-9708-019B960494DF}">
-                <a14:hiddenLine xmlns="" xmlns:a14="http://schemas.microsoft.com/office/drawing/2010/main" w="9525">
+                <a14:hiddenLine xmlns:a14="http://schemas.microsoft.com/office/drawing/2010/main" xmlns="" w="9525">
                   <a:solidFill>
                     <a:schemeClr val="tx1"/>
                   </a:solidFill>
@@ -2364,7 +2364,7 @@
                 </a14:hiddenLine>
               </a:ext>
               <a:ext uri="{AF507438-7753-43E0-B8FC-AC1667EBCBE1}">
-                <a14:hiddenEffects xmlns="" xmlns:a14="http://schemas.microsoft.com/office/drawing/2010/main">
+                <a14:hiddenEffects xmlns:a14="http://schemas.microsoft.com/office/drawing/2010/main" xmlns="">
                   <a:effectLst>
                     <a:outerShdw dist="35921" dir="2700000" algn="ctr" rotWithShape="0">
                       <a:schemeClr val="bg2"/>
@@ -2484,7 +2484,7 @@
             <a:effectLst/>
             <a:extLst>
               <a:ext uri="{91240B29-F687-4F45-9708-019B960494DF}">
-                <a14:hiddenLine xmlns="" xmlns:a14="http://schemas.microsoft.com/office/drawing/2010/main" w="9525">
+                <a14:hiddenLine xmlns:a14="http://schemas.microsoft.com/office/drawing/2010/main" xmlns="" w="9525">
                   <a:solidFill>
                     <a:schemeClr val="tx1"/>
                   </a:solidFill>
@@ -2494,7 +2494,7 @@
                 </a14:hiddenLine>
               </a:ext>
               <a:ext uri="{AF507438-7753-43E0-B8FC-AC1667EBCBE1}">
-                <a14:hiddenEffects xmlns="" xmlns:a14="http://schemas.microsoft.com/office/drawing/2010/main">
+                <a14:hiddenEffects xmlns:a14="http://schemas.microsoft.com/office/drawing/2010/main" xmlns="">
                   <a:effectLst>
                     <a:outerShdw dist="35921" dir="2700000" algn="ctr" rotWithShape="0">
                       <a:schemeClr val="bg2"/>
@@ -2606,7 +2606,7 @@
             <a:effectLst/>
             <a:extLst>
               <a:ext uri="{91240B29-F687-4F45-9708-019B960494DF}">
-                <a14:hiddenLine xmlns="" xmlns:a14="http://schemas.microsoft.com/office/drawing/2010/main" w="9525">
+                <a14:hiddenLine xmlns:a14="http://schemas.microsoft.com/office/drawing/2010/main" xmlns="" w="9525">
                   <a:solidFill>
                     <a:schemeClr val="tx1"/>
                   </a:solidFill>
@@ -2616,7 +2616,7 @@
                 </a14:hiddenLine>
               </a:ext>
               <a:ext uri="{AF507438-7753-43E0-B8FC-AC1667EBCBE1}">
-                <a14:hiddenEffects xmlns="" xmlns:a14="http://schemas.microsoft.com/office/drawing/2010/main">
+                <a14:hiddenEffects xmlns:a14="http://schemas.microsoft.com/office/drawing/2010/main" xmlns="">
                   <a:effectLst>
                     <a:outerShdw dist="35921" dir="2700000" algn="ctr" rotWithShape="0">
                       <a:schemeClr val="bg2"/>
@@ -9470,7 +9470,7 @@
           <a:effectLst/>
           <a:extLst>
             <a:ext uri="{91240B29-F687-4F45-9708-019B960494DF}">
-              <a14:hiddenLine xmlns="" xmlns:a14="http://schemas.microsoft.com/office/drawing/2010/main" w="9525">
+              <a14:hiddenLine xmlns:a14="http://schemas.microsoft.com/office/drawing/2010/main" xmlns="" w="9525">
                 <a:solidFill>
                   <a:schemeClr val="tx1"/>
                 </a:solidFill>
@@ -9480,7 +9480,7 @@
               </a14:hiddenLine>
             </a:ext>
             <a:ext uri="{AF507438-7753-43E0-B8FC-AC1667EBCBE1}">
-              <a14:hiddenEffects xmlns="" xmlns:a14="http://schemas.microsoft.com/office/drawing/2010/main">
+              <a14:hiddenEffects xmlns:a14="http://schemas.microsoft.com/office/drawing/2010/main" xmlns="">
                 <a:effectLst>
                   <a:outerShdw dist="35921" dir="2700000" algn="ctr" rotWithShape="0">
                     <a:schemeClr val="bg2"/>
@@ -9523,7 +9523,7 @@
           <a:effectLst/>
           <a:extLst>
             <a:ext uri="{91240B29-F687-4F45-9708-019B960494DF}">
-              <a14:hiddenLine xmlns="" xmlns:a14="http://schemas.microsoft.com/office/drawing/2010/main" w="9525">
+              <a14:hiddenLine xmlns:a14="http://schemas.microsoft.com/office/drawing/2010/main" xmlns="" w="9525">
                 <a:solidFill>
                   <a:schemeClr val="tx1"/>
                 </a:solidFill>
@@ -9533,7 +9533,7 @@
               </a14:hiddenLine>
             </a:ext>
             <a:ext uri="{AF507438-7753-43E0-B8FC-AC1667EBCBE1}">
-              <a14:hiddenEffects xmlns="" xmlns:a14="http://schemas.microsoft.com/office/drawing/2010/main">
+              <a14:hiddenEffects xmlns:a14="http://schemas.microsoft.com/office/drawing/2010/main" xmlns="">
                 <a:effectLst>
                   <a:outerShdw dist="35921" dir="2700000" algn="ctr" rotWithShape="0">
                     <a:schemeClr val="bg2"/>
@@ -9669,7 +9669,7 @@
             <a:effectLst/>
             <a:extLst>
               <a:ext uri="{91240B29-F687-4F45-9708-019B960494DF}">
-                <a14:hiddenLine xmlns="" xmlns:a14="http://schemas.microsoft.com/office/drawing/2010/main" w="9525">
+                <a14:hiddenLine xmlns:a14="http://schemas.microsoft.com/office/drawing/2010/main" xmlns="" w="9525">
                   <a:solidFill>
                     <a:schemeClr val="tx1"/>
                   </a:solidFill>
@@ -9679,7 +9679,7 @@
                 </a14:hiddenLine>
               </a:ext>
               <a:ext uri="{AF507438-7753-43E0-B8FC-AC1667EBCBE1}">
-                <a14:hiddenEffects xmlns="" xmlns:a14="http://schemas.microsoft.com/office/drawing/2010/main">
+                <a14:hiddenEffects xmlns:a14="http://schemas.microsoft.com/office/drawing/2010/main" xmlns="">
                   <a:effectLst>
                     <a:outerShdw dist="35921" dir="2700000" algn="ctr" rotWithShape="0">
                       <a:schemeClr val="bg2"/>
@@ -9789,7 +9789,7 @@
             <a:effectLst/>
             <a:extLst>
               <a:ext uri="{91240B29-F687-4F45-9708-019B960494DF}">
-                <a14:hiddenLine xmlns="" xmlns:a14="http://schemas.microsoft.com/office/drawing/2010/main" w="9525">
+                <a14:hiddenLine xmlns:a14="http://schemas.microsoft.com/office/drawing/2010/main" xmlns="" w="9525">
                   <a:solidFill>
                     <a:schemeClr val="tx1"/>
                   </a:solidFill>
@@ -9799,7 +9799,7 @@
                 </a14:hiddenLine>
               </a:ext>
               <a:ext uri="{AF507438-7753-43E0-B8FC-AC1667EBCBE1}">
-                <a14:hiddenEffects xmlns="" xmlns:a14="http://schemas.microsoft.com/office/drawing/2010/main">
+                <a14:hiddenEffects xmlns:a14="http://schemas.microsoft.com/office/drawing/2010/main" xmlns="">
                   <a:effectLst>
                     <a:outerShdw dist="35921" dir="2700000" algn="ctr" rotWithShape="0">
                       <a:schemeClr val="bg2"/>
@@ -9911,7 +9911,7 @@
             <a:effectLst/>
             <a:extLst>
               <a:ext uri="{91240B29-F687-4F45-9708-019B960494DF}">
-                <a14:hiddenLine xmlns="" xmlns:a14="http://schemas.microsoft.com/office/drawing/2010/main" w="9525">
+                <a14:hiddenLine xmlns:a14="http://schemas.microsoft.com/office/drawing/2010/main" xmlns="" w="9525">
                   <a:solidFill>
                     <a:schemeClr val="tx1"/>
                   </a:solidFill>
@@ -9921,7 +9921,7 @@
                 </a14:hiddenLine>
               </a:ext>
               <a:ext uri="{AF507438-7753-43E0-B8FC-AC1667EBCBE1}">
-                <a14:hiddenEffects xmlns="" xmlns:a14="http://schemas.microsoft.com/office/drawing/2010/main">
+                <a14:hiddenEffects xmlns:a14="http://schemas.microsoft.com/office/drawing/2010/main" xmlns="">
                   <a:effectLst>
                     <a:outerShdw dist="35921" dir="2700000" algn="ctr" rotWithShape="0">
                       <a:schemeClr val="bg2"/>
@@ -9965,7 +9965,7 @@
           <a:effectLst/>
           <a:extLst>
             <a:ext uri="{91240B29-F687-4F45-9708-019B960494DF}">
-              <a14:hiddenLine xmlns="" xmlns:a14="http://schemas.microsoft.com/office/drawing/2010/main" w="9525">
+              <a14:hiddenLine xmlns:a14="http://schemas.microsoft.com/office/drawing/2010/main" xmlns="" w="9525">
                 <a:solidFill>
                   <a:schemeClr val="tx1"/>
                 </a:solidFill>
@@ -9975,7 +9975,7 @@
               </a14:hiddenLine>
             </a:ext>
             <a:ext uri="{AF507438-7753-43E0-B8FC-AC1667EBCBE1}">
-              <a14:hiddenEffects xmlns="" xmlns:a14="http://schemas.microsoft.com/office/drawing/2010/main">
+              <a14:hiddenEffects xmlns:a14="http://schemas.microsoft.com/office/drawing/2010/main" xmlns="">
                 <a:effectLst>
                   <a:outerShdw dist="35921" dir="2700000" algn="ctr" rotWithShape="0">
                     <a:schemeClr val="bg2"/>
@@ -10022,7 +10022,7 @@
           <a:effectLst/>
           <a:extLst>
             <a:ext uri="{91240B29-F687-4F45-9708-019B960494DF}">
-              <a14:hiddenLine xmlns="" xmlns:a14="http://schemas.microsoft.com/office/drawing/2010/main" w="9525">
+              <a14:hiddenLine xmlns:a14="http://schemas.microsoft.com/office/drawing/2010/main" xmlns="" w="9525">
                 <a:solidFill>
                   <a:schemeClr val="tx1"/>
                 </a:solidFill>
@@ -10032,7 +10032,7 @@
               </a14:hiddenLine>
             </a:ext>
             <a:ext uri="{AF507438-7753-43E0-B8FC-AC1667EBCBE1}">
-              <a14:hiddenEffects xmlns="" xmlns:a14="http://schemas.microsoft.com/office/drawing/2010/main">
+              <a14:hiddenEffects xmlns:a14="http://schemas.microsoft.com/office/drawing/2010/main" xmlns="">
                 <a:effectLst>
                   <a:outerShdw dist="35921" dir="2700000" algn="ctr" rotWithShape="0">
                     <a:schemeClr val="bg2"/>
@@ -10079,7 +10079,7 @@
           <a:effectLst/>
           <a:extLst>
             <a:ext uri="{91240B29-F687-4F45-9708-019B960494DF}">
-              <a14:hiddenLine xmlns="" xmlns:a14="http://schemas.microsoft.com/office/drawing/2010/main" w="9525">
+              <a14:hiddenLine xmlns:a14="http://schemas.microsoft.com/office/drawing/2010/main" xmlns="" w="9525">
                 <a:solidFill>
                   <a:schemeClr val="tx1"/>
                 </a:solidFill>
@@ -10089,7 +10089,7 @@
               </a14:hiddenLine>
             </a:ext>
             <a:ext uri="{AF507438-7753-43E0-B8FC-AC1667EBCBE1}">
-              <a14:hiddenEffects xmlns="" xmlns:a14="http://schemas.microsoft.com/office/drawing/2010/main">
+              <a14:hiddenEffects xmlns:a14="http://schemas.microsoft.com/office/drawing/2010/main" xmlns="">
                 <a:effectLst>
                   <a:outerShdw dist="35921" dir="2700000" algn="ctr" rotWithShape="0">
                     <a:schemeClr val="bg2"/>
@@ -10132,7 +10132,7 @@
           <a:effectLst/>
           <a:extLst>
             <a:ext uri="{91240B29-F687-4F45-9708-019B960494DF}">
-              <a14:hiddenLine xmlns="" xmlns:a14="http://schemas.microsoft.com/office/drawing/2010/main" w="9525">
+              <a14:hiddenLine xmlns:a14="http://schemas.microsoft.com/office/drawing/2010/main" xmlns="" w="9525">
                 <a:solidFill>
                   <a:schemeClr val="tx1"/>
                 </a:solidFill>
@@ -10142,7 +10142,7 @@
               </a14:hiddenLine>
             </a:ext>
             <a:ext uri="{AF507438-7753-43E0-B8FC-AC1667EBCBE1}">
-              <a14:hiddenEffects xmlns="" xmlns:a14="http://schemas.microsoft.com/office/drawing/2010/main">
+              <a14:hiddenEffects xmlns:a14="http://schemas.microsoft.com/office/drawing/2010/main" xmlns="">
                 <a:effectLst>
                   <a:outerShdw dist="35921" dir="2700000" algn="ctr" rotWithShape="0">
                     <a:schemeClr val="bg2"/>
@@ -10189,7 +10189,7 @@
           <a:effectLst/>
           <a:extLst>
             <a:ext uri="{91240B29-F687-4F45-9708-019B960494DF}">
-              <a14:hiddenLine xmlns="" xmlns:a14="http://schemas.microsoft.com/office/drawing/2010/main" w="9525">
+              <a14:hiddenLine xmlns:a14="http://schemas.microsoft.com/office/drawing/2010/main" xmlns="" w="9525">
                 <a:solidFill>
                   <a:schemeClr val="tx1"/>
                 </a:solidFill>
@@ -10199,7 +10199,7 @@
               </a14:hiddenLine>
             </a:ext>
             <a:ext uri="{AF507438-7753-43E0-B8FC-AC1667EBCBE1}">
-              <a14:hiddenEffects xmlns="" xmlns:a14="http://schemas.microsoft.com/office/drawing/2010/main">
+              <a14:hiddenEffects xmlns:a14="http://schemas.microsoft.com/office/drawing/2010/main" xmlns="">
                 <a:effectLst>
                   <a:outerShdw dist="35921" dir="2700000" algn="ctr" rotWithShape="0">
                     <a:schemeClr val="bg2"/>
@@ -10373,7 +10373,7 @@
           <a:effectLst/>
           <a:extLst>
             <a:ext uri="{91240B29-F687-4F45-9708-019B960494DF}">
-              <a14:hiddenLine xmlns="" xmlns:a14="http://schemas.microsoft.com/office/drawing/2010/main" w="9525">
+              <a14:hiddenLine xmlns:a14="http://schemas.microsoft.com/office/drawing/2010/main" xmlns="" w="9525">
                 <a:solidFill>
                   <a:schemeClr val="tx1"/>
                 </a:solidFill>
@@ -10383,7 +10383,7 @@
               </a14:hiddenLine>
             </a:ext>
             <a:ext uri="{AF507438-7753-43E0-B8FC-AC1667EBCBE1}">
-              <a14:hiddenEffects xmlns="" xmlns:a14="http://schemas.microsoft.com/office/drawing/2010/main">
+              <a14:hiddenEffects xmlns:a14="http://schemas.microsoft.com/office/drawing/2010/main" xmlns="">
                 <a:effectLst>
                   <a:outerShdw dist="35921" dir="2700000" algn="ctr" rotWithShape="0">
                     <a:schemeClr val="bg2"/>
@@ -10428,7 +10428,7 @@
           <a:effectLst/>
           <a:extLst>
             <a:ext uri="{91240B29-F687-4F45-9708-019B960494DF}">
-              <a14:hiddenLine xmlns="" xmlns:a14="http://schemas.microsoft.com/office/drawing/2010/main" w="9525">
+              <a14:hiddenLine xmlns:a14="http://schemas.microsoft.com/office/drawing/2010/main" xmlns="" w="9525">
                 <a:solidFill>
                   <a:schemeClr val="tx1"/>
                 </a:solidFill>
@@ -10438,7 +10438,7 @@
               </a14:hiddenLine>
             </a:ext>
             <a:ext uri="{AF507438-7753-43E0-B8FC-AC1667EBCBE1}">
-              <a14:hiddenEffects xmlns="" xmlns:a14="http://schemas.microsoft.com/office/drawing/2010/main">
+              <a14:hiddenEffects xmlns:a14="http://schemas.microsoft.com/office/drawing/2010/main" xmlns="">
                 <a:effectLst>
                   <a:outerShdw dist="35921" dir="2700000" algn="ctr" rotWithShape="0">
                     <a:schemeClr val="bg2"/>
@@ -10481,7 +10481,7 @@
           <a:effectLst/>
           <a:extLst>
             <a:ext uri="{91240B29-F687-4F45-9708-019B960494DF}">
-              <a14:hiddenLine xmlns="" xmlns:a14="http://schemas.microsoft.com/office/drawing/2010/main" w="9525">
+              <a14:hiddenLine xmlns:a14="http://schemas.microsoft.com/office/drawing/2010/main" xmlns="" w="9525">
                 <a:solidFill>
                   <a:schemeClr val="tx1"/>
                 </a:solidFill>
@@ -10491,7 +10491,7 @@
               </a14:hiddenLine>
             </a:ext>
             <a:ext uri="{AF507438-7753-43E0-B8FC-AC1667EBCBE1}">
-              <a14:hiddenEffects xmlns="" xmlns:a14="http://schemas.microsoft.com/office/drawing/2010/main">
+              <a14:hiddenEffects xmlns:a14="http://schemas.microsoft.com/office/drawing/2010/main" xmlns="">
                 <a:effectLst>
                   <a:outerShdw dist="35921" dir="2700000" algn="ctr" rotWithShape="0">
                     <a:schemeClr val="bg2"/>
@@ -10521,7 +10521,7 @@
           <a:blip r:embed="rId7" cstate="print">
             <a:extLst>
               <a:ext uri="{28A0092B-C50C-407E-A947-70E740481C1C}">
-                <a14:useLocalDpi xmlns="" xmlns:a14="http://schemas.microsoft.com/office/drawing/2010/main" val="0"/>
+                <a14:useLocalDpi xmlns:a14="http://schemas.microsoft.com/office/drawing/2010/main" xmlns="" val="0"/>
               </a:ext>
             </a:extLst>
           </a:blip>
@@ -10541,7 +10541,7 @@
           <a:noFill/>
           <a:extLst>
             <a:ext uri="{909E8E84-426E-40DD-AFC4-6F175D3DCCD1}">
-              <a14:hiddenFill xmlns="" xmlns:a14="http://schemas.microsoft.com/office/drawing/2010/main">
+              <a14:hiddenFill xmlns:a14="http://schemas.microsoft.com/office/drawing/2010/main" xmlns="">
                 <a:solidFill>
                   <a:srgbClr val="FFFFFF"/>
                 </a:solidFill>
@@ -10616,7 +10616,7 @@
           <a:effectLst/>
           <a:extLst>
             <a:ext uri="{91240B29-F687-4F45-9708-019B960494DF}">
-              <a14:hiddenLine xmlns="" xmlns:a14="http://schemas.microsoft.com/office/drawing/2010/main" w="9525">
+              <a14:hiddenLine xmlns:a14="http://schemas.microsoft.com/office/drawing/2010/main" xmlns="" w="9525">
                 <a:solidFill>
                   <a:schemeClr val="tx1"/>
                 </a:solidFill>
@@ -10626,7 +10626,7 @@
               </a14:hiddenLine>
             </a:ext>
             <a:ext uri="{AF507438-7753-43E0-B8FC-AC1667EBCBE1}">
-              <a14:hiddenEffects xmlns="" xmlns:a14="http://schemas.microsoft.com/office/drawing/2010/main">
+              <a14:hiddenEffects xmlns:a14="http://schemas.microsoft.com/office/drawing/2010/main" xmlns="">
                 <a:effectLst>
                   <a:outerShdw dist="35921" dir="2700000" algn="ctr" rotWithShape="0">
                     <a:schemeClr val="bg2"/>
@@ -10650,7 +10650,7 @@
     <a:masterClrMapping/>
   </p:clrMapOvr>
   <mc:AlternateContent xmlns:mc="http://schemas.openxmlformats.org/markup-compatibility/2006">
-    <mc:Choice xmlns="" xmlns:p14="http://schemas.microsoft.com/office/powerpoint/2010/main" Requires="p14">
+    <mc:Choice xmlns:p14="http://schemas.microsoft.com/office/powerpoint/2010/main" xmlns="" Requires="p14">
       <p:transition p14:dur="10"/>
     </mc:Choice>
     <mc:Fallback>
@@ -11501,7 +11501,7 @@
     </p:spTree>
     <p:extLst>
       <p:ext uri="{BB962C8B-B14F-4D97-AF65-F5344CB8AC3E}">
-        <p14:creationId xmlns="" xmlns:p14="http://schemas.microsoft.com/office/powerpoint/2010/main" val="3837632591"/>
+        <p14:creationId xmlns:p14="http://schemas.microsoft.com/office/powerpoint/2010/main" xmlns="" val="3837632591"/>
       </p:ext>
     </p:extLst>
   </p:cSld>
@@ -11509,7 +11509,7 @@
     <a:masterClrMapping/>
   </p:clrMapOvr>
   <mc:AlternateContent xmlns:mc="http://schemas.openxmlformats.org/markup-compatibility/2006">
-    <mc:Choice xmlns="" xmlns:p14="http://schemas.microsoft.com/office/powerpoint/2010/main" Requires="p14">
+    <mc:Choice xmlns:p14="http://schemas.microsoft.com/office/powerpoint/2010/main" xmlns="" Requires="p14">
       <p:transition p14:dur="10"/>
     </mc:Choice>
     <mc:Fallback>
@@ -11705,7 +11705,7 @@
     </p:spTree>
     <p:extLst>
       <p:ext uri="{BB962C8B-B14F-4D97-AF65-F5344CB8AC3E}">
-        <p14:creationId xmlns="" xmlns:p14="http://schemas.microsoft.com/office/powerpoint/2010/main" val="2834318928"/>
+        <p14:creationId xmlns:p14="http://schemas.microsoft.com/office/powerpoint/2010/main" xmlns="" val="2834318928"/>
       </p:ext>
     </p:extLst>
   </p:cSld>
@@ -11713,7 +11713,7 @@
     <a:masterClrMapping/>
   </p:clrMapOvr>
   <mc:AlternateContent xmlns:mc="http://schemas.openxmlformats.org/markup-compatibility/2006">
-    <mc:Choice xmlns="" xmlns:p14="http://schemas.microsoft.com/office/powerpoint/2010/main" Requires="p14">
+    <mc:Choice xmlns:p14="http://schemas.microsoft.com/office/powerpoint/2010/main" xmlns="" Requires="p14">
       <p:transition p14:dur="10"/>
     </mc:Choice>
     <mc:Fallback>
@@ -11996,7 +11996,7 @@
     </p:spTree>
     <p:extLst>
       <p:ext uri="{BB962C8B-B14F-4D97-AF65-F5344CB8AC3E}">
-        <p14:creationId xmlns="" xmlns:p14="http://schemas.microsoft.com/office/powerpoint/2010/main" val="4048891960"/>
+        <p14:creationId xmlns:p14="http://schemas.microsoft.com/office/powerpoint/2010/main" xmlns="" val="4048891960"/>
       </p:ext>
     </p:extLst>
   </p:cSld>
@@ -12004,7 +12004,7 @@
     <a:masterClrMapping/>
   </p:clrMapOvr>
   <mc:AlternateContent xmlns:mc="http://schemas.openxmlformats.org/markup-compatibility/2006">
-    <mc:Choice xmlns="" xmlns:p14="http://schemas.microsoft.com/office/powerpoint/2010/main" Requires="p14">
+    <mc:Choice xmlns:p14="http://schemas.microsoft.com/office/powerpoint/2010/main" xmlns="" Requires="p14">
       <p:transition p14:dur="10"/>
     </mc:Choice>
     <mc:Fallback>
@@ -12186,7 +12186,7 @@
     </p:spTree>
     <p:extLst>
       <p:ext uri="{BB962C8B-B14F-4D97-AF65-F5344CB8AC3E}">
-        <p14:creationId xmlns="" xmlns:p14="http://schemas.microsoft.com/office/powerpoint/2010/main" val="356270086"/>
+        <p14:creationId xmlns:p14="http://schemas.microsoft.com/office/powerpoint/2010/main" xmlns="" val="356270086"/>
       </p:ext>
     </p:extLst>
   </p:cSld>
@@ -12194,7 +12194,7 @@
     <a:masterClrMapping/>
   </p:clrMapOvr>
   <mc:AlternateContent xmlns:mc="http://schemas.openxmlformats.org/markup-compatibility/2006">
-    <mc:Choice xmlns="" xmlns:p14="http://schemas.microsoft.com/office/powerpoint/2010/main" Requires="p14">
+    <mc:Choice xmlns:p14="http://schemas.microsoft.com/office/powerpoint/2010/main" xmlns="" Requires="p14">
       <p:transition p14:dur="10"/>
     </mc:Choice>
     <mc:Fallback>
@@ -12369,7 +12369,7 @@
     </p:spTree>
     <p:extLst>
       <p:ext uri="{BB962C8B-B14F-4D97-AF65-F5344CB8AC3E}">
-        <p14:creationId xmlns="" xmlns:p14="http://schemas.microsoft.com/office/powerpoint/2010/main" val="1537390044"/>
+        <p14:creationId xmlns:p14="http://schemas.microsoft.com/office/powerpoint/2010/main" xmlns="" val="1537390044"/>
       </p:ext>
     </p:extLst>
   </p:cSld>
@@ -12377,7 +12377,7 @@
     <a:masterClrMapping/>
   </p:clrMapOvr>
   <mc:AlternateContent xmlns:mc="http://schemas.openxmlformats.org/markup-compatibility/2006">
-    <mc:Choice xmlns="" xmlns:p14="http://schemas.microsoft.com/office/powerpoint/2010/main" Requires="p14">
+    <mc:Choice xmlns:p14="http://schemas.microsoft.com/office/powerpoint/2010/main" xmlns="" Requires="p14">
       <p:transition p14:dur="10"/>
     </mc:Choice>
     <mc:Fallback>
@@ -12560,7 +12560,7 @@
     </p:spTree>
     <p:extLst>
       <p:ext uri="{BB962C8B-B14F-4D97-AF65-F5344CB8AC3E}">
-        <p14:creationId xmlns="" xmlns:p14="http://schemas.microsoft.com/office/powerpoint/2010/main" val="2350597799"/>
+        <p14:creationId xmlns:p14="http://schemas.microsoft.com/office/powerpoint/2010/main" xmlns="" val="2350597799"/>
       </p:ext>
     </p:extLst>
   </p:cSld>
@@ -12568,7 +12568,7 @@
     <a:masterClrMapping/>
   </p:clrMapOvr>
   <mc:AlternateContent xmlns:mc="http://schemas.openxmlformats.org/markup-compatibility/2006">
-    <mc:Choice xmlns="" xmlns:p14="http://schemas.microsoft.com/office/powerpoint/2010/main" Requires="p14">
+    <mc:Choice xmlns:p14="http://schemas.microsoft.com/office/powerpoint/2010/main" xmlns="" Requires="p14">
       <p:transition p14:dur="10"/>
     </mc:Choice>
     <mc:Fallback>
@@ -12747,7 +12747,7 @@
     </p:spTree>
     <p:extLst>
       <p:ext uri="{BB962C8B-B14F-4D97-AF65-F5344CB8AC3E}">
-        <p14:creationId xmlns="" xmlns:p14="http://schemas.microsoft.com/office/powerpoint/2010/main" val="1553643063"/>
+        <p14:creationId xmlns:p14="http://schemas.microsoft.com/office/powerpoint/2010/main" xmlns="" val="1553643063"/>
       </p:ext>
     </p:extLst>
   </p:cSld>
@@ -12755,7 +12755,7 @@
     <a:masterClrMapping/>
   </p:clrMapOvr>
   <mc:AlternateContent xmlns:mc="http://schemas.openxmlformats.org/markup-compatibility/2006">
-    <mc:Choice xmlns="" xmlns:p14="http://schemas.microsoft.com/office/powerpoint/2010/main" Requires="p14">
+    <mc:Choice xmlns:p14="http://schemas.microsoft.com/office/powerpoint/2010/main" xmlns="" Requires="p14">
       <p:transition p14:dur="10"/>
     </mc:Choice>
     <mc:Fallback>
@@ -12956,7 +12956,7 @@
     </p:spTree>
     <p:extLst>
       <p:ext uri="{BB962C8B-B14F-4D97-AF65-F5344CB8AC3E}">
-        <p14:creationId xmlns="" xmlns:p14="http://schemas.microsoft.com/office/powerpoint/2010/main" val="3931288045"/>
+        <p14:creationId xmlns:p14="http://schemas.microsoft.com/office/powerpoint/2010/main" xmlns="" val="3931288045"/>
       </p:ext>
     </p:extLst>
   </p:cSld>
@@ -12964,7 +12964,7 @@
     <a:masterClrMapping/>
   </p:clrMapOvr>
   <mc:AlternateContent xmlns:mc="http://schemas.openxmlformats.org/markup-compatibility/2006">
-    <mc:Choice xmlns="" xmlns:p14="http://schemas.microsoft.com/office/powerpoint/2010/main" Requires="p14">
+    <mc:Choice xmlns:p14="http://schemas.microsoft.com/office/powerpoint/2010/main" xmlns="" Requires="p14">
       <p:transition p14:dur="10"/>
     </mc:Choice>
     <mc:Fallback>
@@ -13261,7 +13261,7 @@
     </p:spTree>
     <p:extLst>
       <p:ext uri="{BB962C8B-B14F-4D97-AF65-F5344CB8AC3E}">
-        <p14:creationId xmlns="" xmlns:p14="http://schemas.microsoft.com/office/powerpoint/2010/main" val="1436502707"/>
+        <p14:creationId xmlns:p14="http://schemas.microsoft.com/office/powerpoint/2010/main" xmlns="" val="1436502707"/>
       </p:ext>
     </p:extLst>
   </p:cSld>
@@ -13269,7 +13269,7 @@
     <a:masterClrMapping/>
   </p:clrMapOvr>
   <mc:AlternateContent xmlns:mc="http://schemas.openxmlformats.org/markup-compatibility/2006">
-    <mc:Choice xmlns="" xmlns:p14="http://schemas.microsoft.com/office/powerpoint/2010/main" Requires="p14">
+    <mc:Choice xmlns:p14="http://schemas.microsoft.com/office/powerpoint/2010/main" xmlns="" Requires="p14">
       <p:transition p14:dur="10"/>
     </mc:Choice>
     <mc:Fallback>
@@ -13705,7 +13705,7 @@
     </p:spTree>
     <p:extLst>
       <p:ext uri="{BB962C8B-B14F-4D97-AF65-F5344CB8AC3E}">
-        <p14:creationId xmlns="" xmlns:p14="http://schemas.microsoft.com/office/powerpoint/2010/main" val="4218482637"/>
+        <p14:creationId xmlns:p14="http://schemas.microsoft.com/office/powerpoint/2010/main" xmlns="" val="4218482637"/>
       </p:ext>
     </p:extLst>
   </p:cSld>
@@ -13713,7 +13713,7 @@
     <a:masterClrMapping/>
   </p:clrMapOvr>
   <mc:AlternateContent xmlns:mc="http://schemas.openxmlformats.org/markup-compatibility/2006">
-    <mc:Choice xmlns="" xmlns:p14="http://schemas.microsoft.com/office/powerpoint/2010/main" Requires="p14">
+    <mc:Choice xmlns:p14="http://schemas.microsoft.com/office/powerpoint/2010/main" xmlns="" Requires="p14">
       <p:transition p14:dur="10"/>
     </mc:Choice>
     <mc:Fallback>
@@ -13840,7 +13840,7 @@
     </p:spTree>
     <p:extLst>
       <p:ext uri="{BB962C8B-B14F-4D97-AF65-F5344CB8AC3E}">
-        <p14:creationId xmlns="" xmlns:p14="http://schemas.microsoft.com/office/powerpoint/2010/main" val="3367094085"/>
+        <p14:creationId xmlns:p14="http://schemas.microsoft.com/office/powerpoint/2010/main" xmlns="" val="3367094085"/>
       </p:ext>
     </p:extLst>
   </p:cSld>
@@ -13848,7 +13848,7 @@
     <a:masterClrMapping/>
   </p:clrMapOvr>
   <mc:AlternateContent xmlns:mc="http://schemas.openxmlformats.org/markup-compatibility/2006">
-    <mc:Choice xmlns="" xmlns:p14="http://schemas.microsoft.com/office/powerpoint/2010/main" Requires="p14">
+    <mc:Choice xmlns:p14="http://schemas.microsoft.com/office/powerpoint/2010/main" xmlns="" Requires="p14">
       <p:transition p14:dur="10"/>
     </mc:Choice>
     <mc:Fallback>
@@ -13952,7 +13952,7 @@
     </p:spTree>
     <p:extLst>
       <p:ext uri="{BB962C8B-B14F-4D97-AF65-F5344CB8AC3E}">
-        <p14:creationId xmlns="" xmlns:p14="http://schemas.microsoft.com/office/powerpoint/2010/main" val="1902852705"/>
+        <p14:creationId xmlns:p14="http://schemas.microsoft.com/office/powerpoint/2010/main" xmlns="" val="1902852705"/>
       </p:ext>
     </p:extLst>
   </p:cSld>
@@ -13960,7 +13960,7 @@
     <a:masterClrMapping/>
   </p:clrMapOvr>
   <mc:AlternateContent xmlns:mc="http://schemas.openxmlformats.org/markup-compatibility/2006">
-    <mc:Choice xmlns="" xmlns:p14="http://schemas.microsoft.com/office/powerpoint/2010/main" Requires="p14">
+    <mc:Choice xmlns:p14="http://schemas.microsoft.com/office/powerpoint/2010/main" xmlns="" Requires="p14">
       <p:transition p14:dur="10"/>
     </mc:Choice>
     <mc:Fallback>
@@ -14246,7 +14246,7 @@
     </p:spTree>
     <p:extLst>
       <p:ext uri="{BB962C8B-B14F-4D97-AF65-F5344CB8AC3E}">
-        <p14:creationId xmlns="" xmlns:p14="http://schemas.microsoft.com/office/powerpoint/2010/main" val="3975071873"/>
+        <p14:creationId xmlns:p14="http://schemas.microsoft.com/office/powerpoint/2010/main" xmlns="" val="3975071873"/>
       </p:ext>
     </p:extLst>
   </p:cSld>
@@ -14254,7 +14254,7 @@
     <a:masterClrMapping/>
   </p:clrMapOvr>
   <mc:AlternateContent xmlns:mc="http://schemas.openxmlformats.org/markup-compatibility/2006">
-    <mc:Choice xmlns="" xmlns:p14="http://schemas.microsoft.com/office/powerpoint/2010/main" Requires="p14">
+    <mc:Choice xmlns:p14="http://schemas.microsoft.com/office/powerpoint/2010/main" xmlns="" Requires="p14">
       <p:transition p14:dur="10"/>
     </mc:Choice>
     <mc:Fallback>
@@ -14520,7 +14520,7 @@
     </p:spTree>
     <p:extLst>
       <p:ext uri="{BB962C8B-B14F-4D97-AF65-F5344CB8AC3E}">
-        <p14:creationId xmlns="" xmlns:p14="http://schemas.microsoft.com/office/powerpoint/2010/main" val="3345478573"/>
+        <p14:creationId xmlns:p14="http://schemas.microsoft.com/office/powerpoint/2010/main" xmlns="" val="3345478573"/>
       </p:ext>
     </p:extLst>
   </p:cSld>
@@ -14528,7 +14528,7 @@
     <a:masterClrMapping/>
   </p:clrMapOvr>
   <mc:AlternateContent xmlns:mc="http://schemas.openxmlformats.org/markup-compatibility/2006">
-    <mc:Choice xmlns="" xmlns:p14="http://schemas.microsoft.com/office/powerpoint/2010/main" Requires="p14">
+    <mc:Choice xmlns:p14="http://schemas.microsoft.com/office/powerpoint/2010/main" xmlns="" Requires="p14">
       <p:transition p14:dur="10"/>
     </mc:Choice>
     <mc:Fallback>
@@ -21395,7 +21395,7 @@
           <a:effectLst/>
           <a:extLst>
             <a:ext uri="{91240B29-F687-4F45-9708-019B960494DF}">
-              <a14:hiddenLine xmlns="" xmlns:a14="http://schemas.microsoft.com/office/drawing/2010/main" w="9525">
+              <a14:hiddenLine xmlns:a14="http://schemas.microsoft.com/office/drawing/2010/main" xmlns="" w="9525">
                 <a:solidFill>
                   <a:schemeClr val="tx1"/>
                 </a:solidFill>
@@ -21405,7 +21405,7 @@
               </a14:hiddenLine>
             </a:ext>
             <a:ext uri="{AF507438-7753-43E0-B8FC-AC1667EBCBE1}">
-              <a14:hiddenEffects xmlns="" xmlns:a14="http://schemas.microsoft.com/office/drawing/2010/main">
+              <a14:hiddenEffects xmlns:a14="http://schemas.microsoft.com/office/drawing/2010/main" xmlns="">
                 <a:effectLst>
                   <a:outerShdw dist="35921" dir="2700000" algn="ctr" rotWithShape="0">
                     <a:schemeClr val="bg2"/>
@@ -21515,7 +21515,7 @@
           <a:effectLst/>
           <a:extLst>
             <a:ext uri="{91240B29-F687-4F45-9708-019B960494DF}">
-              <a14:hiddenLine xmlns="" xmlns:a14="http://schemas.microsoft.com/office/drawing/2010/main" w="9525">
+              <a14:hiddenLine xmlns:a14="http://schemas.microsoft.com/office/drawing/2010/main" xmlns="" w="9525">
                 <a:solidFill>
                   <a:schemeClr val="tx1"/>
                 </a:solidFill>
@@ -21525,7 +21525,7 @@
               </a14:hiddenLine>
             </a:ext>
             <a:ext uri="{AF507438-7753-43E0-B8FC-AC1667EBCBE1}">
-              <a14:hiddenEffects xmlns="" xmlns:a14="http://schemas.microsoft.com/office/drawing/2010/main">
+              <a14:hiddenEffects xmlns:a14="http://schemas.microsoft.com/office/drawing/2010/main" xmlns="">
                 <a:effectLst>
                   <a:outerShdw dist="35921" dir="2700000" algn="ctr" rotWithShape="0">
                     <a:schemeClr val="bg2"/>
@@ -21634,7 +21634,7 @@
           <a:effectLst/>
           <a:extLst>
             <a:ext uri="{91240B29-F687-4F45-9708-019B960494DF}">
-              <a14:hiddenLine xmlns="" xmlns:a14="http://schemas.microsoft.com/office/drawing/2010/main" w="9525">
+              <a14:hiddenLine xmlns:a14="http://schemas.microsoft.com/office/drawing/2010/main" xmlns="" w="9525">
                 <a:solidFill>
                   <a:schemeClr val="tx1"/>
                 </a:solidFill>
@@ -21644,7 +21644,7 @@
               </a14:hiddenLine>
             </a:ext>
             <a:ext uri="{AF507438-7753-43E0-B8FC-AC1667EBCBE1}">
-              <a14:hiddenEffects xmlns="" xmlns:a14="http://schemas.microsoft.com/office/drawing/2010/main">
+              <a14:hiddenEffects xmlns:a14="http://schemas.microsoft.com/office/drawing/2010/main" xmlns="">
                 <a:effectLst>
                   <a:outerShdw dist="35921" dir="2700000" algn="ctr" rotWithShape="0">
                     <a:schemeClr val="bg2"/>
@@ -21754,7 +21754,7 @@
           <a:effectLst/>
           <a:extLst>
             <a:ext uri="{91240B29-F687-4F45-9708-019B960494DF}">
-              <a14:hiddenLine xmlns="" xmlns:a14="http://schemas.microsoft.com/office/drawing/2010/main" w="9525">
+              <a14:hiddenLine xmlns:a14="http://schemas.microsoft.com/office/drawing/2010/main" xmlns="" w="9525">
                 <a:solidFill>
                   <a:schemeClr val="tx1"/>
                 </a:solidFill>
@@ -21764,7 +21764,7 @@
               </a14:hiddenLine>
             </a:ext>
             <a:ext uri="{AF507438-7753-43E0-B8FC-AC1667EBCBE1}">
-              <a14:hiddenEffects xmlns="" xmlns:a14="http://schemas.microsoft.com/office/drawing/2010/main">
+              <a14:hiddenEffects xmlns:a14="http://schemas.microsoft.com/office/drawing/2010/main" xmlns="">
                 <a:effectLst>
                   <a:outerShdw dist="35921" dir="2700000" algn="ctr" rotWithShape="0">
                     <a:schemeClr val="bg2"/>
@@ -21886,7 +21886,7 @@
           <a:effectLst/>
           <a:extLst>
             <a:ext uri="{91240B29-F687-4F45-9708-019B960494DF}">
-              <a14:hiddenLine xmlns="" xmlns:a14="http://schemas.microsoft.com/office/drawing/2010/main" w="9525">
+              <a14:hiddenLine xmlns:a14="http://schemas.microsoft.com/office/drawing/2010/main" xmlns="" w="9525">
                 <a:solidFill>
                   <a:schemeClr val="tx1"/>
                 </a:solidFill>
@@ -21896,7 +21896,7 @@
               </a14:hiddenLine>
             </a:ext>
             <a:ext uri="{AF507438-7753-43E0-B8FC-AC1667EBCBE1}">
-              <a14:hiddenEffects xmlns="" xmlns:a14="http://schemas.microsoft.com/office/drawing/2010/main">
+              <a14:hiddenEffects xmlns:a14="http://schemas.microsoft.com/office/drawing/2010/main" xmlns="">
                 <a:effectLst>
                   <a:outerShdw dist="35921" dir="2700000" algn="ctr" rotWithShape="0">
                     <a:schemeClr val="bg2"/>
@@ -21939,7 +21939,7 @@
           <a:effectLst/>
           <a:extLst>
             <a:ext uri="{91240B29-F687-4F45-9708-019B960494DF}">
-              <a14:hiddenLine xmlns="" xmlns:a14="http://schemas.microsoft.com/office/drawing/2010/main" w="9525">
+              <a14:hiddenLine xmlns:a14="http://schemas.microsoft.com/office/drawing/2010/main" xmlns="" w="9525">
                 <a:solidFill>
                   <a:schemeClr val="tx1"/>
                 </a:solidFill>
@@ -21949,7 +21949,7 @@
               </a14:hiddenLine>
             </a:ext>
             <a:ext uri="{AF507438-7753-43E0-B8FC-AC1667EBCBE1}">
-              <a14:hiddenEffects xmlns="" xmlns:a14="http://schemas.microsoft.com/office/drawing/2010/main">
+              <a14:hiddenEffects xmlns:a14="http://schemas.microsoft.com/office/drawing/2010/main" xmlns="">
                 <a:effectLst>
                   <a:outerShdw dist="35921" dir="2700000" algn="ctr" rotWithShape="0">
                     <a:schemeClr val="bg2"/>
@@ -22045,7 +22045,7 @@
           <a:effectLst/>
           <a:extLst>
             <a:ext uri="{91240B29-F687-4F45-9708-019B960494DF}">
-              <a14:hiddenLine xmlns="" xmlns:a14="http://schemas.microsoft.com/office/drawing/2010/main" w="9525">
+              <a14:hiddenLine xmlns:a14="http://schemas.microsoft.com/office/drawing/2010/main" xmlns="" w="9525">
                 <a:solidFill>
                   <a:schemeClr val="tx1"/>
                 </a:solidFill>
@@ -22055,7 +22055,7 @@
               </a14:hiddenLine>
             </a:ext>
             <a:ext uri="{AF507438-7753-43E0-B8FC-AC1667EBCBE1}">
-              <a14:hiddenEffects xmlns="" xmlns:a14="http://schemas.microsoft.com/office/drawing/2010/main">
+              <a14:hiddenEffects xmlns:a14="http://schemas.microsoft.com/office/drawing/2010/main" xmlns="">
                 <a:effectLst>
                   <a:outerShdw dist="35921" dir="2700000" algn="ctr" rotWithShape="0">
                     <a:schemeClr val="bg2"/>
@@ -22098,14 +22098,14 @@
           <a:effectLst/>
           <a:extLst>
             <a:ext uri="{909E8E84-426E-40DD-AFC4-6F175D3DCCD1}">
-              <a14:hiddenFill xmlns="" xmlns:a14="http://schemas.microsoft.com/office/drawing/2010/main">
+              <a14:hiddenFill xmlns:a14="http://schemas.microsoft.com/office/drawing/2010/main" xmlns="">
                 <a:solidFill>
                   <a:schemeClr val="accent1"/>
                 </a:solidFill>
               </a14:hiddenFill>
             </a:ext>
             <a:ext uri="{91240B29-F687-4F45-9708-019B960494DF}">
-              <a14:hiddenLine xmlns="" xmlns:a14="http://schemas.microsoft.com/office/drawing/2010/main" w="9525">
+              <a14:hiddenLine xmlns:a14="http://schemas.microsoft.com/office/drawing/2010/main" xmlns="" w="9525">
                 <a:solidFill>
                   <a:schemeClr val="tx1"/>
                 </a:solidFill>
@@ -22115,7 +22115,7 @@
               </a14:hiddenLine>
             </a:ext>
             <a:ext uri="{AF507438-7753-43E0-B8FC-AC1667EBCBE1}">
-              <a14:hiddenEffects xmlns="" xmlns:a14="http://schemas.microsoft.com/office/drawing/2010/main">
+              <a14:hiddenEffects xmlns:a14="http://schemas.microsoft.com/office/drawing/2010/main" xmlns="">
                 <a:effectLst>
                   <a:outerShdw dist="35921" dir="2700000" algn="ctr" rotWithShape="0">
                     <a:schemeClr val="bg2"/>
@@ -22167,14 +22167,14 @@
           <a:effectLst/>
           <a:extLst>
             <a:ext uri="{909E8E84-426E-40DD-AFC4-6F175D3DCCD1}">
-              <a14:hiddenFill xmlns="" xmlns:a14="http://schemas.microsoft.com/office/drawing/2010/main">
+              <a14:hiddenFill xmlns:a14="http://schemas.microsoft.com/office/drawing/2010/main" xmlns="">
                 <a:solidFill>
                   <a:schemeClr val="accent1"/>
                 </a:solidFill>
               </a14:hiddenFill>
             </a:ext>
             <a:ext uri="{91240B29-F687-4F45-9708-019B960494DF}">
-              <a14:hiddenLine xmlns="" xmlns:a14="http://schemas.microsoft.com/office/drawing/2010/main" w="9525">
+              <a14:hiddenLine xmlns:a14="http://schemas.microsoft.com/office/drawing/2010/main" xmlns="" w="9525">
                 <a:solidFill>
                   <a:schemeClr val="tx1"/>
                 </a:solidFill>
@@ -22184,7 +22184,7 @@
               </a14:hiddenLine>
             </a:ext>
             <a:ext uri="{AF507438-7753-43E0-B8FC-AC1667EBCBE1}">
-              <a14:hiddenEffects xmlns="" xmlns:a14="http://schemas.microsoft.com/office/drawing/2010/main">
+              <a14:hiddenEffects xmlns:a14="http://schemas.microsoft.com/office/drawing/2010/main" xmlns="">
                 <a:effectLst>
                   <a:outerShdw dist="35921" dir="2700000" algn="ctr" rotWithShape="0">
                     <a:schemeClr val="bg2"/>
@@ -22264,14 +22264,14 @@
           <a:effectLst/>
           <a:extLst>
             <a:ext uri="{909E8E84-426E-40DD-AFC4-6F175D3DCCD1}">
-              <a14:hiddenFill xmlns="" xmlns:a14="http://schemas.microsoft.com/office/drawing/2010/main">
+              <a14:hiddenFill xmlns:a14="http://schemas.microsoft.com/office/drawing/2010/main" xmlns="">
                 <a:solidFill>
                   <a:schemeClr val="accent1"/>
                 </a:solidFill>
               </a14:hiddenFill>
             </a:ext>
             <a:ext uri="{91240B29-F687-4F45-9708-019B960494DF}">
-              <a14:hiddenLine xmlns="" xmlns:a14="http://schemas.microsoft.com/office/drawing/2010/main" w="9525">
+              <a14:hiddenLine xmlns:a14="http://schemas.microsoft.com/office/drawing/2010/main" xmlns="" w="9525">
                 <a:solidFill>
                   <a:schemeClr val="tx1"/>
                 </a:solidFill>
@@ -22281,7 +22281,7 @@
               </a14:hiddenLine>
             </a:ext>
             <a:ext uri="{AF507438-7753-43E0-B8FC-AC1667EBCBE1}">
-              <a14:hiddenEffects xmlns="" xmlns:a14="http://schemas.microsoft.com/office/drawing/2010/main">
+              <a14:hiddenEffects xmlns:a14="http://schemas.microsoft.com/office/drawing/2010/main" xmlns="">
                 <a:effectLst>
                   <a:outerShdw dist="35921" dir="2700000" algn="ctr" rotWithShape="0">
                     <a:schemeClr val="bg2"/>
@@ -22337,14 +22337,14 @@
           <a:effectLst/>
           <a:extLst>
             <a:ext uri="{909E8E84-426E-40DD-AFC4-6F175D3DCCD1}">
-              <a14:hiddenFill xmlns="" xmlns:a14="http://schemas.microsoft.com/office/drawing/2010/main">
+              <a14:hiddenFill xmlns:a14="http://schemas.microsoft.com/office/drawing/2010/main" xmlns="">
                 <a:solidFill>
                   <a:schemeClr val="accent1"/>
                 </a:solidFill>
               </a14:hiddenFill>
             </a:ext>
             <a:ext uri="{91240B29-F687-4F45-9708-019B960494DF}">
-              <a14:hiddenLine xmlns="" xmlns:a14="http://schemas.microsoft.com/office/drawing/2010/main" w="9525">
+              <a14:hiddenLine xmlns:a14="http://schemas.microsoft.com/office/drawing/2010/main" xmlns="" w="9525">
                 <a:solidFill>
                   <a:schemeClr val="tx1"/>
                 </a:solidFill>
@@ -22354,7 +22354,7 @@
               </a14:hiddenLine>
             </a:ext>
             <a:ext uri="{AF507438-7753-43E0-B8FC-AC1667EBCBE1}">
-              <a14:hiddenEffects xmlns="" xmlns:a14="http://schemas.microsoft.com/office/drawing/2010/main">
+              <a14:hiddenEffects xmlns:a14="http://schemas.microsoft.com/office/drawing/2010/main" xmlns="">
                 <a:effectLst>
                   <a:outerShdw dist="35921" dir="2700000" algn="ctr" rotWithShape="0">
                     <a:schemeClr val="bg2"/>
@@ -22410,14 +22410,14 @@
           <a:effectLst/>
           <a:extLst>
             <a:ext uri="{909E8E84-426E-40DD-AFC4-6F175D3DCCD1}">
-              <a14:hiddenFill xmlns="" xmlns:a14="http://schemas.microsoft.com/office/drawing/2010/main">
+              <a14:hiddenFill xmlns:a14="http://schemas.microsoft.com/office/drawing/2010/main" xmlns="">
                 <a:solidFill>
                   <a:schemeClr val="accent1"/>
                 </a:solidFill>
               </a14:hiddenFill>
             </a:ext>
             <a:ext uri="{91240B29-F687-4F45-9708-019B960494DF}">
-              <a14:hiddenLine xmlns="" xmlns:a14="http://schemas.microsoft.com/office/drawing/2010/main" w="9525">
+              <a14:hiddenLine xmlns:a14="http://schemas.microsoft.com/office/drawing/2010/main" xmlns="" w="9525">
                 <a:solidFill>
                   <a:schemeClr val="tx1"/>
                 </a:solidFill>
@@ -22427,7 +22427,7 @@
               </a14:hiddenLine>
             </a:ext>
             <a:ext uri="{AF507438-7753-43E0-B8FC-AC1667EBCBE1}">
-              <a14:hiddenEffects xmlns="" xmlns:a14="http://schemas.microsoft.com/office/drawing/2010/main">
+              <a14:hiddenEffects xmlns:a14="http://schemas.microsoft.com/office/drawing/2010/main" xmlns="">
                 <a:effectLst>
                   <a:outerShdw dist="35921" dir="2700000" algn="ctr" rotWithShape="0">
                     <a:schemeClr val="bg2"/>
@@ -22497,7 +22497,7 @@
           <a:effectLst/>
           <a:extLst>
             <a:ext uri="{AF507438-7753-43E0-B8FC-AC1667EBCBE1}">
-              <a14:hiddenEffects xmlns="" xmlns:a14="http://schemas.microsoft.com/office/drawing/2010/main">
+              <a14:hiddenEffects xmlns:a14="http://schemas.microsoft.com/office/drawing/2010/main" xmlns="">
                 <a:effectLst>
                   <a:outerShdw dist="35921" dir="2700000" algn="ctr" rotWithShape="0">
                     <a:schemeClr val="bg2"/>
@@ -22549,7 +22549,7 @@
           <a:effectLst/>
           <a:extLst>
             <a:ext uri="{AF507438-7753-43E0-B8FC-AC1667EBCBE1}">
-              <a14:hiddenEffects xmlns="" xmlns:a14="http://schemas.microsoft.com/office/drawing/2010/main">
+              <a14:hiddenEffects xmlns:a14="http://schemas.microsoft.com/office/drawing/2010/main" xmlns="">
                 <a:effectLst>
                   <a:outerShdw dist="35921" dir="2700000" algn="ctr" rotWithShape="0">
                     <a:schemeClr val="bg2"/>
@@ -22588,7 +22588,7 @@
     <p:sldLayoutId id="2147483663" r:id="rId15"/>
   </p:sldLayoutIdLst>
   <mc:AlternateContent xmlns:mc="http://schemas.openxmlformats.org/markup-compatibility/2006">
-    <mc:Choice xmlns="" xmlns:p14="http://schemas.microsoft.com/office/powerpoint/2010/main" Requires="p14">
+    <mc:Choice xmlns:p14="http://schemas.microsoft.com/office/powerpoint/2010/main" xmlns="" Requires="p14">
       <p:transition p14:dur="10"/>
     </mc:Choice>
     <mc:Fallback>
@@ -24346,7 +24346,7 @@
     <a:masterClrMapping/>
   </p:clrMapOvr>
   <mc:AlternateContent xmlns:mc="http://schemas.openxmlformats.org/markup-compatibility/2006">
-    <mc:Choice xmlns="" xmlns:p14="http://schemas.microsoft.com/office/powerpoint/2010/main" Requires="p14">
+    <mc:Choice xmlns:p14="http://schemas.microsoft.com/office/powerpoint/2010/main" xmlns="" Requires="p14">
       <p:transition p14:dur="10"/>
     </mc:Choice>
     <mc:Fallback>
@@ -24620,7 +24620,7 @@
     </p:spTree>
     <p:extLst>
       <p:ext uri="{BB962C8B-B14F-4D97-AF65-F5344CB8AC3E}">
-        <p14:creationId xmlns="" xmlns:p14="http://schemas.microsoft.com/office/powerpoint/2010/main" val="602482599"/>
+        <p14:creationId xmlns:p14="http://schemas.microsoft.com/office/powerpoint/2010/main" xmlns="" val="602482599"/>
       </p:ext>
     </p:extLst>
   </p:cSld>
@@ -24628,7 +24628,7 @@
     <a:masterClrMapping/>
   </p:clrMapOvr>
   <mc:AlternateContent xmlns:mc="http://schemas.openxmlformats.org/markup-compatibility/2006">
-    <mc:Choice xmlns="" xmlns:p14="http://schemas.microsoft.com/office/powerpoint/2010/main" Requires="p14">
+    <mc:Choice xmlns:p14="http://schemas.microsoft.com/office/powerpoint/2010/main" xmlns="" Requires="p14">
       <p:transition p14:dur="10"/>
     </mc:Choice>
     <mc:Fallback>
@@ -24952,7 +24952,7 @@
     </p:spTree>
     <p:extLst>
       <p:ext uri="{BB962C8B-B14F-4D97-AF65-F5344CB8AC3E}">
-        <p14:creationId xmlns="" xmlns:p14="http://schemas.microsoft.com/office/powerpoint/2010/main" val="602482599"/>
+        <p14:creationId xmlns:p14="http://schemas.microsoft.com/office/powerpoint/2010/main" xmlns="" val="602482599"/>
       </p:ext>
     </p:extLst>
   </p:cSld>
@@ -24960,7 +24960,7 @@
     <a:masterClrMapping/>
   </p:clrMapOvr>
   <mc:AlternateContent xmlns:mc="http://schemas.openxmlformats.org/markup-compatibility/2006">
-    <mc:Choice xmlns="" xmlns:p14="http://schemas.microsoft.com/office/powerpoint/2010/main" Requires="p14">
+    <mc:Choice xmlns:p14="http://schemas.microsoft.com/office/powerpoint/2010/main" xmlns="" Requires="p14">
       <p:transition p14:dur="10"/>
     </mc:Choice>
     <mc:Fallback>
@@ -25170,7 +25170,7 @@
     </p:spTree>
     <p:extLst>
       <p:ext uri="{BB962C8B-B14F-4D97-AF65-F5344CB8AC3E}">
-        <p14:creationId xmlns="" xmlns:p14="http://schemas.microsoft.com/office/powerpoint/2010/main" val="602482599"/>
+        <p14:creationId xmlns:p14="http://schemas.microsoft.com/office/powerpoint/2010/main" xmlns="" val="602482599"/>
       </p:ext>
     </p:extLst>
   </p:cSld>
@@ -25178,7 +25178,7 @@
     <a:masterClrMapping/>
   </p:clrMapOvr>
   <mc:AlternateContent xmlns:mc="http://schemas.openxmlformats.org/markup-compatibility/2006">
-    <mc:Choice xmlns="" xmlns:p14="http://schemas.microsoft.com/office/powerpoint/2010/main" Requires="p14">
+    <mc:Choice xmlns:p14="http://schemas.microsoft.com/office/powerpoint/2010/main" xmlns="" Requires="p14">
       <p:transition p14:dur="10"/>
     </mc:Choice>
     <mc:Fallback>
@@ -25362,7 +25362,7 @@
     </p:spTree>
     <p:extLst>
       <p:ext uri="{BB962C8B-B14F-4D97-AF65-F5344CB8AC3E}">
-        <p14:creationId xmlns="" xmlns:p14="http://schemas.microsoft.com/office/powerpoint/2010/main" val="274900122"/>
+        <p14:creationId xmlns:p14="http://schemas.microsoft.com/office/powerpoint/2010/main" xmlns="" val="274900122"/>
       </p:ext>
     </p:extLst>
   </p:cSld>
@@ -25370,7 +25370,7 @@
     <a:masterClrMapping/>
   </p:clrMapOvr>
   <mc:AlternateContent xmlns:mc="http://schemas.openxmlformats.org/markup-compatibility/2006">
-    <mc:Choice xmlns="" xmlns:p14="http://schemas.microsoft.com/office/powerpoint/2010/main" Requires="p14">
+    <mc:Choice xmlns:p14="http://schemas.microsoft.com/office/powerpoint/2010/main" xmlns="" Requires="p14">
       <p:transition p14:dur="10"/>
     </mc:Choice>
     <mc:Fallback>
@@ -25484,7 +25484,7 @@
     <a:masterClrMapping/>
   </p:clrMapOvr>
   <mc:AlternateContent xmlns:mc="http://schemas.openxmlformats.org/markup-compatibility/2006">
-    <mc:Choice xmlns="" xmlns:p14="http://schemas.microsoft.com/office/powerpoint/2010/main" Requires="p14">
+    <mc:Choice xmlns:p14="http://schemas.microsoft.com/office/powerpoint/2010/main" xmlns="" Requires="p14">
       <p:transition p14:dur="10"/>
     </mc:Choice>
     <mc:Fallback>
@@ -25567,38 +25567,22 @@
           <a:p>
             <a:r>
               <a:rPr lang="zh-CN" altLang="en-US" dirty="0" smtClean="0"/>
-              <a:t>我</a:t>
-            </a:r>
+              <a:t>我的成长</a:t>
+            </a:r>
+            <a:endParaRPr lang="en-US" altLang="zh-CN" dirty="0" smtClean="0"/>
+          </a:p>
+          <a:p>
+            <a:pPr lvl="1"/>
+            <a:r>
+              <a:rPr lang="zh-CN" altLang="en-US" sz="2400" dirty="0" smtClean="0"/>
+              <a:t>在座的没有一位是看着我长大的，但有不少属灵长辈是看着我的属灵生命长大的。</a:t>
+            </a:r>
+            <a:endParaRPr lang="en-US" altLang="zh-CN" sz="2400" dirty="0" smtClean="0"/>
+          </a:p>
+          <a:p>
             <a:r>
               <a:rPr lang="zh-CN" altLang="en-US" dirty="0" smtClean="0"/>
-              <a:t>的成长</a:t>
-            </a:r>
-            <a:endParaRPr lang="en-US" altLang="zh-CN" dirty="0" smtClean="0"/>
-          </a:p>
-          <a:p>
-            <a:pPr lvl="1"/>
-            <a:r>
-              <a:rPr lang="zh-CN" altLang="en-US" sz="2400" dirty="0" smtClean="0"/>
-              <a:t>在座的没有一位是看着我长大的，但有</a:t>
-            </a:r>
-            <a:r>
-              <a:rPr lang="zh-CN" altLang="en-US" sz="2400" dirty="0" smtClean="0"/>
-              <a:t>不少属</a:t>
-            </a:r>
-            <a:r>
-              <a:rPr lang="zh-CN" altLang="en-US" sz="2400" dirty="0" smtClean="0"/>
-              <a:t>灵长辈是看着我的属灵生命长大的。</a:t>
-            </a:r>
-            <a:endParaRPr lang="en-US" altLang="zh-CN" sz="2400" dirty="0" smtClean="0"/>
-          </a:p>
-          <a:p>
-            <a:r>
-              <a:rPr lang="zh-CN" altLang="en-US" dirty="0" smtClean="0"/>
-              <a:t>孩子</a:t>
-            </a:r>
-            <a:r>
-              <a:rPr lang="zh-CN" altLang="en-US" dirty="0" smtClean="0"/>
-              <a:t>成长</a:t>
+              <a:t>孩子成长</a:t>
             </a:r>
             <a:endParaRPr lang="en-US" altLang="zh-CN" dirty="0" smtClean="0"/>
           </a:p>
@@ -25614,19 +25598,7 @@
             </a:r>
             <a:r>
               <a:rPr lang="zh-CN" altLang="en-US" sz="2400" dirty="0" smtClean="0"/>
-              <a:t>个</a:t>
-            </a:r>
-            <a:r>
-              <a:rPr lang="zh-CN" altLang="en-US" sz="2400" dirty="0" smtClean="0"/>
-              <a:t>月大</a:t>
-            </a:r>
-            <a:r>
-              <a:rPr lang="zh-CN" altLang="en-US" sz="2400" dirty="0" smtClean="0"/>
-              <a:t>，最近体重身高长得有些慢，全家人都有些</a:t>
-            </a:r>
-            <a:r>
-              <a:rPr lang="zh-CN" altLang="en-US" sz="2400" dirty="0" smtClean="0"/>
-              <a:t>着急。</a:t>
+              <a:t>个月大，最近体重身高长得有些慢，全家人都有些着急。</a:t>
             </a:r>
             <a:endParaRPr lang="en-US" altLang="zh-CN" sz="2400" dirty="0" smtClean="0"/>
           </a:p>
@@ -25641,23 +25613,7 @@
             <a:pPr lvl="1"/>
             <a:r>
               <a:rPr lang="zh-CN" altLang="en-US" sz="2400" dirty="0" smtClean="0"/>
-              <a:t>我们的</a:t>
-            </a:r>
-            <a:r>
-              <a:rPr lang="zh-CN" altLang="en-US" sz="2400" dirty="0" smtClean="0"/>
-              <a:t>属灵</a:t>
-            </a:r>
-            <a:r>
-              <a:rPr lang="zh-CN" altLang="en-US" sz="2400" dirty="0" smtClean="0"/>
-              <a:t>生命是不是也会遇到停滞不前的状况？我们选择任凭这种</a:t>
-            </a:r>
-            <a:r>
-              <a:rPr lang="zh-CN" altLang="en-US" sz="2400" dirty="0" smtClean="0"/>
-              <a:t>状态持续</a:t>
-            </a:r>
-            <a:r>
-              <a:rPr lang="zh-CN" altLang="en-US" sz="2400" dirty="0" smtClean="0"/>
-              <a:t>下去还是努力寻求改变？</a:t>
+              <a:t>我们的属灵生命是不是也会遇到停滞不前的状况？我们选择任凭这种状态持续下去还是努力寻求改变？</a:t>
             </a:r>
             <a:endParaRPr lang="en-US" altLang="zh-CN" sz="2000" dirty="0">
               <a:ea typeface="宋体" charset="-122"/>
@@ -25671,7 +25627,7 @@
     <a:masterClrMapping/>
   </p:clrMapOvr>
   <mc:AlternateContent xmlns:mc="http://schemas.openxmlformats.org/markup-compatibility/2006">
-    <mc:Choice xmlns="" xmlns:p14="http://schemas.microsoft.com/office/powerpoint/2010/main" Requires="p14">
+    <mc:Choice xmlns:p14="http://schemas.microsoft.com/office/powerpoint/2010/main" xmlns="" Requires="p14">
       <p:transition p14:dur="10"/>
     </mc:Choice>
     <mc:Fallback>
@@ -25762,57 +25718,21 @@
             <a:pPr lvl="1"/>
             <a:r>
               <a:rPr lang="zh-CN" altLang="en-US" dirty="0" smtClean="0"/>
-              <a:t>最后一封书信</a:t>
+              <a:t>最后一封</a:t>
+            </a:r>
+            <a:r>
+              <a:rPr lang="zh-CN" altLang="en-US" dirty="0" smtClean="0"/>
+              <a:t>书信</a:t>
             </a:r>
             <a:endParaRPr lang="en-US" altLang="zh-CN" dirty="0" smtClean="0"/>
           </a:p>
           <a:p>
             <a:pPr lvl="1"/>
             <a:r>
-              <a:rPr lang="zh-CN" altLang="en-US" dirty="0" smtClean="0">
-                <a:solidFill>
-                  <a:srgbClr val="FF0000"/>
-                </a:solidFill>
-              </a:rPr>
-              <a:t>提后</a:t>
-            </a:r>
-            <a:r>
-              <a:rPr lang="en-US" altLang="zh-CN" dirty="0" smtClean="0">
-                <a:solidFill>
-                  <a:srgbClr val="FF0000"/>
-                </a:solidFill>
-              </a:rPr>
-              <a:t>1:6</a:t>
-            </a:r>
-            <a:r>
-              <a:rPr lang="zh-CN" altLang="en-US" dirty="0" smtClean="0">
-                <a:solidFill>
-                  <a:srgbClr val="FF0000"/>
-                </a:solidFill>
-              </a:rPr>
-              <a:t>“为此，我提醒你</a:t>
-            </a:r>
-            <a:r>
-              <a:rPr lang="en-US" altLang="zh-CN" dirty="0" smtClean="0">
-                <a:solidFill>
-                  <a:srgbClr val="FF0000"/>
-                </a:solidFill>
-              </a:rPr>
-              <a:t>…</a:t>
-            </a:r>
-            <a:r>
-              <a:rPr lang="zh-CN" altLang="en-US" dirty="0" smtClean="0">
-                <a:solidFill>
-                  <a:srgbClr val="FF0000"/>
-                </a:solidFill>
-              </a:rPr>
-              <a:t>”</a:t>
-            </a:r>
-            <a:endParaRPr lang="en-US" altLang="zh-CN" dirty="0" smtClean="0">
-              <a:solidFill>
-                <a:srgbClr val="FF0000"/>
-              </a:solidFill>
-            </a:endParaRPr>
+              <a:rPr lang="zh-CN" altLang="en-US" dirty="0" smtClean="0"/>
+              <a:t>写给提摩太个人</a:t>
+            </a:r>
+            <a:endParaRPr lang="en-US" altLang="zh-CN" dirty="0" smtClean="0"/>
           </a:p>
           <a:p>
             <a:r>
@@ -25850,7 +25770,7 @@
     </p:spTree>
     <p:extLst>
       <p:ext uri="{BB962C8B-B14F-4D97-AF65-F5344CB8AC3E}">
-        <p14:creationId xmlns="" xmlns:p14="http://schemas.microsoft.com/office/powerpoint/2010/main" val="2916621134"/>
+        <p14:creationId xmlns:p14="http://schemas.microsoft.com/office/powerpoint/2010/main" xmlns="" val="2916621134"/>
       </p:ext>
     </p:extLst>
   </p:cSld>
@@ -25858,7 +25778,7 @@
     <a:masterClrMapping/>
   </p:clrMapOvr>
   <mc:AlternateContent xmlns:mc="http://schemas.openxmlformats.org/markup-compatibility/2006">
-    <mc:Choice xmlns="" xmlns:p14="http://schemas.microsoft.com/office/powerpoint/2010/main" Requires="p14">
+    <mc:Choice xmlns:p14="http://schemas.microsoft.com/office/powerpoint/2010/main" xmlns="" Requires="p14">
       <p:transition p14:dur="10"/>
     </mc:Choice>
     <mc:Fallback>
@@ -26036,7 +25956,7 @@
     <a:masterClrMapping/>
   </p:clrMapOvr>
   <mc:AlternateContent xmlns:mc="http://schemas.openxmlformats.org/markup-compatibility/2006">
-    <mc:Choice xmlns="" xmlns:p14="http://schemas.microsoft.com/office/powerpoint/2010/main" Requires="p14">
+    <mc:Choice xmlns:p14="http://schemas.microsoft.com/office/powerpoint/2010/main" xmlns="" Requires="p14">
       <p:transition p14:dur="10"/>
     </mc:Choice>
     <mc:Fallback>
@@ -26315,7 +26235,7 @@
     </p:spTree>
     <p:extLst>
       <p:ext uri="{BB962C8B-B14F-4D97-AF65-F5344CB8AC3E}">
-        <p14:creationId xmlns="" xmlns:p14="http://schemas.microsoft.com/office/powerpoint/2010/main" val="602482599"/>
+        <p14:creationId xmlns:p14="http://schemas.microsoft.com/office/powerpoint/2010/main" xmlns="" val="602482599"/>
       </p:ext>
     </p:extLst>
   </p:cSld>
@@ -26323,7 +26243,7 @@
     <a:masterClrMapping/>
   </p:clrMapOvr>
   <mc:AlternateContent xmlns:mc="http://schemas.openxmlformats.org/markup-compatibility/2006">
-    <mc:Choice xmlns="" xmlns:p14="http://schemas.microsoft.com/office/powerpoint/2010/main" Requires="p14">
+    <mc:Choice xmlns:p14="http://schemas.microsoft.com/office/powerpoint/2010/main" xmlns="" Requires="p14">
       <p:transition p14:dur="10"/>
     </mc:Choice>
     <mc:Fallback>
@@ -26630,7 +26550,7 @@
     </p:spTree>
     <p:extLst>
       <p:ext uri="{BB962C8B-B14F-4D97-AF65-F5344CB8AC3E}">
-        <p14:creationId xmlns="" xmlns:p14="http://schemas.microsoft.com/office/powerpoint/2010/main" val="602482599"/>
+        <p14:creationId xmlns:p14="http://schemas.microsoft.com/office/powerpoint/2010/main" xmlns="" val="602482599"/>
       </p:ext>
     </p:extLst>
   </p:cSld>
@@ -26638,7 +26558,7 @@
     <a:masterClrMapping/>
   </p:clrMapOvr>
   <mc:AlternateContent xmlns:mc="http://schemas.openxmlformats.org/markup-compatibility/2006">
-    <mc:Choice xmlns="" xmlns:p14="http://schemas.microsoft.com/office/powerpoint/2010/main" Requires="p14">
+    <mc:Choice xmlns:p14="http://schemas.microsoft.com/office/powerpoint/2010/main" xmlns="" Requires="p14">
       <p:transition p14:dur="10"/>
     </mc:Choice>
     <mc:Fallback>
@@ -26955,7 +26875,7 @@
     </p:spTree>
     <p:extLst>
       <p:ext uri="{BB962C8B-B14F-4D97-AF65-F5344CB8AC3E}">
-        <p14:creationId xmlns="" xmlns:p14="http://schemas.microsoft.com/office/powerpoint/2010/main" val="602482599"/>
+        <p14:creationId xmlns:p14="http://schemas.microsoft.com/office/powerpoint/2010/main" xmlns="" val="602482599"/>
       </p:ext>
     </p:extLst>
   </p:cSld>
@@ -26963,7 +26883,7 @@
     <a:masterClrMapping/>
   </p:clrMapOvr>
   <mc:AlternateContent xmlns:mc="http://schemas.openxmlformats.org/markup-compatibility/2006">
-    <mc:Choice xmlns="" xmlns:p14="http://schemas.microsoft.com/office/powerpoint/2010/main" Requires="p14">
+    <mc:Choice xmlns:p14="http://schemas.microsoft.com/office/powerpoint/2010/main" xmlns="" Requires="p14">
       <p:transition p14:dur="10"/>
     </mc:Choice>
     <mc:Fallback>
@@ -27207,7 +27127,7 @@
     </p:spTree>
     <p:extLst>
       <p:ext uri="{BB962C8B-B14F-4D97-AF65-F5344CB8AC3E}">
-        <p14:creationId xmlns="" xmlns:p14="http://schemas.microsoft.com/office/powerpoint/2010/main" val="602482599"/>
+        <p14:creationId xmlns:p14="http://schemas.microsoft.com/office/powerpoint/2010/main" xmlns="" val="602482599"/>
       </p:ext>
     </p:extLst>
   </p:cSld>
@@ -27215,7 +27135,7 @@
     <a:masterClrMapping/>
   </p:clrMapOvr>
   <mc:AlternateContent xmlns:mc="http://schemas.openxmlformats.org/markup-compatibility/2006">
-    <mc:Choice xmlns="" xmlns:p14="http://schemas.microsoft.com/office/powerpoint/2010/main" Requires="p14">
+    <mc:Choice xmlns:p14="http://schemas.microsoft.com/office/powerpoint/2010/main" xmlns="" Requires="p14">
       <p:transition p14:dur="10"/>
     </mc:Choice>
     <mc:Fallback>
@@ -27534,7 +27454,7 @@
     </p:spTree>
     <p:extLst>
       <p:ext uri="{BB962C8B-B14F-4D97-AF65-F5344CB8AC3E}">
-        <p14:creationId xmlns="" xmlns:p14="http://schemas.microsoft.com/office/powerpoint/2010/main" val="602482599"/>
+        <p14:creationId xmlns:p14="http://schemas.microsoft.com/office/powerpoint/2010/main" xmlns="" val="602482599"/>
       </p:ext>
     </p:extLst>
   </p:cSld>
@@ -27542,7 +27462,7 @@
     <a:masterClrMapping/>
   </p:clrMapOvr>
   <mc:AlternateContent xmlns:mc="http://schemas.openxmlformats.org/markup-compatibility/2006">
-    <mc:Choice xmlns="" xmlns:p14="http://schemas.microsoft.com/office/powerpoint/2010/main" Requires="p14">
+    <mc:Choice xmlns:p14="http://schemas.microsoft.com/office/powerpoint/2010/main" xmlns="" Requires="p14">
       <p:transition p14:dur="10"/>
     </mc:Choice>
     <mc:Fallback>

--- a/share/提摩太后书/释经讲道01-天国志愿军/属灵生命成长的要素-2ti2-1-14.pptx
+++ b/share/提摩太后书/释经讲道01-天国志愿军/属灵生命成长的要素-2ti2-1-14.pptx
@@ -203,14 +203,14 @@
           <a:effectLst/>
           <a:extLst>
             <a:ext uri="{909E8E84-426E-40DD-AFC4-6F175D3DCCD1}">
-              <a14:hiddenFill xmlns:a14="http://schemas.microsoft.com/office/drawing/2010/main" xmlns="">
+              <a14:hiddenFill xmlns="" xmlns:a14="http://schemas.microsoft.com/office/drawing/2010/main">
                 <a:solidFill>
                   <a:schemeClr val="accent1"/>
                 </a:solidFill>
               </a14:hiddenFill>
             </a:ext>
             <a:ext uri="{91240B29-F687-4F45-9708-019B960494DF}">
-              <a14:hiddenLine xmlns:a14="http://schemas.microsoft.com/office/drawing/2010/main" xmlns="" w="9525">
+              <a14:hiddenLine xmlns="" xmlns:a14="http://schemas.microsoft.com/office/drawing/2010/main" w="9525">
                 <a:solidFill>
                   <a:schemeClr val="tx1"/>
                 </a:solidFill>
@@ -220,7 +220,7 @@
               </a14:hiddenLine>
             </a:ext>
             <a:ext uri="{AF507438-7753-43E0-B8FC-AC1667EBCBE1}">
-              <a14:hiddenEffects xmlns:a14="http://schemas.microsoft.com/office/drawing/2010/main" xmlns="">
+              <a14:hiddenEffects xmlns="" xmlns:a14="http://schemas.microsoft.com/office/drawing/2010/main">
                 <a:effectLst>
                   <a:outerShdw dist="35921" dir="2700000" algn="ctr" rotWithShape="0">
                     <a:schemeClr val="bg2"/>
@@ -271,14 +271,14 @@
           <a:effectLst/>
           <a:extLst>
             <a:ext uri="{909E8E84-426E-40DD-AFC4-6F175D3DCCD1}">
-              <a14:hiddenFill xmlns:a14="http://schemas.microsoft.com/office/drawing/2010/main" xmlns="">
+              <a14:hiddenFill xmlns="" xmlns:a14="http://schemas.microsoft.com/office/drawing/2010/main">
                 <a:solidFill>
                   <a:schemeClr val="accent1"/>
                 </a:solidFill>
               </a14:hiddenFill>
             </a:ext>
             <a:ext uri="{91240B29-F687-4F45-9708-019B960494DF}">
-              <a14:hiddenLine xmlns:a14="http://schemas.microsoft.com/office/drawing/2010/main" xmlns="" w="9525">
+              <a14:hiddenLine xmlns="" xmlns:a14="http://schemas.microsoft.com/office/drawing/2010/main" w="9525">
                 <a:solidFill>
                   <a:schemeClr val="tx1"/>
                 </a:solidFill>
@@ -288,7 +288,7 @@
               </a14:hiddenLine>
             </a:ext>
             <a:ext uri="{AF507438-7753-43E0-B8FC-AC1667EBCBE1}">
-              <a14:hiddenEffects xmlns:a14="http://schemas.microsoft.com/office/drawing/2010/main" xmlns="">
+              <a14:hiddenEffects xmlns="" xmlns:a14="http://schemas.microsoft.com/office/drawing/2010/main">
                 <a:effectLst>
                   <a:outerShdw dist="35921" dir="2700000" algn="ctr" rotWithShape="0">
                     <a:schemeClr val="bg2"/>
@@ -344,7 +344,7 @@
           <a:effectLst/>
           <a:extLst>
             <a:ext uri="{AF507438-7753-43E0-B8FC-AC1667EBCBE1}">
-              <a14:hiddenEffects xmlns:a14="http://schemas.microsoft.com/office/drawing/2010/main" xmlns="">
+              <a14:hiddenEffects xmlns="" xmlns:a14="http://schemas.microsoft.com/office/drawing/2010/main">
                 <a:effectLst>
                   <a:outerShdw dist="35921" dir="2700000" algn="ctr" rotWithShape="0">
                     <a:srgbClr val="808080"/>
@@ -353,7 +353,7 @@
               </a14:hiddenEffects>
             </a:ext>
             <a:ext uri="{53640926-AAD7-44D8-BBD7-CCE9431645EC}">
-              <a14:shadowObscured xmlns:a14="http://schemas.microsoft.com/office/drawing/2010/main" xmlns="" val="1"/>
+              <a14:shadowObscured xmlns="" xmlns:a14="http://schemas.microsoft.com/office/drawing/2010/main" val="1"/>
             </a:ext>
           </a:extLst>
         </p:spPr>
@@ -383,14 +383,14 @@
           <a:effectLst/>
           <a:extLst>
             <a:ext uri="{909E8E84-426E-40DD-AFC4-6F175D3DCCD1}">
-              <a14:hiddenFill xmlns:a14="http://schemas.microsoft.com/office/drawing/2010/main" xmlns="">
+              <a14:hiddenFill xmlns="" xmlns:a14="http://schemas.microsoft.com/office/drawing/2010/main">
                 <a:solidFill>
                   <a:schemeClr val="accent1"/>
                 </a:solidFill>
               </a14:hiddenFill>
             </a:ext>
             <a:ext uri="{91240B29-F687-4F45-9708-019B960494DF}">
-              <a14:hiddenLine xmlns:a14="http://schemas.microsoft.com/office/drawing/2010/main" xmlns="" w="9525">
+              <a14:hiddenLine xmlns="" xmlns:a14="http://schemas.microsoft.com/office/drawing/2010/main" w="9525">
                 <a:solidFill>
                   <a:schemeClr val="tx1"/>
                 </a:solidFill>
@@ -400,7 +400,7 @@
               </a14:hiddenLine>
             </a:ext>
             <a:ext uri="{AF507438-7753-43E0-B8FC-AC1667EBCBE1}">
-              <a14:hiddenEffects xmlns:a14="http://schemas.microsoft.com/office/drawing/2010/main" xmlns="">
+              <a14:hiddenEffects xmlns="" xmlns:a14="http://schemas.microsoft.com/office/drawing/2010/main">
                 <a:effectLst>
                   <a:outerShdw dist="35921" dir="2700000" algn="ctr" rotWithShape="0">
                     <a:schemeClr val="bg2"/>
@@ -479,14 +479,14 @@
           <a:effectLst/>
           <a:extLst>
             <a:ext uri="{909E8E84-426E-40DD-AFC4-6F175D3DCCD1}">
-              <a14:hiddenFill xmlns:a14="http://schemas.microsoft.com/office/drawing/2010/main" xmlns="">
+              <a14:hiddenFill xmlns="" xmlns:a14="http://schemas.microsoft.com/office/drawing/2010/main">
                 <a:solidFill>
                   <a:schemeClr val="accent1"/>
                 </a:solidFill>
               </a14:hiddenFill>
             </a:ext>
             <a:ext uri="{91240B29-F687-4F45-9708-019B960494DF}">
-              <a14:hiddenLine xmlns:a14="http://schemas.microsoft.com/office/drawing/2010/main" xmlns="" w="9525">
+              <a14:hiddenLine xmlns="" xmlns:a14="http://schemas.microsoft.com/office/drawing/2010/main" w="9525">
                 <a:solidFill>
                   <a:schemeClr val="tx1"/>
                 </a:solidFill>
@@ -496,7 +496,7 @@
               </a14:hiddenLine>
             </a:ext>
             <a:ext uri="{AF507438-7753-43E0-B8FC-AC1667EBCBE1}">
-              <a14:hiddenEffects xmlns:a14="http://schemas.microsoft.com/office/drawing/2010/main" xmlns="">
+              <a14:hiddenEffects xmlns="" xmlns:a14="http://schemas.microsoft.com/office/drawing/2010/main">
                 <a:effectLst>
                   <a:outerShdw dist="35921" dir="2700000" algn="ctr" rotWithShape="0">
                     <a:schemeClr val="bg2"/>
@@ -547,14 +547,14 @@
           <a:effectLst/>
           <a:extLst>
             <a:ext uri="{909E8E84-426E-40DD-AFC4-6F175D3DCCD1}">
-              <a14:hiddenFill xmlns:a14="http://schemas.microsoft.com/office/drawing/2010/main" xmlns="">
+              <a14:hiddenFill xmlns="" xmlns:a14="http://schemas.microsoft.com/office/drawing/2010/main">
                 <a:solidFill>
                   <a:schemeClr val="accent1"/>
                 </a:solidFill>
               </a14:hiddenFill>
             </a:ext>
             <a:ext uri="{91240B29-F687-4F45-9708-019B960494DF}">
-              <a14:hiddenLine xmlns:a14="http://schemas.microsoft.com/office/drawing/2010/main" xmlns="" w="9525">
+              <a14:hiddenLine xmlns="" xmlns:a14="http://schemas.microsoft.com/office/drawing/2010/main" w="9525">
                 <a:solidFill>
                   <a:schemeClr val="tx1"/>
                 </a:solidFill>
@@ -564,7 +564,7 @@
               </a14:hiddenLine>
             </a:ext>
             <a:ext uri="{AF507438-7753-43E0-B8FC-AC1667EBCBE1}">
-              <a14:hiddenEffects xmlns:a14="http://schemas.microsoft.com/office/drawing/2010/main" xmlns="">
+              <a14:hiddenEffects xmlns="" xmlns:a14="http://schemas.microsoft.com/office/drawing/2010/main">
                 <a:effectLst>
                   <a:outerShdw dist="35921" dir="2700000" algn="ctr" rotWithShape="0">
                     <a:schemeClr val="bg2"/>
@@ -598,7 +598,7 @@
     </p:spTree>
     <p:extLst>
       <p:ext uri="{BB962C8B-B14F-4D97-AF65-F5344CB8AC3E}">
-        <p14:creationId xmlns:p14="http://schemas.microsoft.com/office/powerpoint/2010/main" xmlns="" val="45029081"/>
+        <p14:creationId xmlns="" xmlns:p14="http://schemas.microsoft.com/office/powerpoint/2010/main" val="45029081"/>
       </p:ext>
     </p:extLst>
   </p:cSld>
@@ -823,7 +823,7 @@
     </p:spTree>
     <p:extLst>
       <p:ext uri="{BB962C8B-B14F-4D97-AF65-F5344CB8AC3E}">
-        <p14:creationId xmlns:p14="http://schemas.microsoft.com/office/powerpoint/2010/main" xmlns="" val="3162953695"/>
+        <p14:creationId xmlns="" xmlns:p14="http://schemas.microsoft.com/office/powerpoint/2010/main" val="3162953695"/>
       </p:ext>
     </p:extLst>
   </p:cSld>
@@ -908,7 +908,7 @@
     </p:spTree>
     <p:extLst>
       <p:ext uri="{BB962C8B-B14F-4D97-AF65-F5344CB8AC3E}">
-        <p14:creationId xmlns:p14="http://schemas.microsoft.com/office/powerpoint/2010/main" xmlns="" val="4074272823"/>
+        <p14:creationId xmlns="" xmlns:p14="http://schemas.microsoft.com/office/powerpoint/2010/main" val="4074272823"/>
       </p:ext>
     </p:extLst>
   </p:cSld>
@@ -993,7 +993,7 @@
     </p:spTree>
     <p:extLst>
       <p:ext uri="{BB962C8B-B14F-4D97-AF65-F5344CB8AC3E}">
-        <p14:creationId xmlns:p14="http://schemas.microsoft.com/office/powerpoint/2010/main" xmlns="" val="4074272823"/>
+        <p14:creationId xmlns="" xmlns:p14="http://schemas.microsoft.com/office/powerpoint/2010/main" val="4074272823"/>
       </p:ext>
     </p:extLst>
   </p:cSld>
@@ -1078,7 +1078,7 @@
     </p:spTree>
     <p:extLst>
       <p:ext uri="{BB962C8B-B14F-4D97-AF65-F5344CB8AC3E}">
-        <p14:creationId xmlns:p14="http://schemas.microsoft.com/office/powerpoint/2010/main" xmlns="" val="4074272823"/>
+        <p14:creationId xmlns="" xmlns:p14="http://schemas.microsoft.com/office/powerpoint/2010/main" val="4074272823"/>
       </p:ext>
     </p:extLst>
   </p:cSld>
@@ -1163,7 +1163,7 @@
     </p:spTree>
     <p:extLst>
       <p:ext uri="{BB962C8B-B14F-4D97-AF65-F5344CB8AC3E}">
-        <p14:creationId xmlns:p14="http://schemas.microsoft.com/office/powerpoint/2010/main" xmlns="" val="4074272823"/>
+        <p14:creationId xmlns="" xmlns:p14="http://schemas.microsoft.com/office/powerpoint/2010/main" val="4074272823"/>
       </p:ext>
     </p:extLst>
   </p:cSld>
@@ -1258,7 +1258,7 @@
     </p:spTree>
     <p:extLst>
       <p:ext uri="{BB962C8B-B14F-4D97-AF65-F5344CB8AC3E}">
-        <p14:creationId xmlns:p14="http://schemas.microsoft.com/office/powerpoint/2010/main" xmlns="" val="4074272823"/>
+        <p14:creationId xmlns="" xmlns:p14="http://schemas.microsoft.com/office/powerpoint/2010/main" val="4074272823"/>
       </p:ext>
     </p:extLst>
   </p:cSld>
@@ -1361,7 +1361,7 @@
     </p:spTree>
     <p:extLst>
       <p:ext uri="{BB962C8B-B14F-4D97-AF65-F5344CB8AC3E}">
-        <p14:creationId xmlns:p14="http://schemas.microsoft.com/office/powerpoint/2010/main" xmlns="" val="4074272823"/>
+        <p14:creationId xmlns="" xmlns:p14="http://schemas.microsoft.com/office/powerpoint/2010/main" val="4074272823"/>
       </p:ext>
     </p:extLst>
   </p:cSld>
@@ -1456,7 +1456,7 @@
     </p:spTree>
     <p:extLst>
       <p:ext uri="{BB962C8B-B14F-4D97-AF65-F5344CB8AC3E}">
-        <p14:creationId xmlns:p14="http://schemas.microsoft.com/office/powerpoint/2010/main" xmlns="" val="4074272823"/>
+        <p14:creationId xmlns="" xmlns:p14="http://schemas.microsoft.com/office/powerpoint/2010/main" val="4074272823"/>
       </p:ext>
     </p:extLst>
   </p:cSld>
@@ -1541,7 +1541,7 @@
     </p:spTree>
     <p:extLst>
       <p:ext uri="{BB962C8B-B14F-4D97-AF65-F5344CB8AC3E}">
-        <p14:creationId xmlns:p14="http://schemas.microsoft.com/office/powerpoint/2010/main" xmlns="" val="4074272823"/>
+        <p14:creationId xmlns="" xmlns:p14="http://schemas.microsoft.com/office/powerpoint/2010/main" val="4074272823"/>
       </p:ext>
     </p:extLst>
   </p:cSld>
@@ -1626,7 +1626,7 @@
     </p:spTree>
     <p:extLst>
       <p:ext uri="{BB962C8B-B14F-4D97-AF65-F5344CB8AC3E}">
-        <p14:creationId xmlns:p14="http://schemas.microsoft.com/office/powerpoint/2010/main" xmlns="" val="4074272823"/>
+        <p14:creationId xmlns="" xmlns:p14="http://schemas.microsoft.com/office/powerpoint/2010/main" val="4074272823"/>
       </p:ext>
     </p:extLst>
   </p:cSld>
@@ -1711,7 +1711,7 @@
     </p:spTree>
     <p:extLst>
       <p:ext uri="{BB962C8B-B14F-4D97-AF65-F5344CB8AC3E}">
-        <p14:creationId xmlns:p14="http://schemas.microsoft.com/office/powerpoint/2010/main" xmlns="" val="4074272823"/>
+        <p14:creationId xmlns="" xmlns:p14="http://schemas.microsoft.com/office/powerpoint/2010/main" val="4074272823"/>
       </p:ext>
     </p:extLst>
   </p:cSld>
@@ -1796,7 +1796,7 @@
     </p:spTree>
     <p:extLst>
       <p:ext uri="{BB962C8B-B14F-4D97-AF65-F5344CB8AC3E}">
-        <p14:creationId xmlns:p14="http://schemas.microsoft.com/office/powerpoint/2010/main" xmlns="" val="4074272823"/>
+        <p14:creationId xmlns="" xmlns:p14="http://schemas.microsoft.com/office/powerpoint/2010/main" val="4074272823"/>
       </p:ext>
     </p:extLst>
   </p:cSld>
@@ -1881,7 +1881,7 @@
     </p:spTree>
     <p:extLst>
       <p:ext uri="{BB962C8B-B14F-4D97-AF65-F5344CB8AC3E}">
-        <p14:creationId xmlns:p14="http://schemas.microsoft.com/office/powerpoint/2010/main" xmlns="" val="4074272823"/>
+        <p14:creationId xmlns="" xmlns:p14="http://schemas.microsoft.com/office/powerpoint/2010/main" val="4074272823"/>
       </p:ext>
     </p:extLst>
   </p:cSld>
@@ -1935,7 +1935,7 @@
           <a:effectLst/>
           <a:extLst>
             <a:ext uri="{91240B29-F687-4F45-9708-019B960494DF}">
-              <a14:hiddenLine xmlns:a14="http://schemas.microsoft.com/office/drawing/2010/main" xmlns="" w="9525">
+              <a14:hiddenLine xmlns="" xmlns:a14="http://schemas.microsoft.com/office/drawing/2010/main" w="9525">
                 <a:solidFill>
                   <a:schemeClr val="tx1"/>
                 </a:solidFill>
@@ -1945,7 +1945,7 @@
               </a14:hiddenLine>
             </a:ext>
             <a:ext uri="{AF507438-7753-43E0-B8FC-AC1667EBCBE1}">
-              <a14:hiddenEffects xmlns:a14="http://schemas.microsoft.com/office/drawing/2010/main" xmlns="">
+              <a14:hiddenEffects xmlns="" xmlns:a14="http://schemas.microsoft.com/office/drawing/2010/main">
                 <a:effectLst>
                   <a:outerShdw dist="35921" dir="2700000" algn="ctr" rotWithShape="0">
                     <a:schemeClr val="bg2"/>
@@ -1992,7 +1992,7 @@
           <a:effectLst/>
           <a:extLst>
             <a:ext uri="{91240B29-F687-4F45-9708-019B960494DF}">
-              <a14:hiddenLine xmlns:a14="http://schemas.microsoft.com/office/drawing/2010/main" xmlns="" w="9525">
+              <a14:hiddenLine xmlns="" xmlns:a14="http://schemas.microsoft.com/office/drawing/2010/main" w="9525">
                 <a:solidFill>
                   <a:schemeClr val="tx1"/>
                 </a:solidFill>
@@ -2002,7 +2002,7 @@
               </a14:hiddenLine>
             </a:ext>
             <a:ext uri="{AF507438-7753-43E0-B8FC-AC1667EBCBE1}">
-              <a14:hiddenEffects xmlns:a14="http://schemas.microsoft.com/office/drawing/2010/main" xmlns="">
+              <a14:hiddenEffects xmlns="" xmlns:a14="http://schemas.microsoft.com/office/drawing/2010/main">
                 <a:effectLst>
                   <a:outerShdw dist="35921" dir="2700000" algn="ctr" rotWithShape="0">
                     <a:schemeClr val="bg2"/>
@@ -2049,7 +2049,7 @@
           <a:effectLst/>
           <a:extLst>
             <a:ext uri="{91240B29-F687-4F45-9708-019B960494DF}">
-              <a14:hiddenLine xmlns:a14="http://schemas.microsoft.com/office/drawing/2010/main" xmlns="" w="9525">
+              <a14:hiddenLine xmlns="" xmlns:a14="http://schemas.microsoft.com/office/drawing/2010/main" w="9525">
                 <a:solidFill>
                   <a:schemeClr val="tx1"/>
                 </a:solidFill>
@@ -2059,7 +2059,7 @@
               </a14:hiddenLine>
             </a:ext>
             <a:ext uri="{AF507438-7753-43E0-B8FC-AC1667EBCBE1}">
-              <a14:hiddenEffects xmlns:a14="http://schemas.microsoft.com/office/drawing/2010/main" xmlns="">
+              <a14:hiddenEffects xmlns="" xmlns:a14="http://schemas.microsoft.com/office/drawing/2010/main">
                 <a:effectLst>
                   <a:outerShdw dist="35921" dir="2700000" algn="ctr" rotWithShape="0">
                     <a:schemeClr val="bg2"/>
@@ -2102,7 +2102,7 @@
           <a:effectLst/>
           <a:extLst>
             <a:ext uri="{91240B29-F687-4F45-9708-019B960494DF}">
-              <a14:hiddenLine xmlns:a14="http://schemas.microsoft.com/office/drawing/2010/main" xmlns="" w="9525">
+              <a14:hiddenLine xmlns="" xmlns:a14="http://schemas.microsoft.com/office/drawing/2010/main" w="9525">
                 <a:solidFill>
                   <a:schemeClr val="tx1"/>
                 </a:solidFill>
@@ -2112,7 +2112,7 @@
               </a14:hiddenLine>
             </a:ext>
             <a:ext uri="{AF507438-7753-43E0-B8FC-AC1667EBCBE1}">
-              <a14:hiddenEffects xmlns:a14="http://schemas.microsoft.com/office/drawing/2010/main" xmlns="">
+              <a14:hiddenEffects xmlns="" xmlns:a14="http://schemas.microsoft.com/office/drawing/2010/main">
                 <a:effectLst>
                   <a:outerShdw dist="35921" dir="2700000" algn="ctr" rotWithShape="0">
                     <a:schemeClr val="bg2"/>
@@ -2155,7 +2155,7 @@
           <a:effectLst/>
           <a:extLst>
             <a:ext uri="{91240B29-F687-4F45-9708-019B960494DF}">
-              <a14:hiddenLine xmlns:a14="http://schemas.microsoft.com/office/drawing/2010/main" xmlns="" w="9525">
+              <a14:hiddenLine xmlns="" xmlns:a14="http://schemas.microsoft.com/office/drawing/2010/main" w="9525">
                 <a:solidFill>
                   <a:schemeClr val="tx1"/>
                 </a:solidFill>
@@ -2165,7 +2165,7 @@
               </a14:hiddenLine>
             </a:ext>
             <a:ext uri="{AF507438-7753-43E0-B8FC-AC1667EBCBE1}">
-              <a14:hiddenEffects xmlns:a14="http://schemas.microsoft.com/office/drawing/2010/main" xmlns="">
+              <a14:hiddenEffects xmlns="" xmlns:a14="http://schemas.microsoft.com/office/drawing/2010/main">
                 <a:effectLst>
                   <a:outerShdw dist="35921" dir="2700000" algn="ctr" rotWithShape="0">
                     <a:schemeClr val="bg2"/>
@@ -2208,7 +2208,7 @@
           <a:effectLst/>
           <a:extLst>
             <a:ext uri="{91240B29-F687-4F45-9708-019B960494DF}">
-              <a14:hiddenLine xmlns:a14="http://schemas.microsoft.com/office/drawing/2010/main" xmlns="" w="9525">
+              <a14:hiddenLine xmlns="" xmlns:a14="http://schemas.microsoft.com/office/drawing/2010/main" w="9525">
                 <a:solidFill>
                   <a:schemeClr val="tx1"/>
                 </a:solidFill>
@@ -2218,7 +2218,7 @@
               </a14:hiddenLine>
             </a:ext>
             <a:ext uri="{AF507438-7753-43E0-B8FC-AC1667EBCBE1}">
-              <a14:hiddenEffects xmlns:a14="http://schemas.microsoft.com/office/drawing/2010/main" xmlns="">
+              <a14:hiddenEffects xmlns="" xmlns:a14="http://schemas.microsoft.com/office/drawing/2010/main">
                 <a:effectLst>
                   <a:outerShdw dist="35921" dir="2700000" algn="ctr" rotWithShape="0">
                     <a:schemeClr val="bg2"/>
@@ -2354,7 +2354,7 @@
             <a:effectLst/>
             <a:extLst>
               <a:ext uri="{91240B29-F687-4F45-9708-019B960494DF}">
-                <a14:hiddenLine xmlns:a14="http://schemas.microsoft.com/office/drawing/2010/main" xmlns="" w="9525">
+                <a14:hiddenLine xmlns="" xmlns:a14="http://schemas.microsoft.com/office/drawing/2010/main" w="9525">
                   <a:solidFill>
                     <a:schemeClr val="tx1"/>
                   </a:solidFill>
@@ -2364,7 +2364,7 @@
                 </a14:hiddenLine>
               </a:ext>
               <a:ext uri="{AF507438-7753-43E0-B8FC-AC1667EBCBE1}">
-                <a14:hiddenEffects xmlns:a14="http://schemas.microsoft.com/office/drawing/2010/main" xmlns="">
+                <a14:hiddenEffects xmlns="" xmlns:a14="http://schemas.microsoft.com/office/drawing/2010/main">
                   <a:effectLst>
                     <a:outerShdw dist="35921" dir="2700000" algn="ctr" rotWithShape="0">
                       <a:schemeClr val="bg2"/>
@@ -2484,7 +2484,7 @@
             <a:effectLst/>
             <a:extLst>
               <a:ext uri="{91240B29-F687-4F45-9708-019B960494DF}">
-                <a14:hiddenLine xmlns:a14="http://schemas.microsoft.com/office/drawing/2010/main" xmlns="" w="9525">
+                <a14:hiddenLine xmlns="" xmlns:a14="http://schemas.microsoft.com/office/drawing/2010/main" w="9525">
                   <a:solidFill>
                     <a:schemeClr val="tx1"/>
                   </a:solidFill>
@@ -2494,7 +2494,7 @@
                 </a14:hiddenLine>
               </a:ext>
               <a:ext uri="{AF507438-7753-43E0-B8FC-AC1667EBCBE1}">
-                <a14:hiddenEffects xmlns:a14="http://schemas.microsoft.com/office/drawing/2010/main" xmlns="">
+                <a14:hiddenEffects xmlns="" xmlns:a14="http://schemas.microsoft.com/office/drawing/2010/main">
                   <a:effectLst>
                     <a:outerShdw dist="35921" dir="2700000" algn="ctr" rotWithShape="0">
                       <a:schemeClr val="bg2"/>
@@ -2606,7 +2606,7 @@
             <a:effectLst/>
             <a:extLst>
               <a:ext uri="{91240B29-F687-4F45-9708-019B960494DF}">
-                <a14:hiddenLine xmlns:a14="http://schemas.microsoft.com/office/drawing/2010/main" xmlns="" w="9525">
+                <a14:hiddenLine xmlns="" xmlns:a14="http://schemas.microsoft.com/office/drawing/2010/main" w="9525">
                   <a:solidFill>
                     <a:schemeClr val="tx1"/>
                   </a:solidFill>
@@ -2616,7 +2616,7 @@
                 </a14:hiddenLine>
               </a:ext>
               <a:ext uri="{AF507438-7753-43E0-B8FC-AC1667EBCBE1}">
-                <a14:hiddenEffects xmlns:a14="http://schemas.microsoft.com/office/drawing/2010/main" xmlns="">
+                <a14:hiddenEffects xmlns="" xmlns:a14="http://schemas.microsoft.com/office/drawing/2010/main">
                   <a:effectLst>
                     <a:outerShdw dist="35921" dir="2700000" algn="ctr" rotWithShape="0">
                       <a:schemeClr val="bg2"/>
@@ -9470,7 +9470,7 @@
           <a:effectLst/>
           <a:extLst>
             <a:ext uri="{91240B29-F687-4F45-9708-019B960494DF}">
-              <a14:hiddenLine xmlns:a14="http://schemas.microsoft.com/office/drawing/2010/main" xmlns="" w="9525">
+              <a14:hiddenLine xmlns="" xmlns:a14="http://schemas.microsoft.com/office/drawing/2010/main" w="9525">
                 <a:solidFill>
                   <a:schemeClr val="tx1"/>
                 </a:solidFill>
@@ -9480,7 +9480,7 @@
               </a14:hiddenLine>
             </a:ext>
             <a:ext uri="{AF507438-7753-43E0-B8FC-AC1667EBCBE1}">
-              <a14:hiddenEffects xmlns:a14="http://schemas.microsoft.com/office/drawing/2010/main" xmlns="">
+              <a14:hiddenEffects xmlns="" xmlns:a14="http://schemas.microsoft.com/office/drawing/2010/main">
                 <a:effectLst>
                   <a:outerShdw dist="35921" dir="2700000" algn="ctr" rotWithShape="0">
                     <a:schemeClr val="bg2"/>
@@ -9523,7 +9523,7 @@
           <a:effectLst/>
           <a:extLst>
             <a:ext uri="{91240B29-F687-4F45-9708-019B960494DF}">
-              <a14:hiddenLine xmlns:a14="http://schemas.microsoft.com/office/drawing/2010/main" xmlns="" w="9525">
+              <a14:hiddenLine xmlns="" xmlns:a14="http://schemas.microsoft.com/office/drawing/2010/main" w="9525">
                 <a:solidFill>
                   <a:schemeClr val="tx1"/>
                 </a:solidFill>
@@ -9533,7 +9533,7 @@
               </a14:hiddenLine>
             </a:ext>
             <a:ext uri="{AF507438-7753-43E0-B8FC-AC1667EBCBE1}">
-              <a14:hiddenEffects xmlns:a14="http://schemas.microsoft.com/office/drawing/2010/main" xmlns="">
+              <a14:hiddenEffects xmlns="" xmlns:a14="http://schemas.microsoft.com/office/drawing/2010/main">
                 <a:effectLst>
                   <a:outerShdw dist="35921" dir="2700000" algn="ctr" rotWithShape="0">
                     <a:schemeClr val="bg2"/>
@@ -9669,7 +9669,7 @@
             <a:effectLst/>
             <a:extLst>
               <a:ext uri="{91240B29-F687-4F45-9708-019B960494DF}">
-                <a14:hiddenLine xmlns:a14="http://schemas.microsoft.com/office/drawing/2010/main" xmlns="" w="9525">
+                <a14:hiddenLine xmlns="" xmlns:a14="http://schemas.microsoft.com/office/drawing/2010/main" w="9525">
                   <a:solidFill>
                     <a:schemeClr val="tx1"/>
                   </a:solidFill>
@@ -9679,7 +9679,7 @@
                 </a14:hiddenLine>
               </a:ext>
               <a:ext uri="{AF507438-7753-43E0-B8FC-AC1667EBCBE1}">
-                <a14:hiddenEffects xmlns:a14="http://schemas.microsoft.com/office/drawing/2010/main" xmlns="">
+                <a14:hiddenEffects xmlns="" xmlns:a14="http://schemas.microsoft.com/office/drawing/2010/main">
                   <a:effectLst>
                     <a:outerShdw dist="35921" dir="2700000" algn="ctr" rotWithShape="0">
                       <a:schemeClr val="bg2"/>
@@ -9789,7 +9789,7 @@
             <a:effectLst/>
             <a:extLst>
               <a:ext uri="{91240B29-F687-4F45-9708-019B960494DF}">
-                <a14:hiddenLine xmlns:a14="http://schemas.microsoft.com/office/drawing/2010/main" xmlns="" w="9525">
+                <a14:hiddenLine xmlns="" xmlns:a14="http://schemas.microsoft.com/office/drawing/2010/main" w="9525">
                   <a:solidFill>
                     <a:schemeClr val="tx1"/>
                   </a:solidFill>
@@ -9799,7 +9799,7 @@
                 </a14:hiddenLine>
               </a:ext>
               <a:ext uri="{AF507438-7753-43E0-B8FC-AC1667EBCBE1}">
-                <a14:hiddenEffects xmlns:a14="http://schemas.microsoft.com/office/drawing/2010/main" xmlns="">
+                <a14:hiddenEffects xmlns="" xmlns:a14="http://schemas.microsoft.com/office/drawing/2010/main">
                   <a:effectLst>
                     <a:outerShdw dist="35921" dir="2700000" algn="ctr" rotWithShape="0">
                       <a:schemeClr val="bg2"/>
@@ -9911,7 +9911,7 @@
             <a:effectLst/>
             <a:extLst>
               <a:ext uri="{91240B29-F687-4F45-9708-019B960494DF}">
-                <a14:hiddenLine xmlns:a14="http://schemas.microsoft.com/office/drawing/2010/main" xmlns="" w="9525">
+                <a14:hiddenLine xmlns="" xmlns:a14="http://schemas.microsoft.com/office/drawing/2010/main" w="9525">
                   <a:solidFill>
                     <a:schemeClr val="tx1"/>
                   </a:solidFill>
@@ -9921,7 +9921,7 @@
                 </a14:hiddenLine>
               </a:ext>
               <a:ext uri="{AF507438-7753-43E0-B8FC-AC1667EBCBE1}">
-                <a14:hiddenEffects xmlns:a14="http://schemas.microsoft.com/office/drawing/2010/main" xmlns="">
+                <a14:hiddenEffects xmlns="" xmlns:a14="http://schemas.microsoft.com/office/drawing/2010/main">
                   <a:effectLst>
                     <a:outerShdw dist="35921" dir="2700000" algn="ctr" rotWithShape="0">
                       <a:schemeClr val="bg2"/>
@@ -9965,7 +9965,7 @@
           <a:effectLst/>
           <a:extLst>
             <a:ext uri="{91240B29-F687-4F45-9708-019B960494DF}">
-              <a14:hiddenLine xmlns:a14="http://schemas.microsoft.com/office/drawing/2010/main" xmlns="" w="9525">
+              <a14:hiddenLine xmlns="" xmlns:a14="http://schemas.microsoft.com/office/drawing/2010/main" w="9525">
                 <a:solidFill>
                   <a:schemeClr val="tx1"/>
                 </a:solidFill>
@@ -9975,7 +9975,7 @@
               </a14:hiddenLine>
             </a:ext>
             <a:ext uri="{AF507438-7753-43E0-B8FC-AC1667EBCBE1}">
-              <a14:hiddenEffects xmlns:a14="http://schemas.microsoft.com/office/drawing/2010/main" xmlns="">
+              <a14:hiddenEffects xmlns="" xmlns:a14="http://schemas.microsoft.com/office/drawing/2010/main">
                 <a:effectLst>
                   <a:outerShdw dist="35921" dir="2700000" algn="ctr" rotWithShape="0">
                     <a:schemeClr val="bg2"/>
@@ -10022,7 +10022,7 @@
           <a:effectLst/>
           <a:extLst>
             <a:ext uri="{91240B29-F687-4F45-9708-019B960494DF}">
-              <a14:hiddenLine xmlns:a14="http://schemas.microsoft.com/office/drawing/2010/main" xmlns="" w="9525">
+              <a14:hiddenLine xmlns="" xmlns:a14="http://schemas.microsoft.com/office/drawing/2010/main" w="9525">
                 <a:solidFill>
                   <a:schemeClr val="tx1"/>
                 </a:solidFill>
@@ -10032,7 +10032,7 @@
               </a14:hiddenLine>
             </a:ext>
             <a:ext uri="{AF507438-7753-43E0-B8FC-AC1667EBCBE1}">
-              <a14:hiddenEffects xmlns:a14="http://schemas.microsoft.com/office/drawing/2010/main" xmlns="">
+              <a14:hiddenEffects xmlns="" xmlns:a14="http://schemas.microsoft.com/office/drawing/2010/main">
                 <a:effectLst>
                   <a:outerShdw dist="35921" dir="2700000" algn="ctr" rotWithShape="0">
                     <a:schemeClr val="bg2"/>
@@ -10079,7 +10079,7 @@
           <a:effectLst/>
           <a:extLst>
             <a:ext uri="{91240B29-F687-4F45-9708-019B960494DF}">
-              <a14:hiddenLine xmlns:a14="http://schemas.microsoft.com/office/drawing/2010/main" xmlns="" w="9525">
+              <a14:hiddenLine xmlns="" xmlns:a14="http://schemas.microsoft.com/office/drawing/2010/main" w="9525">
                 <a:solidFill>
                   <a:schemeClr val="tx1"/>
                 </a:solidFill>
@@ -10089,7 +10089,7 @@
               </a14:hiddenLine>
             </a:ext>
             <a:ext uri="{AF507438-7753-43E0-B8FC-AC1667EBCBE1}">
-              <a14:hiddenEffects xmlns:a14="http://schemas.microsoft.com/office/drawing/2010/main" xmlns="">
+              <a14:hiddenEffects xmlns="" xmlns:a14="http://schemas.microsoft.com/office/drawing/2010/main">
                 <a:effectLst>
                   <a:outerShdw dist="35921" dir="2700000" algn="ctr" rotWithShape="0">
                     <a:schemeClr val="bg2"/>
@@ -10132,7 +10132,7 @@
           <a:effectLst/>
           <a:extLst>
             <a:ext uri="{91240B29-F687-4F45-9708-019B960494DF}">
-              <a14:hiddenLine xmlns:a14="http://schemas.microsoft.com/office/drawing/2010/main" xmlns="" w="9525">
+              <a14:hiddenLine xmlns="" xmlns:a14="http://schemas.microsoft.com/office/drawing/2010/main" w="9525">
                 <a:solidFill>
                   <a:schemeClr val="tx1"/>
                 </a:solidFill>
@@ -10142,7 +10142,7 @@
               </a14:hiddenLine>
             </a:ext>
             <a:ext uri="{AF507438-7753-43E0-B8FC-AC1667EBCBE1}">
-              <a14:hiddenEffects xmlns:a14="http://schemas.microsoft.com/office/drawing/2010/main" xmlns="">
+              <a14:hiddenEffects xmlns="" xmlns:a14="http://schemas.microsoft.com/office/drawing/2010/main">
                 <a:effectLst>
                   <a:outerShdw dist="35921" dir="2700000" algn="ctr" rotWithShape="0">
                     <a:schemeClr val="bg2"/>
@@ -10189,7 +10189,7 @@
           <a:effectLst/>
           <a:extLst>
             <a:ext uri="{91240B29-F687-4F45-9708-019B960494DF}">
-              <a14:hiddenLine xmlns:a14="http://schemas.microsoft.com/office/drawing/2010/main" xmlns="" w="9525">
+              <a14:hiddenLine xmlns="" xmlns:a14="http://schemas.microsoft.com/office/drawing/2010/main" w="9525">
                 <a:solidFill>
                   <a:schemeClr val="tx1"/>
                 </a:solidFill>
@@ -10199,7 +10199,7 @@
               </a14:hiddenLine>
             </a:ext>
             <a:ext uri="{AF507438-7753-43E0-B8FC-AC1667EBCBE1}">
-              <a14:hiddenEffects xmlns:a14="http://schemas.microsoft.com/office/drawing/2010/main" xmlns="">
+              <a14:hiddenEffects xmlns="" xmlns:a14="http://schemas.microsoft.com/office/drawing/2010/main">
                 <a:effectLst>
                   <a:outerShdw dist="35921" dir="2700000" algn="ctr" rotWithShape="0">
                     <a:schemeClr val="bg2"/>
@@ -10373,7 +10373,7 @@
           <a:effectLst/>
           <a:extLst>
             <a:ext uri="{91240B29-F687-4F45-9708-019B960494DF}">
-              <a14:hiddenLine xmlns:a14="http://schemas.microsoft.com/office/drawing/2010/main" xmlns="" w="9525">
+              <a14:hiddenLine xmlns="" xmlns:a14="http://schemas.microsoft.com/office/drawing/2010/main" w="9525">
                 <a:solidFill>
                   <a:schemeClr val="tx1"/>
                 </a:solidFill>
@@ -10383,7 +10383,7 @@
               </a14:hiddenLine>
             </a:ext>
             <a:ext uri="{AF507438-7753-43E0-B8FC-AC1667EBCBE1}">
-              <a14:hiddenEffects xmlns:a14="http://schemas.microsoft.com/office/drawing/2010/main" xmlns="">
+              <a14:hiddenEffects xmlns="" xmlns:a14="http://schemas.microsoft.com/office/drawing/2010/main">
                 <a:effectLst>
                   <a:outerShdw dist="35921" dir="2700000" algn="ctr" rotWithShape="0">
                     <a:schemeClr val="bg2"/>
@@ -10428,7 +10428,7 @@
           <a:effectLst/>
           <a:extLst>
             <a:ext uri="{91240B29-F687-4F45-9708-019B960494DF}">
-              <a14:hiddenLine xmlns:a14="http://schemas.microsoft.com/office/drawing/2010/main" xmlns="" w="9525">
+              <a14:hiddenLine xmlns="" xmlns:a14="http://schemas.microsoft.com/office/drawing/2010/main" w="9525">
                 <a:solidFill>
                   <a:schemeClr val="tx1"/>
                 </a:solidFill>
@@ -10438,7 +10438,7 @@
               </a14:hiddenLine>
             </a:ext>
             <a:ext uri="{AF507438-7753-43E0-B8FC-AC1667EBCBE1}">
-              <a14:hiddenEffects xmlns:a14="http://schemas.microsoft.com/office/drawing/2010/main" xmlns="">
+              <a14:hiddenEffects xmlns="" xmlns:a14="http://schemas.microsoft.com/office/drawing/2010/main">
                 <a:effectLst>
                   <a:outerShdw dist="35921" dir="2700000" algn="ctr" rotWithShape="0">
                     <a:schemeClr val="bg2"/>
@@ -10481,7 +10481,7 @@
           <a:effectLst/>
           <a:extLst>
             <a:ext uri="{91240B29-F687-4F45-9708-019B960494DF}">
-              <a14:hiddenLine xmlns:a14="http://schemas.microsoft.com/office/drawing/2010/main" xmlns="" w="9525">
+              <a14:hiddenLine xmlns="" xmlns:a14="http://schemas.microsoft.com/office/drawing/2010/main" w="9525">
                 <a:solidFill>
                   <a:schemeClr val="tx1"/>
                 </a:solidFill>
@@ -10491,7 +10491,7 @@
               </a14:hiddenLine>
             </a:ext>
             <a:ext uri="{AF507438-7753-43E0-B8FC-AC1667EBCBE1}">
-              <a14:hiddenEffects xmlns:a14="http://schemas.microsoft.com/office/drawing/2010/main" xmlns="">
+              <a14:hiddenEffects xmlns="" xmlns:a14="http://schemas.microsoft.com/office/drawing/2010/main">
                 <a:effectLst>
                   <a:outerShdw dist="35921" dir="2700000" algn="ctr" rotWithShape="0">
                     <a:schemeClr val="bg2"/>
@@ -10521,7 +10521,7 @@
           <a:blip r:embed="rId7" cstate="print">
             <a:extLst>
               <a:ext uri="{28A0092B-C50C-407E-A947-70E740481C1C}">
-                <a14:useLocalDpi xmlns:a14="http://schemas.microsoft.com/office/drawing/2010/main" xmlns="" val="0"/>
+                <a14:useLocalDpi xmlns="" xmlns:a14="http://schemas.microsoft.com/office/drawing/2010/main" val="0"/>
               </a:ext>
             </a:extLst>
           </a:blip>
@@ -10541,7 +10541,7 @@
           <a:noFill/>
           <a:extLst>
             <a:ext uri="{909E8E84-426E-40DD-AFC4-6F175D3DCCD1}">
-              <a14:hiddenFill xmlns:a14="http://schemas.microsoft.com/office/drawing/2010/main" xmlns="">
+              <a14:hiddenFill xmlns="" xmlns:a14="http://schemas.microsoft.com/office/drawing/2010/main">
                 <a:solidFill>
                   <a:srgbClr val="FFFFFF"/>
                 </a:solidFill>
@@ -10616,7 +10616,7 @@
           <a:effectLst/>
           <a:extLst>
             <a:ext uri="{91240B29-F687-4F45-9708-019B960494DF}">
-              <a14:hiddenLine xmlns:a14="http://schemas.microsoft.com/office/drawing/2010/main" xmlns="" w="9525">
+              <a14:hiddenLine xmlns="" xmlns:a14="http://schemas.microsoft.com/office/drawing/2010/main" w="9525">
                 <a:solidFill>
                   <a:schemeClr val="tx1"/>
                 </a:solidFill>
@@ -10626,7 +10626,7 @@
               </a14:hiddenLine>
             </a:ext>
             <a:ext uri="{AF507438-7753-43E0-B8FC-AC1667EBCBE1}">
-              <a14:hiddenEffects xmlns:a14="http://schemas.microsoft.com/office/drawing/2010/main" xmlns="">
+              <a14:hiddenEffects xmlns="" xmlns:a14="http://schemas.microsoft.com/office/drawing/2010/main">
                 <a:effectLst>
                   <a:outerShdw dist="35921" dir="2700000" algn="ctr" rotWithShape="0">
                     <a:schemeClr val="bg2"/>
@@ -10650,7 +10650,7 @@
     <a:masterClrMapping/>
   </p:clrMapOvr>
   <mc:AlternateContent xmlns:mc="http://schemas.openxmlformats.org/markup-compatibility/2006">
-    <mc:Choice xmlns:p14="http://schemas.microsoft.com/office/powerpoint/2010/main" xmlns="" Requires="p14">
+    <mc:Choice xmlns="" xmlns:p14="http://schemas.microsoft.com/office/powerpoint/2010/main" Requires="p14">
       <p:transition p14:dur="10"/>
     </mc:Choice>
     <mc:Fallback>
@@ -11501,7 +11501,7 @@
     </p:spTree>
     <p:extLst>
       <p:ext uri="{BB962C8B-B14F-4D97-AF65-F5344CB8AC3E}">
-        <p14:creationId xmlns:p14="http://schemas.microsoft.com/office/powerpoint/2010/main" xmlns="" val="3837632591"/>
+        <p14:creationId xmlns="" xmlns:p14="http://schemas.microsoft.com/office/powerpoint/2010/main" val="3837632591"/>
       </p:ext>
     </p:extLst>
   </p:cSld>
@@ -11509,7 +11509,7 @@
     <a:masterClrMapping/>
   </p:clrMapOvr>
   <mc:AlternateContent xmlns:mc="http://schemas.openxmlformats.org/markup-compatibility/2006">
-    <mc:Choice xmlns:p14="http://schemas.microsoft.com/office/powerpoint/2010/main" xmlns="" Requires="p14">
+    <mc:Choice xmlns="" xmlns:p14="http://schemas.microsoft.com/office/powerpoint/2010/main" Requires="p14">
       <p:transition p14:dur="10"/>
     </mc:Choice>
     <mc:Fallback>
@@ -11705,7 +11705,7 @@
     </p:spTree>
     <p:extLst>
       <p:ext uri="{BB962C8B-B14F-4D97-AF65-F5344CB8AC3E}">
-        <p14:creationId xmlns:p14="http://schemas.microsoft.com/office/powerpoint/2010/main" xmlns="" val="2834318928"/>
+        <p14:creationId xmlns="" xmlns:p14="http://schemas.microsoft.com/office/powerpoint/2010/main" val="2834318928"/>
       </p:ext>
     </p:extLst>
   </p:cSld>
@@ -11713,7 +11713,7 @@
     <a:masterClrMapping/>
   </p:clrMapOvr>
   <mc:AlternateContent xmlns:mc="http://schemas.openxmlformats.org/markup-compatibility/2006">
-    <mc:Choice xmlns:p14="http://schemas.microsoft.com/office/powerpoint/2010/main" xmlns="" Requires="p14">
+    <mc:Choice xmlns="" xmlns:p14="http://schemas.microsoft.com/office/powerpoint/2010/main" Requires="p14">
       <p:transition p14:dur="10"/>
     </mc:Choice>
     <mc:Fallback>
@@ -11996,7 +11996,7 @@
     </p:spTree>
     <p:extLst>
       <p:ext uri="{BB962C8B-B14F-4D97-AF65-F5344CB8AC3E}">
-        <p14:creationId xmlns:p14="http://schemas.microsoft.com/office/powerpoint/2010/main" xmlns="" val="4048891960"/>
+        <p14:creationId xmlns="" xmlns:p14="http://schemas.microsoft.com/office/powerpoint/2010/main" val="4048891960"/>
       </p:ext>
     </p:extLst>
   </p:cSld>
@@ -12004,7 +12004,7 @@
     <a:masterClrMapping/>
   </p:clrMapOvr>
   <mc:AlternateContent xmlns:mc="http://schemas.openxmlformats.org/markup-compatibility/2006">
-    <mc:Choice xmlns:p14="http://schemas.microsoft.com/office/powerpoint/2010/main" xmlns="" Requires="p14">
+    <mc:Choice xmlns="" xmlns:p14="http://schemas.microsoft.com/office/powerpoint/2010/main" Requires="p14">
       <p:transition p14:dur="10"/>
     </mc:Choice>
     <mc:Fallback>
@@ -12186,7 +12186,7 @@
     </p:spTree>
     <p:extLst>
       <p:ext uri="{BB962C8B-B14F-4D97-AF65-F5344CB8AC3E}">
-        <p14:creationId xmlns:p14="http://schemas.microsoft.com/office/powerpoint/2010/main" xmlns="" val="356270086"/>
+        <p14:creationId xmlns="" xmlns:p14="http://schemas.microsoft.com/office/powerpoint/2010/main" val="356270086"/>
       </p:ext>
     </p:extLst>
   </p:cSld>
@@ -12194,7 +12194,7 @@
     <a:masterClrMapping/>
   </p:clrMapOvr>
   <mc:AlternateContent xmlns:mc="http://schemas.openxmlformats.org/markup-compatibility/2006">
-    <mc:Choice xmlns:p14="http://schemas.microsoft.com/office/powerpoint/2010/main" xmlns="" Requires="p14">
+    <mc:Choice xmlns="" xmlns:p14="http://schemas.microsoft.com/office/powerpoint/2010/main" Requires="p14">
       <p:transition p14:dur="10"/>
     </mc:Choice>
     <mc:Fallback>
@@ -12369,7 +12369,7 @@
     </p:spTree>
     <p:extLst>
       <p:ext uri="{BB962C8B-B14F-4D97-AF65-F5344CB8AC3E}">
-        <p14:creationId xmlns:p14="http://schemas.microsoft.com/office/powerpoint/2010/main" xmlns="" val="1537390044"/>
+        <p14:creationId xmlns="" xmlns:p14="http://schemas.microsoft.com/office/powerpoint/2010/main" val="1537390044"/>
       </p:ext>
     </p:extLst>
   </p:cSld>
@@ -12377,7 +12377,7 @@
     <a:masterClrMapping/>
   </p:clrMapOvr>
   <mc:AlternateContent xmlns:mc="http://schemas.openxmlformats.org/markup-compatibility/2006">
-    <mc:Choice xmlns:p14="http://schemas.microsoft.com/office/powerpoint/2010/main" xmlns="" Requires="p14">
+    <mc:Choice xmlns="" xmlns:p14="http://schemas.microsoft.com/office/powerpoint/2010/main" Requires="p14">
       <p:transition p14:dur="10"/>
     </mc:Choice>
     <mc:Fallback>
@@ -12560,7 +12560,7 @@
     </p:spTree>
     <p:extLst>
       <p:ext uri="{BB962C8B-B14F-4D97-AF65-F5344CB8AC3E}">
-        <p14:creationId xmlns:p14="http://schemas.microsoft.com/office/powerpoint/2010/main" xmlns="" val="2350597799"/>
+        <p14:creationId xmlns="" xmlns:p14="http://schemas.microsoft.com/office/powerpoint/2010/main" val="2350597799"/>
       </p:ext>
     </p:extLst>
   </p:cSld>
@@ -12568,7 +12568,7 @@
     <a:masterClrMapping/>
   </p:clrMapOvr>
   <mc:AlternateContent xmlns:mc="http://schemas.openxmlformats.org/markup-compatibility/2006">
-    <mc:Choice xmlns:p14="http://schemas.microsoft.com/office/powerpoint/2010/main" xmlns="" Requires="p14">
+    <mc:Choice xmlns="" xmlns:p14="http://schemas.microsoft.com/office/powerpoint/2010/main" Requires="p14">
       <p:transition p14:dur="10"/>
     </mc:Choice>
     <mc:Fallback>
@@ -12747,7 +12747,7 @@
     </p:spTree>
     <p:extLst>
       <p:ext uri="{BB962C8B-B14F-4D97-AF65-F5344CB8AC3E}">
-        <p14:creationId xmlns:p14="http://schemas.microsoft.com/office/powerpoint/2010/main" xmlns="" val="1553643063"/>
+        <p14:creationId xmlns="" xmlns:p14="http://schemas.microsoft.com/office/powerpoint/2010/main" val="1553643063"/>
       </p:ext>
     </p:extLst>
   </p:cSld>
@@ -12755,7 +12755,7 @@
     <a:masterClrMapping/>
   </p:clrMapOvr>
   <mc:AlternateContent xmlns:mc="http://schemas.openxmlformats.org/markup-compatibility/2006">
-    <mc:Choice xmlns:p14="http://schemas.microsoft.com/office/powerpoint/2010/main" xmlns="" Requires="p14">
+    <mc:Choice xmlns="" xmlns:p14="http://schemas.microsoft.com/office/powerpoint/2010/main" Requires="p14">
       <p:transition p14:dur="10"/>
     </mc:Choice>
     <mc:Fallback>
@@ -12956,7 +12956,7 @@
     </p:spTree>
     <p:extLst>
       <p:ext uri="{BB962C8B-B14F-4D97-AF65-F5344CB8AC3E}">
-        <p14:creationId xmlns:p14="http://schemas.microsoft.com/office/powerpoint/2010/main" xmlns="" val="3931288045"/>
+        <p14:creationId xmlns="" xmlns:p14="http://schemas.microsoft.com/office/powerpoint/2010/main" val="3931288045"/>
       </p:ext>
     </p:extLst>
   </p:cSld>
@@ -12964,7 +12964,7 @@
     <a:masterClrMapping/>
   </p:clrMapOvr>
   <mc:AlternateContent xmlns:mc="http://schemas.openxmlformats.org/markup-compatibility/2006">
-    <mc:Choice xmlns:p14="http://schemas.microsoft.com/office/powerpoint/2010/main" xmlns="" Requires="p14">
+    <mc:Choice xmlns="" xmlns:p14="http://schemas.microsoft.com/office/powerpoint/2010/main" Requires="p14">
       <p:transition p14:dur="10"/>
     </mc:Choice>
     <mc:Fallback>
@@ -13261,7 +13261,7 @@
     </p:spTree>
     <p:extLst>
       <p:ext uri="{BB962C8B-B14F-4D97-AF65-F5344CB8AC3E}">
-        <p14:creationId xmlns:p14="http://schemas.microsoft.com/office/powerpoint/2010/main" xmlns="" val="1436502707"/>
+        <p14:creationId xmlns="" xmlns:p14="http://schemas.microsoft.com/office/powerpoint/2010/main" val="1436502707"/>
       </p:ext>
     </p:extLst>
   </p:cSld>
@@ -13269,7 +13269,7 @@
     <a:masterClrMapping/>
   </p:clrMapOvr>
   <mc:AlternateContent xmlns:mc="http://schemas.openxmlformats.org/markup-compatibility/2006">
-    <mc:Choice xmlns:p14="http://schemas.microsoft.com/office/powerpoint/2010/main" xmlns="" Requires="p14">
+    <mc:Choice xmlns="" xmlns:p14="http://schemas.microsoft.com/office/powerpoint/2010/main" Requires="p14">
       <p:transition p14:dur="10"/>
     </mc:Choice>
     <mc:Fallback>
@@ -13705,7 +13705,7 @@
     </p:spTree>
     <p:extLst>
       <p:ext uri="{BB962C8B-B14F-4D97-AF65-F5344CB8AC3E}">
-        <p14:creationId xmlns:p14="http://schemas.microsoft.com/office/powerpoint/2010/main" xmlns="" val="4218482637"/>
+        <p14:creationId xmlns="" xmlns:p14="http://schemas.microsoft.com/office/powerpoint/2010/main" val="4218482637"/>
       </p:ext>
     </p:extLst>
   </p:cSld>
@@ -13713,7 +13713,7 @@
     <a:masterClrMapping/>
   </p:clrMapOvr>
   <mc:AlternateContent xmlns:mc="http://schemas.openxmlformats.org/markup-compatibility/2006">
-    <mc:Choice xmlns:p14="http://schemas.microsoft.com/office/powerpoint/2010/main" xmlns="" Requires="p14">
+    <mc:Choice xmlns="" xmlns:p14="http://schemas.microsoft.com/office/powerpoint/2010/main" Requires="p14">
       <p:transition p14:dur="10"/>
     </mc:Choice>
     <mc:Fallback>
@@ -13840,7 +13840,7 @@
     </p:spTree>
     <p:extLst>
       <p:ext uri="{BB962C8B-B14F-4D97-AF65-F5344CB8AC3E}">
-        <p14:creationId xmlns:p14="http://schemas.microsoft.com/office/powerpoint/2010/main" xmlns="" val="3367094085"/>
+        <p14:creationId xmlns="" xmlns:p14="http://schemas.microsoft.com/office/powerpoint/2010/main" val="3367094085"/>
       </p:ext>
     </p:extLst>
   </p:cSld>
@@ -13848,7 +13848,7 @@
     <a:masterClrMapping/>
   </p:clrMapOvr>
   <mc:AlternateContent xmlns:mc="http://schemas.openxmlformats.org/markup-compatibility/2006">
-    <mc:Choice xmlns:p14="http://schemas.microsoft.com/office/powerpoint/2010/main" xmlns="" Requires="p14">
+    <mc:Choice xmlns="" xmlns:p14="http://schemas.microsoft.com/office/powerpoint/2010/main" Requires="p14">
       <p:transition p14:dur="10"/>
     </mc:Choice>
     <mc:Fallback>
@@ -13952,7 +13952,7 @@
     </p:spTree>
     <p:extLst>
       <p:ext uri="{BB962C8B-B14F-4D97-AF65-F5344CB8AC3E}">
-        <p14:creationId xmlns:p14="http://schemas.microsoft.com/office/powerpoint/2010/main" xmlns="" val="1902852705"/>
+        <p14:creationId xmlns="" xmlns:p14="http://schemas.microsoft.com/office/powerpoint/2010/main" val="1902852705"/>
       </p:ext>
     </p:extLst>
   </p:cSld>
@@ -13960,7 +13960,7 @@
     <a:masterClrMapping/>
   </p:clrMapOvr>
   <mc:AlternateContent xmlns:mc="http://schemas.openxmlformats.org/markup-compatibility/2006">
-    <mc:Choice xmlns:p14="http://schemas.microsoft.com/office/powerpoint/2010/main" xmlns="" Requires="p14">
+    <mc:Choice xmlns="" xmlns:p14="http://schemas.microsoft.com/office/powerpoint/2010/main" Requires="p14">
       <p:transition p14:dur="10"/>
     </mc:Choice>
     <mc:Fallback>
@@ -14246,7 +14246,7 @@
     </p:spTree>
     <p:extLst>
       <p:ext uri="{BB962C8B-B14F-4D97-AF65-F5344CB8AC3E}">
-        <p14:creationId xmlns:p14="http://schemas.microsoft.com/office/powerpoint/2010/main" xmlns="" val="3975071873"/>
+        <p14:creationId xmlns="" xmlns:p14="http://schemas.microsoft.com/office/powerpoint/2010/main" val="3975071873"/>
       </p:ext>
     </p:extLst>
   </p:cSld>
@@ -14254,7 +14254,7 @@
     <a:masterClrMapping/>
   </p:clrMapOvr>
   <mc:AlternateContent xmlns:mc="http://schemas.openxmlformats.org/markup-compatibility/2006">
-    <mc:Choice xmlns:p14="http://schemas.microsoft.com/office/powerpoint/2010/main" xmlns="" Requires="p14">
+    <mc:Choice xmlns="" xmlns:p14="http://schemas.microsoft.com/office/powerpoint/2010/main" Requires="p14">
       <p:transition p14:dur="10"/>
     </mc:Choice>
     <mc:Fallback>
@@ -14520,7 +14520,7 @@
     </p:spTree>
     <p:extLst>
       <p:ext uri="{BB962C8B-B14F-4D97-AF65-F5344CB8AC3E}">
-        <p14:creationId xmlns:p14="http://schemas.microsoft.com/office/powerpoint/2010/main" xmlns="" val="3345478573"/>
+        <p14:creationId xmlns="" xmlns:p14="http://schemas.microsoft.com/office/powerpoint/2010/main" val="3345478573"/>
       </p:ext>
     </p:extLst>
   </p:cSld>
@@ -14528,7 +14528,7 @@
     <a:masterClrMapping/>
   </p:clrMapOvr>
   <mc:AlternateContent xmlns:mc="http://schemas.openxmlformats.org/markup-compatibility/2006">
-    <mc:Choice xmlns:p14="http://schemas.microsoft.com/office/powerpoint/2010/main" xmlns="" Requires="p14">
+    <mc:Choice xmlns="" xmlns:p14="http://schemas.microsoft.com/office/powerpoint/2010/main" Requires="p14">
       <p:transition p14:dur="10"/>
     </mc:Choice>
     <mc:Fallback>
@@ -21395,7 +21395,7 @@
           <a:effectLst/>
           <a:extLst>
             <a:ext uri="{91240B29-F687-4F45-9708-019B960494DF}">
-              <a14:hiddenLine xmlns:a14="http://schemas.microsoft.com/office/drawing/2010/main" xmlns="" w="9525">
+              <a14:hiddenLine xmlns="" xmlns:a14="http://schemas.microsoft.com/office/drawing/2010/main" w="9525">
                 <a:solidFill>
                   <a:schemeClr val="tx1"/>
                 </a:solidFill>
@@ -21405,7 +21405,7 @@
               </a14:hiddenLine>
             </a:ext>
             <a:ext uri="{AF507438-7753-43E0-B8FC-AC1667EBCBE1}">
-              <a14:hiddenEffects xmlns:a14="http://schemas.microsoft.com/office/drawing/2010/main" xmlns="">
+              <a14:hiddenEffects xmlns="" xmlns:a14="http://schemas.microsoft.com/office/drawing/2010/main">
                 <a:effectLst>
                   <a:outerShdw dist="35921" dir="2700000" algn="ctr" rotWithShape="0">
                     <a:schemeClr val="bg2"/>
@@ -21515,7 +21515,7 @@
           <a:effectLst/>
           <a:extLst>
             <a:ext uri="{91240B29-F687-4F45-9708-019B960494DF}">
-              <a14:hiddenLine xmlns:a14="http://schemas.microsoft.com/office/drawing/2010/main" xmlns="" w="9525">
+              <a14:hiddenLine xmlns="" xmlns:a14="http://schemas.microsoft.com/office/drawing/2010/main" w="9525">
                 <a:solidFill>
                   <a:schemeClr val="tx1"/>
                 </a:solidFill>
@@ -21525,7 +21525,7 @@
               </a14:hiddenLine>
             </a:ext>
             <a:ext uri="{AF507438-7753-43E0-B8FC-AC1667EBCBE1}">
-              <a14:hiddenEffects xmlns:a14="http://schemas.microsoft.com/office/drawing/2010/main" xmlns="">
+              <a14:hiddenEffects xmlns="" xmlns:a14="http://schemas.microsoft.com/office/drawing/2010/main">
                 <a:effectLst>
                   <a:outerShdw dist="35921" dir="2700000" algn="ctr" rotWithShape="0">
                     <a:schemeClr val="bg2"/>
@@ -21634,7 +21634,7 @@
           <a:effectLst/>
           <a:extLst>
             <a:ext uri="{91240B29-F687-4F45-9708-019B960494DF}">
-              <a14:hiddenLine xmlns:a14="http://schemas.microsoft.com/office/drawing/2010/main" xmlns="" w="9525">
+              <a14:hiddenLine xmlns="" xmlns:a14="http://schemas.microsoft.com/office/drawing/2010/main" w="9525">
                 <a:solidFill>
                   <a:schemeClr val="tx1"/>
                 </a:solidFill>
@@ -21644,7 +21644,7 @@
               </a14:hiddenLine>
             </a:ext>
             <a:ext uri="{AF507438-7753-43E0-B8FC-AC1667EBCBE1}">
-              <a14:hiddenEffects xmlns:a14="http://schemas.microsoft.com/office/drawing/2010/main" xmlns="">
+              <a14:hiddenEffects xmlns="" xmlns:a14="http://schemas.microsoft.com/office/drawing/2010/main">
                 <a:effectLst>
                   <a:outerShdw dist="35921" dir="2700000" algn="ctr" rotWithShape="0">
                     <a:schemeClr val="bg2"/>
@@ -21754,7 +21754,7 @@
           <a:effectLst/>
           <a:extLst>
             <a:ext uri="{91240B29-F687-4F45-9708-019B960494DF}">
-              <a14:hiddenLine xmlns:a14="http://schemas.microsoft.com/office/drawing/2010/main" xmlns="" w="9525">
+              <a14:hiddenLine xmlns="" xmlns:a14="http://schemas.microsoft.com/office/drawing/2010/main" w="9525">
                 <a:solidFill>
                   <a:schemeClr val="tx1"/>
                 </a:solidFill>
@@ -21764,7 +21764,7 @@
               </a14:hiddenLine>
             </a:ext>
             <a:ext uri="{AF507438-7753-43E0-B8FC-AC1667EBCBE1}">
-              <a14:hiddenEffects xmlns:a14="http://schemas.microsoft.com/office/drawing/2010/main" xmlns="">
+              <a14:hiddenEffects xmlns="" xmlns:a14="http://schemas.microsoft.com/office/drawing/2010/main">
                 <a:effectLst>
                   <a:outerShdw dist="35921" dir="2700000" algn="ctr" rotWithShape="0">
                     <a:schemeClr val="bg2"/>
@@ -21886,7 +21886,7 @@
           <a:effectLst/>
           <a:extLst>
             <a:ext uri="{91240B29-F687-4F45-9708-019B960494DF}">
-              <a14:hiddenLine xmlns:a14="http://schemas.microsoft.com/office/drawing/2010/main" xmlns="" w="9525">
+              <a14:hiddenLine xmlns="" xmlns:a14="http://schemas.microsoft.com/office/drawing/2010/main" w="9525">
                 <a:solidFill>
                   <a:schemeClr val="tx1"/>
                 </a:solidFill>
@@ -21896,7 +21896,7 @@
               </a14:hiddenLine>
             </a:ext>
             <a:ext uri="{AF507438-7753-43E0-B8FC-AC1667EBCBE1}">
-              <a14:hiddenEffects xmlns:a14="http://schemas.microsoft.com/office/drawing/2010/main" xmlns="">
+              <a14:hiddenEffects xmlns="" xmlns:a14="http://schemas.microsoft.com/office/drawing/2010/main">
                 <a:effectLst>
                   <a:outerShdw dist="35921" dir="2700000" algn="ctr" rotWithShape="0">
                     <a:schemeClr val="bg2"/>
@@ -21939,7 +21939,7 @@
           <a:effectLst/>
           <a:extLst>
             <a:ext uri="{91240B29-F687-4F45-9708-019B960494DF}">
-              <a14:hiddenLine xmlns:a14="http://schemas.microsoft.com/office/drawing/2010/main" xmlns="" w="9525">
+              <a14:hiddenLine xmlns="" xmlns:a14="http://schemas.microsoft.com/office/drawing/2010/main" w="9525">
                 <a:solidFill>
                   <a:schemeClr val="tx1"/>
                 </a:solidFill>
@@ -21949,7 +21949,7 @@
               </a14:hiddenLine>
             </a:ext>
             <a:ext uri="{AF507438-7753-43E0-B8FC-AC1667EBCBE1}">
-              <a14:hiddenEffects xmlns:a14="http://schemas.microsoft.com/office/drawing/2010/main" xmlns="">
+              <a14:hiddenEffects xmlns="" xmlns:a14="http://schemas.microsoft.com/office/drawing/2010/main">
                 <a:effectLst>
                   <a:outerShdw dist="35921" dir="2700000" algn="ctr" rotWithShape="0">
                     <a:schemeClr val="bg2"/>
@@ -22045,7 +22045,7 @@
           <a:effectLst/>
           <a:extLst>
             <a:ext uri="{91240B29-F687-4F45-9708-019B960494DF}">
-              <a14:hiddenLine xmlns:a14="http://schemas.microsoft.com/office/drawing/2010/main" xmlns="" w="9525">
+              <a14:hiddenLine xmlns="" xmlns:a14="http://schemas.microsoft.com/office/drawing/2010/main" w="9525">
                 <a:solidFill>
                   <a:schemeClr val="tx1"/>
                 </a:solidFill>
@@ -22055,7 +22055,7 @@
               </a14:hiddenLine>
             </a:ext>
             <a:ext uri="{AF507438-7753-43E0-B8FC-AC1667EBCBE1}">
-              <a14:hiddenEffects xmlns:a14="http://schemas.microsoft.com/office/drawing/2010/main" xmlns="">
+              <a14:hiddenEffects xmlns="" xmlns:a14="http://schemas.microsoft.com/office/drawing/2010/main">
                 <a:effectLst>
                   <a:outerShdw dist="35921" dir="2700000" algn="ctr" rotWithShape="0">
                     <a:schemeClr val="bg2"/>
@@ -22098,14 +22098,14 @@
           <a:effectLst/>
           <a:extLst>
             <a:ext uri="{909E8E84-426E-40DD-AFC4-6F175D3DCCD1}">
-              <a14:hiddenFill xmlns:a14="http://schemas.microsoft.com/office/drawing/2010/main" xmlns="">
+              <a14:hiddenFill xmlns="" xmlns:a14="http://schemas.microsoft.com/office/drawing/2010/main">
                 <a:solidFill>
                   <a:schemeClr val="accent1"/>
                 </a:solidFill>
               </a14:hiddenFill>
             </a:ext>
             <a:ext uri="{91240B29-F687-4F45-9708-019B960494DF}">
-              <a14:hiddenLine xmlns:a14="http://schemas.microsoft.com/office/drawing/2010/main" xmlns="" w="9525">
+              <a14:hiddenLine xmlns="" xmlns:a14="http://schemas.microsoft.com/office/drawing/2010/main" w="9525">
                 <a:solidFill>
                   <a:schemeClr val="tx1"/>
                 </a:solidFill>
@@ -22115,7 +22115,7 @@
               </a14:hiddenLine>
             </a:ext>
             <a:ext uri="{AF507438-7753-43E0-B8FC-AC1667EBCBE1}">
-              <a14:hiddenEffects xmlns:a14="http://schemas.microsoft.com/office/drawing/2010/main" xmlns="">
+              <a14:hiddenEffects xmlns="" xmlns:a14="http://schemas.microsoft.com/office/drawing/2010/main">
                 <a:effectLst>
                   <a:outerShdw dist="35921" dir="2700000" algn="ctr" rotWithShape="0">
                     <a:schemeClr val="bg2"/>
@@ -22167,14 +22167,14 @@
           <a:effectLst/>
           <a:extLst>
             <a:ext uri="{909E8E84-426E-40DD-AFC4-6F175D3DCCD1}">
-              <a14:hiddenFill xmlns:a14="http://schemas.microsoft.com/office/drawing/2010/main" xmlns="">
+              <a14:hiddenFill xmlns="" xmlns:a14="http://schemas.microsoft.com/office/drawing/2010/main">
                 <a:solidFill>
                   <a:schemeClr val="accent1"/>
                 </a:solidFill>
               </a14:hiddenFill>
             </a:ext>
             <a:ext uri="{91240B29-F687-4F45-9708-019B960494DF}">
-              <a14:hiddenLine xmlns:a14="http://schemas.microsoft.com/office/drawing/2010/main" xmlns="" w="9525">
+              <a14:hiddenLine xmlns="" xmlns:a14="http://schemas.microsoft.com/office/drawing/2010/main" w="9525">
                 <a:solidFill>
                   <a:schemeClr val="tx1"/>
                 </a:solidFill>
@@ -22184,7 +22184,7 @@
               </a14:hiddenLine>
             </a:ext>
             <a:ext uri="{AF507438-7753-43E0-B8FC-AC1667EBCBE1}">
-              <a14:hiddenEffects xmlns:a14="http://schemas.microsoft.com/office/drawing/2010/main" xmlns="">
+              <a14:hiddenEffects xmlns="" xmlns:a14="http://schemas.microsoft.com/office/drawing/2010/main">
                 <a:effectLst>
                   <a:outerShdw dist="35921" dir="2700000" algn="ctr" rotWithShape="0">
                     <a:schemeClr val="bg2"/>
@@ -22264,14 +22264,14 @@
           <a:effectLst/>
           <a:extLst>
             <a:ext uri="{909E8E84-426E-40DD-AFC4-6F175D3DCCD1}">
-              <a14:hiddenFill xmlns:a14="http://schemas.microsoft.com/office/drawing/2010/main" xmlns="">
+              <a14:hiddenFill xmlns="" xmlns:a14="http://schemas.microsoft.com/office/drawing/2010/main">
                 <a:solidFill>
                   <a:schemeClr val="accent1"/>
                 </a:solidFill>
               </a14:hiddenFill>
             </a:ext>
             <a:ext uri="{91240B29-F687-4F45-9708-019B960494DF}">
-              <a14:hiddenLine xmlns:a14="http://schemas.microsoft.com/office/drawing/2010/main" xmlns="" w="9525">
+              <a14:hiddenLine xmlns="" xmlns:a14="http://schemas.microsoft.com/office/drawing/2010/main" w="9525">
                 <a:solidFill>
                   <a:schemeClr val="tx1"/>
                 </a:solidFill>
@@ -22281,7 +22281,7 @@
               </a14:hiddenLine>
             </a:ext>
             <a:ext uri="{AF507438-7753-43E0-B8FC-AC1667EBCBE1}">
-              <a14:hiddenEffects xmlns:a14="http://schemas.microsoft.com/office/drawing/2010/main" xmlns="">
+              <a14:hiddenEffects xmlns="" xmlns:a14="http://schemas.microsoft.com/office/drawing/2010/main">
                 <a:effectLst>
                   <a:outerShdw dist="35921" dir="2700000" algn="ctr" rotWithShape="0">
                     <a:schemeClr val="bg2"/>
@@ -22337,14 +22337,14 @@
           <a:effectLst/>
           <a:extLst>
             <a:ext uri="{909E8E84-426E-40DD-AFC4-6F175D3DCCD1}">
-              <a14:hiddenFill xmlns:a14="http://schemas.microsoft.com/office/drawing/2010/main" xmlns="">
+              <a14:hiddenFill xmlns="" xmlns:a14="http://schemas.microsoft.com/office/drawing/2010/main">
                 <a:solidFill>
                   <a:schemeClr val="accent1"/>
                 </a:solidFill>
               </a14:hiddenFill>
             </a:ext>
             <a:ext uri="{91240B29-F687-4F45-9708-019B960494DF}">
-              <a14:hiddenLine xmlns:a14="http://schemas.microsoft.com/office/drawing/2010/main" xmlns="" w="9525">
+              <a14:hiddenLine xmlns="" xmlns:a14="http://schemas.microsoft.com/office/drawing/2010/main" w="9525">
                 <a:solidFill>
                   <a:schemeClr val="tx1"/>
                 </a:solidFill>
@@ -22354,7 +22354,7 @@
               </a14:hiddenLine>
             </a:ext>
             <a:ext uri="{AF507438-7753-43E0-B8FC-AC1667EBCBE1}">
-              <a14:hiddenEffects xmlns:a14="http://schemas.microsoft.com/office/drawing/2010/main" xmlns="">
+              <a14:hiddenEffects xmlns="" xmlns:a14="http://schemas.microsoft.com/office/drawing/2010/main">
                 <a:effectLst>
                   <a:outerShdw dist="35921" dir="2700000" algn="ctr" rotWithShape="0">
                     <a:schemeClr val="bg2"/>
@@ -22410,14 +22410,14 @@
           <a:effectLst/>
           <a:extLst>
             <a:ext uri="{909E8E84-426E-40DD-AFC4-6F175D3DCCD1}">
-              <a14:hiddenFill xmlns:a14="http://schemas.microsoft.com/office/drawing/2010/main" xmlns="">
+              <a14:hiddenFill xmlns="" xmlns:a14="http://schemas.microsoft.com/office/drawing/2010/main">
                 <a:solidFill>
                   <a:schemeClr val="accent1"/>
                 </a:solidFill>
               </a14:hiddenFill>
             </a:ext>
             <a:ext uri="{91240B29-F687-4F45-9708-019B960494DF}">
-              <a14:hiddenLine xmlns:a14="http://schemas.microsoft.com/office/drawing/2010/main" xmlns="" w="9525">
+              <a14:hiddenLine xmlns="" xmlns:a14="http://schemas.microsoft.com/office/drawing/2010/main" w="9525">
                 <a:solidFill>
                   <a:schemeClr val="tx1"/>
                 </a:solidFill>
@@ -22427,7 +22427,7 @@
               </a14:hiddenLine>
             </a:ext>
             <a:ext uri="{AF507438-7753-43E0-B8FC-AC1667EBCBE1}">
-              <a14:hiddenEffects xmlns:a14="http://schemas.microsoft.com/office/drawing/2010/main" xmlns="">
+              <a14:hiddenEffects xmlns="" xmlns:a14="http://schemas.microsoft.com/office/drawing/2010/main">
                 <a:effectLst>
                   <a:outerShdw dist="35921" dir="2700000" algn="ctr" rotWithShape="0">
                     <a:schemeClr val="bg2"/>
@@ -22497,7 +22497,7 @@
           <a:effectLst/>
           <a:extLst>
             <a:ext uri="{AF507438-7753-43E0-B8FC-AC1667EBCBE1}">
-              <a14:hiddenEffects xmlns:a14="http://schemas.microsoft.com/office/drawing/2010/main" xmlns="">
+              <a14:hiddenEffects xmlns="" xmlns:a14="http://schemas.microsoft.com/office/drawing/2010/main">
                 <a:effectLst>
                   <a:outerShdw dist="35921" dir="2700000" algn="ctr" rotWithShape="0">
                     <a:schemeClr val="bg2"/>
@@ -22549,7 +22549,7 @@
           <a:effectLst/>
           <a:extLst>
             <a:ext uri="{AF507438-7753-43E0-B8FC-AC1667EBCBE1}">
-              <a14:hiddenEffects xmlns:a14="http://schemas.microsoft.com/office/drawing/2010/main" xmlns="">
+              <a14:hiddenEffects xmlns="" xmlns:a14="http://schemas.microsoft.com/office/drawing/2010/main">
                 <a:effectLst>
                   <a:outerShdw dist="35921" dir="2700000" algn="ctr" rotWithShape="0">
                     <a:schemeClr val="bg2"/>
@@ -22588,7 +22588,7 @@
     <p:sldLayoutId id="2147483663" r:id="rId15"/>
   </p:sldLayoutIdLst>
   <mc:AlternateContent xmlns:mc="http://schemas.openxmlformats.org/markup-compatibility/2006">
-    <mc:Choice xmlns:p14="http://schemas.microsoft.com/office/powerpoint/2010/main" xmlns="" Requires="p14">
+    <mc:Choice xmlns="" xmlns:p14="http://schemas.microsoft.com/office/powerpoint/2010/main" Requires="p14">
       <p:transition p14:dur="10"/>
     </mc:Choice>
     <mc:Fallback>
@@ -24303,7 +24303,16 @@
                 </a:solidFill>
                 <a:ea typeface="宋体" charset="-122"/>
               </a:rPr>
-              <a:t>的要素</a:t>
+              <a:t>的</a:t>
+            </a:r>
+            <a:r>
+              <a:rPr lang="zh-CN" altLang="en-US" sz="5400" dirty="0" smtClean="0">
+                <a:solidFill>
+                  <a:srgbClr val="0070C0"/>
+                </a:solidFill>
+                <a:ea typeface="宋体" charset="-122"/>
+              </a:rPr>
+              <a:t>秘诀</a:t>
             </a:r>
             <a:r>
               <a:rPr lang="en-US" altLang="zh-CN" sz="5400" dirty="0" smtClean="0">
@@ -24329,7 +24338,7 @@
                 </a:solidFill>
                 <a:ea typeface="宋体" charset="-122"/>
               </a:rPr>
-              <a:t>2017-8-6</a:t>
+              <a:t>2017-8-13</a:t>
             </a:r>
             <a:endParaRPr lang="en-US" altLang="zh-CN" sz="5400" dirty="0">
               <a:solidFill>
@@ -24346,7 +24355,7 @@
     <a:masterClrMapping/>
   </p:clrMapOvr>
   <mc:AlternateContent xmlns:mc="http://schemas.openxmlformats.org/markup-compatibility/2006">
-    <mc:Choice xmlns:p14="http://schemas.microsoft.com/office/powerpoint/2010/main" xmlns="" Requires="p14">
+    <mc:Choice xmlns="" xmlns:p14="http://schemas.microsoft.com/office/powerpoint/2010/main" Requires="p14">
       <p:transition p14:dur="10"/>
     </mc:Choice>
     <mc:Fallback>
@@ -24620,7 +24629,7 @@
     </p:spTree>
     <p:extLst>
       <p:ext uri="{BB962C8B-B14F-4D97-AF65-F5344CB8AC3E}">
-        <p14:creationId xmlns:p14="http://schemas.microsoft.com/office/powerpoint/2010/main" xmlns="" val="602482599"/>
+        <p14:creationId xmlns="" xmlns:p14="http://schemas.microsoft.com/office/powerpoint/2010/main" val="602482599"/>
       </p:ext>
     </p:extLst>
   </p:cSld>
@@ -24628,7 +24637,7 @@
     <a:masterClrMapping/>
   </p:clrMapOvr>
   <mc:AlternateContent xmlns:mc="http://schemas.openxmlformats.org/markup-compatibility/2006">
-    <mc:Choice xmlns:p14="http://schemas.microsoft.com/office/powerpoint/2010/main" xmlns="" Requires="p14">
+    <mc:Choice xmlns="" xmlns:p14="http://schemas.microsoft.com/office/powerpoint/2010/main" Requires="p14">
       <p:transition p14:dur="10"/>
     </mc:Choice>
     <mc:Fallback>
@@ -24952,7 +24961,7 @@
     </p:spTree>
     <p:extLst>
       <p:ext uri="{BB962C8B-B14F-4D97-AF65-F5344CB8AC3E}">
-        <p14:creationId xmlns:p14="http://schemas.microsoft.com/office/powerpoint/2010/main" xmlns="" val="602482599"/>
+        <p14:creationId xmlns="" xmlns:p14="http://schemas.microsoft.com/office/powerpoint/2010/main" val="602482599"/>
       </p:ext>
     </p:extLst>
   </p:cSld>
@@ -24960,7 +24969,7 @@
     <a:masterClrMapping/>
   </p:clrMapOvr>
   <mc:AlternateContent xmlns:mc="http://schemas.openxmlformats.org/markup-compatibility/2006">
-    <mc:Choice xmlns:p14="http://schemas.microsoft.com/office/powerpoint/2010/main" xmlns="" Requires="p14">
+    <mc:Choice xmlns="" xmlns:p14="http://schemas.microsoft.com/office/powerpoint/2010/main" Requires="p14">
       <p:transition p14:dur="10"/>
     </mc:Choice>
     <mc:Fallback>
@@ -25170,7 +25179,7 @@
     </p:spTree>
     <p:extLst>
       <p:ext uri="{BB962C8B-B14F-4D97-AF65-F5344CB8AC3E}">
-        <p14:creationId xmlns:p14="http://schemas.microsoft.com/office/powerpoint/2010/main" xmlns="" val="602482599"/>
+        <p14:creationId xmlns="" xmlns:p14="http://schemas.microsoft.com/office/powerpoint/2010/main" val="602482599"/>
       </p:ext>
     </p:extLst>
   </p:cSld>
@@ -25178,7 +25187,7 @@
     <a:masterClrMapping/>
   </p:clrMapOvr>
   <mc:AlternateContent xmlns:mc="http://schemas.openxmlformats.org/markup-compatibility/2006">
-    <mc:Choice xmlns:p14="http://schemas.microsoft.com/office/powerpoint/2010/main" xmlns="" Requires="p14">
+    <mc:Choice xmlns="" xmlns:p14="http://schemas.microsoft.com/office/powerpoint/2010/main" Requires="p14">
       <p:transition p14:dur="10"/>
     </mc:Choice>
     <mc:Fallback>
@@ -25362,7 +25371,7 @@
     </p:spTree>
     <p:extLst>
       <p:ext uri="{BB962C8B-B14F-4D97-AF65-F5344CB8AC3E}">
-        <p14:creationId xmlns:p14="http://schemas.microsoft.com/office/powerpoint/2010/main" xmlns="" val="274900122"/>
+        <p14:creationId xmlns="" xmlns:p14="http://schemas.microsoft.com/office/powerpoint/2010/main" val="274900122"/>
       </p:ext>
     </p:extLst>
   </p:cSld>
@@ -25370,7 +25379,7 @@
     <a:masterClrMapping/>
   </p:clrMapOvr>
   <mc:AlternateContent xmlns:mc="http://schemas.openxmlformats.org/markup-compatibility/2006">
-    <mc:Choice xmlns:p14="http://schemas.microsoft.com/office/powerpoint/2010/main" xmlns="" Requires="p14">
+    <mc:Choice xmlns="" xmlns:p14="http://schemas.microsoft.com/office/powerpoint/2010/main" Requires="p14">
       <p:transition p14:dur="10"/>
     </mc:Choice>
     <mc:Fallback>
@@ -25484,7 +25493,7 @@
     <a:masterClrMapping/>
   </p:clrMapOvr>
   <mc:AlternateContent xmlns:mc="http://schemas.openxmlformats.org/markup-compatibility/2006">
-    <mc:Choice xmlns:p14="http://schemas.microsoft.com/office/powerpoint/2010/main" xmlns="" Requires="p14">
+    <mc:Choice xmlns="" xmlns:p14="http://schemas.microsoft.com/office/powerpoint/2010/main" Requires="p14">
       <p:transition p14:dur="10"/>
     </mc:Choice>
     <mc:Fallback>
@@ -25627,7 +25636,7 @@
     <a:masterClrMapping/>
   </p:clrMapOvr>
   <mc:AlternateContent xmlns:mc="http://schemas.openxmlformats.org/markup-compatibility/2006">
-    <mc:Choice xmlns:p14="http://schemas.microsoft.com/office/powerpoint/2010/main" xmlns="" Requires="p14">
+    <mc:Choice xmlns="" xmlns:p14="http://schemas.microsoft.com/office/powerpoint/2010/main" Requires="p14">
       <p:transition p14:dur="10"/>
     </mc:Choice>
     <mc:Fallback>
@@ -25718,11 +25727,7 @@
             <a:pPr lvl="1"/>
             <a:r>
               <a:rPr lang="zh-CN" altLang="en-US" dirty="0" smtClean="0"/>
-              <a:t>最后一封</a:t>
-            </a:r>
-            <a:r>
-              <a:rPr lang="zh-CN" altLang="en-US" dirty="0" smtClean="0"/>
-              <a:t>书信</a:t>
+              <a:t>最后一封书信</a:t>
             </a:r>
             <a:endParaRPr lang="en-US" altLang="zh-CN" dirty="0" smtClean="0"/>
           </a:p>
@@ -25770,7 +25775,7 @@
     </p:spTree>
     <p:extLst>
       <p:ext uri="{BB962C8B-B14F-4D97-AF65-F5344CB8AC3E}">
-        <p14:creationId xmlns:p14="http://schemas.microsoft.com/office/powerpoint/2010/main" xmlns="" val="2916621134"/>
+        <p14:creationId xmlns="" xmlns:p14="http://schemas.microsoft.com/office/powerpoint/2010/main" val="2916621134"/>
       </p:ext>
     </p:extLst>
   </p:cSld>
@@ -25778,7 +25783,7 @@
     <a:masterClrMapping/>
   </p:clrMapOvr>
   <mc:AlternateContent xmlns:mc="http://schemas.openxmlformats.org/markup-compatibility/2006">
-    <mc:Choice xmlns:p14="http://schemas.microsoft.com/office/powerpoint/2010/main" xmlns="" Requires="p14">
+    <mc:Choice xmlns="" xmlns:p14="http://schemas.microsoft.com/office/powerpoint/2010/main" Requires="p14">
       <p:transition p14:dur="10"/>
     </mc:Choice>
     <mc:Fallback>
@@ -25956,7 +25961,7 @@
     <a:masterClrMapping/>
   </p:clrMapOvr>
   <mc:AlternateContent xmlns:mc="http://schemas.openxmlformats.org/markup-compatibility/2006">
-    <mc:Choice xmlns:p14="http://schemas.microsoft.com/office/powerpoint/2010/main" xmlns="" Requires="p14">
+    <mc:Choice xmlns="" xmlns:p14="http://schemas.microsoft.com/office/powerpoint/2010/main" Requires="p14">
       <p:transition p14:dur="10"/>
     </mc:Choice>
     <mc:Fallback>
@@ -26235,7 +26240,7 @@
     </p:spTree>
     <p:extLst>
       <p:ext uri="{BB962C8B-B14F-4D97-AF65-F5344CB8AC3E}">
-        <p14:creationId xmlns:p14="http://schemas.microsoft.com/office/powerpoint/2010/main" xmlns="" val="602482599"/>
+        <p14:creationId xmlns="" xmlns:p14="http://schemas.microsoft.com/office/powerpoint/2010/main" val="602482599"/>
       </p:ext>
     </p:extLst>
   </p:cSld>
@@ -26243,7 +26248,7 @@
     <a:masterClrMapping/>
   </p:clrMapOvr>
   <mc:AlternateContent xmlns:mc="http://schemas.openxmlformats.org/markup-compatibility/2006">
-    <mc:Choice xmlns:p14="http://schemas.microsoft.com/office/powerpoint/2010/main" xmlns="" Requires="p14">
+    <mc:Choice xmlns="" xmlns:p14="http://schemas.microsoft.com/office/powerpoint/2010/main" Requires="p14">
       <p:transition p14:dur="10"/>
     </mc:Choice>
     <mc:Fallback>
@@ -26550,7 +26555,7 @@
     </p:spTree>
     <p:extLst>
       <p:ext uri="{BB962C8B-B14F-4D97-AF65-F5344CB8AC3E}">
-        <p14:creationId xmlns:p14="http://schemas.microsoft.com/office/powerpoint/2010/main" xmlns="" val="602482599"/>
+        <p14:creationId xmlns="" xmlns:p14="http://schemas.microsoft.com/office/powerpoint/2010/main" val="602482599"/>
       </p:ext>
     </p:extLst>
   </p:cSld>
@@ -26558,7 +26563,7 @@
     <a:masterClrMapping/>
   </p:clrMapOvr>
   <mc:AlternateContent xmlns:mc="http://schemas.openxmlformats.org/markup-compatibility/2006">
-    <mc:Choice xmlns:p14="http://schemas.microsoft.com/office/powerpoint/2010/main" xmlns="" Requires="p14">
+    <mc:Choice xmlns="" xmlns:p14="http://schemas.microsoft.com/office/powerpoint/2010/main" Requires="p14">
       <p:transition p14:dur="10"/>
     </mc:Choice>
     <mc:Fallback>
@@ -26875,7 +26880,7 @@
     </p:spTree>
     <p:extLst>
       <p:ext uri="{BB962C8B-B14F-4D97-AF65-F5344CB8AC3E}">
-        <p14:creationId xmlns:p14="http://schemas.microsoft.com/office/powerpoint/2010/main" xmlns="" val="602482599"/>
+        <p14:creationId xmlns="" xmlns:p14="http://schemas.microsoft.com/office/powerpoint/2010/main" val="602482599"/>
       </p:ext>
     </p:extLst>
   </p:cSld>
@@ -26883,7 +26888,7 @@
     <a:masterClrMapping/>
   </p:clrMapOvr>
   <mc:AlternateContent xmlns:mc="http://schemas.openxmlformats.org/markup-compatibility/2006">
-    <mc:Choice xmlns:p14="http://schemas.microsoft.com/office/powerpoint/2010/main" xmlns="" Requires="p14">
+    <mc:Choice xmlns="" xmlns:p14="http://schemas.microsoft.com/office/powerpoint/2010/main" Requires="p14">
       <p:transition p14:dur="10"/>
     </mc:Choice>
     <mc:Fallback>
@@ -27092,7 +27097,23 @@
             <a:pPr lvl="2"/>
             <a:r>
               <a:rPr lang="zh-CN" altLang="en-US" dirty="0" smtClean="0"/>
-              <a:t>彼得三次不认主，耶稣基督看他一眼并不是责备他，而是赦免他，怕他软弱不再站起来 。</a:t>
+              <a:t>家人没有信主，很难相信；</a:t>
+            </a:r>
+            <a:endParaRPr lang="en-US" altLang="zh-CN" dirty="0" smtClean="0"/>
+          </a:p>
+          <a:p>
+            <a:pPr lvl="2"/>
+            <a:r>
+              <a:rPr lang="zh-CN" altLang="en-US" dirty="0" smtClean="0"/>
+              <a:t>羊群成长缓慢，用尽力气也</a:t>
+            </a:r>
+            <a:r>
+              <a:rPr lang="zh-CN" altLang="en-US" dirty="0" smtClean="0"/>
+              <a:t>不</a:t>
+            </a:r>
+            <a:r>
+              <a:rPr lang="zh-CN" altLang="en-US" dirty="0" smtClean="0"/>
+              <a:t>长。</a:t>
             </a:r>
             <a:endParaRPr lang="en-US" altLang="zh-CN" dirty="0" smtClean="0"/>
           </a:p>
@@ -27127,7 +27148,7 @@
     </p:spTree>
     <p:extLst>
       <p:ext uri="{BB962C8B-B14F-4D97-AF65-F5344CB8AC3E}">
-        <p14:creationId xmlns:p14="http://schemas.microsoft.com/office/powerpoint/2010/main" xmlns="" val="602482599"/>
+        <p14:creationId xmlns="" xmlns:p14="http://schemas.microsoft.com/office/powerpoint/2010/main" val="602482599"/>
       </p:ext>
     </p:extLst>
   </p:cSld>
@@ -27135,7 +27156,7 @@
     <a:masterClrMapping/>
   </p:clrMapOvr>
   <mc:AlternateContent xmlns:mc="http://schemas.openxmlformats.org/markup-compatibility/2006">
-    <mc:Choice xmlns:p14="http://schemas.microsoft.com/office/powerpoint/2010/main" xmlns="" Requires="p14">
+    <mc:Choice xmlns="" xmlns:p14="http://schemas.microsoft.com/office/powerpoint/2010/main" Requires="p14">
       <p:transition p14:dur="10"/>
     </mc:Choice>
     <mc:Fallback>
@@ -27454,7 +27475,7 @@
     </p:spTree>
     <p:extLst>
       <p:ext uri="{BB962C8B-B14F-4D97-AF65-F5344CB8AC3E}">
-        <p14:creationId xmlns:p14="http://schemas.microsoft.com/office/powerpoint/2010/main" xmlns="" val="602482599"/>
+        <p14:creationId xmlns="" xmlns:p14="http://schemas.microsoft.com/office/powerpoint/2010/main" val="602482599"/>
       </p:ext>
     </p:extLst>
   </p:cSld>
@@ -27462,7 +27483,7 @@
     <a:masterClrMapping/>
   </p:clrMapOvr>
   <mc:AlternateContent xmlns:mc="http://schemas.openxmlformats.org/markup-compatibility/2006">
-    <mc:Choice xmlns:p14="http://schemas.microsoft.com/office/powerpoint/2010/main" xmlns="" Requires="p14">
+    <mc:Choice xmlns="" xmlns:p14="http://schemas.microsoft.com/office/powerpoint/2010/main" Requires="p14">
       <p:transition p14:dur="10"/>
     </mc:Choice>
     <mc:Fallback>
